--- a/Main Folder/presentationFinal.pptx
+++ b/Main Folder/presentationFinal.pptx
@@ -5,25 +5,21 @@
     <p:sldMasterId id="2147483648" r:id="rId4"/>
   </p:sldMasterIdLst>
   <p:notesMasterIdLst>
-    <p:notesMasterId r:id="rId18"/>
+    <p:notesMasterId r:id="rId14"/>
   </p:notesMasterIdLst>
   <p:handoutMasterIdLst>
-    <p:handoutMasterId r:id="rId19"/>
+    <p:handoutMasterId r:id="rId15"/>
   </p:handoutMasterIdLst>
   <p:sldIdLst>
     <p:sldId id="256" r:id="rId5"/>
     <p:sldId id="258" r:id="rId6"/>
     <p:sldId id="275" r:id="rId7"/>
-    <p:sldId id="268" r:id="rId8"/>
-    <p:sldId id="272" r:id="rId9"/>
-    <p:sldId id="273" r:id="rId10"/>
-    <p:sldId id="274" r:id="rId11"/>
-    <p:sldId id="269" r:id="rId12"/>
-    <p:sldId id="271" r:id="rId13"/>
-    <p:sldId id="259" r:id="rId14"/>
-    <p:sldId id="260" r:id="rId15"/>
-    <p:sldId id="261" r:id="rId16"/>
-    <p:sldId id="262" r:id="rId17"/>
+    <p:sldId id="276" r:id="rId8"/>
+    <p:sldId id="277" r:id="rId9"/>
+    <p:sldId id="278" r:id="rId10"/>
+    <p:sldId id="279" r:id="rId11"/>
+    <p:sldId id="280" r:id="rId12"/>
+    <p:sldId id="281" r:id="rId13"/>
   </p:sldIdLst>
   <p:sldSz cx="12188825" cy="6858000"/>
   <p:notesSz cx="6858000" cy="9144000"/>
@@ -155,4019 +151,6 @@
 </p:presentation>
 </file>
 
-<file path=ppt/charts/chart1.xml><?xml version="1.0" encoding="utf-8"?>
-<c:chartSpace xmlns:c="http://schemas.openxmlformats.org/drawingml/2006/chart" xmlns:a="http://schemas.openxmlformats.org/drawingml/2006/main" xmlns:r="http://schemas.openxmlformats.org/officeDocument/2006/relationships" xmlns:c16r2="http://schemas.microsoft.com/office/drawing/2015/06/chart">
-  <c:date1904 val="0"/>
-  <c:lang val="en-US"/>
-  <c:roundedCorners val="0"/>
-  <mc:AlternateContent xmlns:mc="http://schemas.openxmlformats.org/markup-compatibility/2006">
-    <mc:Choice xmlns:c14="http://schemas.microsoft.com/office/drawing/2007/8/2/chart" Requires="c14">
-      <c14:style val="102"/>
-    </mc:Choice>
-    <mc:Fallback>
-      <c:style val="2"/>
-    </mc:Fallback>
-  </mc:AlternateContent>
-  <c:chart>
-    <c:autoTitleDeleted val="1"/>
-    <c:plotArea>
-      <c:layout/>
-      <c:barChart>
-        <c:barDir val="col"/>
-        <c:grouping val="clustered"/>
-        <c:varyColors val="0"/>
-        <c:ser>
-          <c:idx val="0"/>
-          <c:order val="0"/>
-          <c:tx>
-            <c:strRef>
-              <c:f>Sheet1!$B$1</c:f>
-              <c:strCache>
-                <c:ptCount val="1"/>
-                <c:pt idx="0">
-                  <c:v>Series 1</c:v>
-                </c:pt>
-              </c:strCache>
-            </c:strRef>
-          </c:tx>
-          <c:spPr>
-            <a:solidFill>
-              <a:schemeClr val="accent1"/>
-            </a:solidFill>
-            <a:ln>
-              <a:noFill/>
-            </a:ln>
-            <a:effectLst/>
-          </c:spPr>
-          <c:invertIfNegative val="0"/>
-          <c:cat>
-            <c:strRef>
-              <c:f>Sheet1!$A$2:$A$5</c:f>
-              <c:strCache>
-                <c:ptCount val="4"/>
-                <c:pt idx="0">
-                  <c:v>Category 1</c:v>
-                </c:pt>
-                <c:pt idx="1">
-                  <c:v>Category 2</c:v>
-                </c:pt>
-                <c:pt idx="2">
-                  <c:v>Category 3</c:v>
-                </c:pt>
-                <c:pt idx="3">
-                  <c:v>Category 4</c:v>
-                </c:pt>
-              </c:strCache>
-            </c:strRef>
-          </c:cat>
-          <c:val>
-            <c:numRef>
-              <c:f>Sheet1!$B$2:$B$5</c:f>
-              <c:numCache>
-                <c:formatCode>General</c:formatCode>
-                <c:ptCount val="4"/>
-                <c:pt idx="0">
-                  <c:v>4.3</c:v>
-                </c:pt>
-                <c:pt idx="1">
-                  <c:v>2.5</c:v>
-                </c:pt>
-                <c:pt idx="2">
-                  <c:v>3.5</c:v>
-                </c:pt>
-                <c:pt idx="3">
-                  <c:v>4.5</c:v>
-                </c:pt>
-              </c:numCache>
-            </c:numRef>
-          </c:val>
-          <c:extLst>
-            <c:ext xmlns:c16="http://schemas.microsoft.com/office/drawing/2014/chart" uri="{C3380CC4-5D6E-409C-BE32-E72D297353CC}">
-              <c16:uniqueId val="{00000000-A02C-4D3E-81C9-0771DCCFEFE2}"/>
-            </c:ext>
-          </c:extLst>
-        </c:ser>
-        <c:ser>
-          <c:idx val="1"/>
-          <c:order val="1"/>
-          <c:tx>
-            <c:strRef>
-              <c:f>Sheet1!$C$1</c:f>
-              <c:strCache>
-                <c:ptCount val="1"/>
-                <c:pt idx="0">
-                  <c:v>Series 2</c:v>
-                </c:pt>
-              </c:strCache>
-            </c:strRef>
-          </c:tx>
-          <c:spPr>
-            <a:solidFill>
-              <a:schemeClr val="accent2"/>
-            </a:solidFill>
-            <a:ln>
-              <a:noFill/>
-            </a:ln>
-            <a:effectLst/>
-          </c:spPr>
-          <c:invertIfNegative val="0"/>
-          <c:cat>
-            <c:strRef>
-              <c:f>Sheet1!$A$2:$A$5</c:f>
-              <c:strCache>
-                <c:ptCount val="4"/>
-                <c:pt idx="0">
-                  <c:v>Category 1</c:v>
-                </c:pt>
-                <c:pt idx="1">
-                  <c:v>Category 2</c:v>
-                </c:pt>
-                <c:pt idx="2">
-                  <c:v>Category 3</c:v>
-                </c:pt>
-                <c:pt idx="3">
-                  <c:v>Category 4</c:v>
-                </c:pt>
-              </c:strCache>
-            </c:strRef>
-          </c:cat>
-          <c:val>
-            <c:numRef>
-              <c:f>Sheet1!$C$2:$C$5</c:f>
-              <c:numCache>
-                <c:formatCode>General</c:formatCode>
-                <c:ptCount val="4"/>
-                <c:pt idx="0">
-                  <c:v>2.4</c:v>
-                </c:pt>
-                <c:pt idx="1">
-                  <c:v>4.4000000000000004</c:v>
-                </c:pt>
-                <c:pt idx="2">
-                  <c:v>1.8</c:v>
-                </c:pt>
-                <c:pt idx="3">
-                  <c:v>2.8</c:v>
-                </c:pt>
-              </c:numCache>
-            </c:numRef>
-          </c:val>
-          <c:extLst>
-            <c:ext xmlns:c16="http://schemas.microsoft.com/office/drawing/2014/chart" uri="{C3380CC4-5D6E-409C-BE32-E72D297353CC}">
-              <c16:uniqueId val="{00000001-A02C-4D3E-81C9-0771DCCFEFE2}"/>
-            </c:ext>
-          </c:extLst>
-        </c:ser>
-        <c:ser>
-          <c:idx val="2"/>
-          <c:order val="2"/>
-          <c:tx>
-            <c:strRef>
-              <c:f>Sheet1!$D$1</c:f>
-              <c:strCache>
-                <c:ptCount val="1"/>
-                <c:pt idx="0">
-                  <c:v>Series 3</c:v>
-                </c:pt>
-              </c:strCache>
-            </c:strRef>
-          </c:tx>
-          <c:spPr>
-            <a:solidFill>
-              <a:schemeClr val="accent3"/>
-            </a:solidFill>
-            <a:ln>
-              <a:noFill/>
-            </a:ln>
-            <a:effectLst/>
-          </c:spPr>
-          <c:invertIfNegative val="0"/>
-          <c:cat>
-            <c:strRef>
-              <c:f>Sheet1!$A$2:$A$5</c:f>
-              <c:strCache>
-                <c:ptCount val="4"/>
-                <c:pt idx="0">
-                  <c:v>Category 1</c:v>
-                </c:pt>
-                <c:pt idx="1">
-                  <c:v>Category 2</c:v>
-                </c:pt>
-                <c:pt idx="2">
-                  <c:v>Category 3</c:v>
-                </c:pt>
-                <c:pt idx="3">
-                  <c:v>Category 4</c:v>
-                </c:pt>
-              </c:strCache>
-            </c:strRef>
-          </c:cat>
-          <c:val>
-            <c:numRef>
-              <c:f>Sheet1!$D$2:$D$5</c:f>
-              <c:numCache>
-                <c:formatCode>General</c:formatCode>
-                <c:ptCount val="4"/>
-                <c:pt idx="0">
-                  <c:v>2</c:v>
-                </c:pt>
-                <c:pt idx="1">
-                  <c:v>2</c:v>
-                </c:pt>
-                <c:pt idx="2">
-                  <c:v>3</c:v>
-                </c:pt>
-                <c:pt idx="3">
-                  <c:v>5</c:v>
-                </c:pt>
-              </c:numCache>
-            </c:numRef>
-          </c:val>
-          <c:extLst>
-            <c:ext xmlns:c16="http://schemas.microsoft.com/office/drawing/2014/chart" uri="{C3380CC4-5D6E-409C-BE32-E72D297353CC}">
-              <c16:uniqueId val="{00000002-A02C-4D3E-81C9-0771DCCFEFE2}"/>
-            </c:ext>
-          </c:extLst>
-        </c:ser>
-        <c:dLbls>
-          <c:showLegendKey val="0"/>
-          <c:showVal val="0"/>
-          <c:showCatName val="0"/>
-          <c:showSerName val="0"/>
-          <c:showPercent val="0"/>
-          <c:showBubbleSize val="0"/>
-        </c:dLbls>
-        <c:gapWidth val="219"/>
-        <c:overlap val="-27"/>
-        <c:axId val="607790976"/>
-        <c:axId val="607790584"/>
-      </c:barChart>
-      <c:catAx>
-        <c:axId val="607790976"/>
-        <c:scaling>
-          <c:orientation val="minMax"/>
-        </c:scaling>
-        <c:delete val="0"/>
-        <c:axPos val="b"/>
-        <c:numFmt formatCode="General" sourceLinked="1"/>
-        <c:majorTickMark val="none"/>
-        <c:minorTickMark val="none"/>
-        <c:tickLblPos val="nextTo"/>
-        <c:spPr>
-          <a:noFill/>
-          <a:ln w="9525" cap="flat" cmpd="sng" algn="ctr">
-            <a:solidFill>
-              <a:schemeClr val="tx1">
-                <a:lumMod val="15000"/>
-                <a:lumOff val="85000"/>
-              </a:schemeClr>
-            </a:solidFill>
-            <a:round/>
-          </a:ln>
-          <a:effectLst/>
-        </c:spPr>
-        <c:txPr>
-          <a:bodyPr rot="-60000000" spcFirstLastPara="1" vertOverflow="ellipsis" vert="horz" wrap="square" anchor="ctr" anchorCtr="1"/>
-          <a:lstStyle/>
-          <a:p>
-            <a:pPr>
-              <a:defRPr sz="1197" b="0" i="0" u="none" strike="noStrike" kern="1200" baseline="0">
-                <a:solidFill>
-                  <a:schemeClr val="tx1">
-                    <a:lumMod val="65000"/>
-                    <a:lumOff val="35000"/>
-                  </a:schemeClr>
-                </a:solidFill>
-                <a:latin typeface="+mn-lt"/>
-                <a:ea typeface="+mn-ea"/>
-                <a:cs typeface="+mn-cs"/>
-              </a:defRPr>
-            </a:pPr>
-            <a:endParaRPr lang="en-US"/>
-          </a:p>
-        </c:txPr>
-        <c:crossAx val="607790584"/>
-        <c:crosses val="autoZero"/>
-        <c:auto val="1"/>
-        <c:lblAlgn val="ctr"/>
-        <c:lblOffset val="100"/>
-        <c:noMultiLvlLbl val="0"/>
-      </c:catAx>
-      <c:valAx>
-        <c:axId val="607790584"/>
-        <c:scaling>
-          <c:orientation val="minMax"/>
-        </c:scaling>
-        <c:delete val="0"/>
-        <c:axPos val="l"/>
-        <c:majorGridlines>
-          <c:spPr>
-            <a:ln w="9525" cap="flat" cmpd="sng" algn="ctr">
-              <a:solidFill>
-                <a:schemeClr val="tx1">
-                  <a:lumMod val="15000"/>
-                  <a:lumOff val="85000"/>
-                </a:schemeClr>
-              </a:solidFill>
-              <a:round/>
-            </a:ln>
-            <a:effectLst/>
-          </c:spPr>
-        </c:majorGridlines>
-        <c:numFmt formatCode="General" sourceLinked="1"/>
-        <c:majorTickMark val="none"/>
-        <c:minorTickMark val="none"/>
-        <c:tickLblPos val="nextTo"/>
-        <c:spPr>
-          <a:noFill/>
-          <a:ln>
-            <a:noFill/>
-          </a:ln>
-          <a:effectLst/>
-        </c:spPr>
-        <c:txPr>
-          <a:bodyPr rot="-60000000" spcFirstLastPara="1" vertOverflow="ellipsis" vert="horz" wrap="square" anchor="ctr" anchorCtr="1"/>
-          <a:lstStyle/>
-          <a:p>
-            <a:pPr>
-              <a:defRPr sz="1197" b="0" i="0" u="none" strike="noStrike" kern="1200" baseline="0">
-                <a:solidFill>
-                  <a:schemeClr val="tx1">
-                    <a:lumMod val="65000"/>
-                    <a:lumOff val="35000"/>
-                  </a:schemeClr>
-                </a:solidFill>
-                <a:latin typeface="+mn-lt"/>
-                <a:ea typeface="+mn-ea"/>
-                <a:cs typeface="+mn-cs"/>
-              </a:defRPr>
-            </a:pPr>
-            <a:endParaRPr lang="en-US"/>
-          </a:p>
-        </c:txPr>
-        <c:crossAx val="607790976"/>
-        <c:crosses val="autoZero"/>
-        <c:crossBetween val="between"/>
-      </c:valAx>
-      <c:spPr>
-        <a:noFill/>
-        <a:ln>
-          <a:noFill/>
-        </a:ln>
-        <a:effectLst/>
-      </c:spPr>
-    </c:plotArea>
-    <c:legend>
-      <c:legendPos val="b"/>
-      <c:overlay val="0"/>
-      <c:spPr>
-        <a:noFill/>
-        <a:ln>
-          <a:noFill/>
-        </a:ln>
-        <a:effectLst/>
-      </c:spPr>
-      <c:txPr>
-        <a:bodyPr rot="0" spcFirstLastPara="1" vertOverflow="ellipsis" vert="horz" wrap="square" anchor="ctr" anchorCtr="1"/>
-        <a:lstStyle/>
-        <a:p>
-          <a:pPr>
-            <a:defRPr sz="1197" b="0" i="0" u="none" strike="noStrike" kern="1200" baseline="0">
-              <a:solidFill>
-                <a:schemeClr val="tx1">
-                  <a:lumMod val="65000"/>
-                  <a:lumOff val="35000"/>
-                </a:schemeClr>
-              </a:solidFill>
-              <a:latin typeface="+mn-lt"/>
-              <a:ea typeface="+mn-ea"/>
-              <a:cs typeface="+mn-cs"/>
-            </a:defRPr>
-          </a:pPr>
-          <a:endParaRPr lang="en-US"/>
-        </a:p>
-      </c:txPr>
-    </c:legend>
-    <c:plotVisOnly val="1"/>
-    <c:dispBlanksAs val="gap"/>
-    <c:showDLblsOverMax val="0"/>
-  </c:chart>
-  <c:spPr>
-    <a:noFill/>
-    <a:ln>
-      <a:noFill/>
-    </a:ln>
-    <a:effectLst/>
-  </c:spPr>
-  <c:txPr>
-    <a:bodyPr/>
-    <a:lstStyle/>
-    <a:p>
-      <a:pPr>
-        <a:defRPr/>
-      </a:pPr>
-      <a:endParaRPr lang="en-US"/>
-    </a:p>
-  </c:txPr>
-  <c:externalData r:id="rId3">
-    <c:autoUpdate val="0"/>
-  </c:externalData>
-</c:chartSpace>
-</file>
-
-<file path=ppt/charts/colors1.xml><?xml version="1.0" encoding="utf-8"?>
-<cs:colorStyle xmlns:cs="http://schemas.microsoft.com/office/drawing/2012/chartStyle" xmlns:a="http://schemas.openxmlformats.org/drawingml/2006/main" meth="cycle" id="10">
-  <a:schemeClr val="accent1"/>
-  <a:schemeClr val="accent2"/>
-  <a:schemeClr val="accent3"/>
-  <a:schemeClr val="accent4"/>
-  <a:schemeClr val="accent5"/>
-  <a:schemeClr val="accent6"/>
-  <cs:variation/>
-  <cs:variation>
-    <a:lumMod val="60000"/>
-  </cs:variation>
-  <cs:variation>
-    <a:lumMod val="80000"/>
-    <a:lumOff val="20000"/>
-  </cs:variation>
-  <cs:variation>
-    <a:lumMod val="80000"/>
-  </cs:variation>
-  <cs:variation>
-    <a:lumMod val="60000"/>
-    <a:lumOff val="40000"/>
-  </cs:variation>
-  <cs:variation>
-    <a:lumMod val="50000"/>
-  </cs:variation>
-  <cs:variation>
-    <a:lumMod val="70000"/>
-    <a:lumOff val="30000"/>
-  </cs:variation>
-  <cs:variation>
-    <a:lumMod val="70000"/>
-  </cs:variation>
-  <cs:variation>
-    <a:lumMod val="50000"/>
-    <a:lumOff val="50000"/>
-  </cs:variation>
-</cs:colorStyle>
-</file>
-
-<file path=ppt/charts/style1.xml><?xml version="1.0" encoding="utf-8"?>
-<cs:chartStyle xmlns:cs="http://schemas.microsoft.com/office/drawing/2012/chartStyle" xmlns:a="http://schemas.openxmlformats.org/drawingml/2006/main" id="201">
-  <cs:axisTitle>
-    <cs:lnRef idx="0"/>
-    <cs:fillRef idx="0"/>
-    <cs:effectRef idx="0"/>
-    <cs:fontRef idx="minor">
-      <a:schemeClr val="tx1">
-        <a:lumMod val="65000"/>
-        <a:lumOff val="35000"/>
-      </a:schemeClr>
-    </cs:fontRef>
-    <cs:defRPr sz="1330" kern="1200"/>
-  </cs:axisTitle>
-  <cs:categoryAxis>
-    <cs:lnRef idx="0"/>
-    <cs:fillRef idx="0"/>
-    <cs:effectRef idx="0"/>
-    <cs:fontRef idx="minor">
-      <a:schemeClr val="tx1">
-        <a:lumMod val="65000"/>
-        <a:lumOff val="35000"/>
-      </a:schemeClr>
-    </cs:fontRef>
-    <cs:spPr>
-      <a:ln w="9525" cap="flat" cmpd="sng" algn="ctr">
-        <a:solidFill>
-          <a:schemeClr val="tx1">
-            <a:lumMod val="15000"/>
-            <a:lumOff val="85000"/>
-          </a:schemeClr>
-        </a:solidFill>
-        <a:round/>
-      </a:ln>
-    </cs:spPr>
-    <cs:defRPr sz="1197" kern="1200"/>
-  </cs:categoryAxis>
-  <cs:chartArea mods="allowNoFillOverride allowNoLineOverride">
-    <cs:lnRef idx="0"/>
-    <cs:fillRef idx="0"/>
-    <cs:effectRef idx="0"/>
-    <cs:fontRef idx="minor">
-      <a:schemeClr val="tx1"/>
-    </cs:fontRef>
-    <cs:spPr>
-      <a:solidFill>
-        <a:schemeClr val="bg1"/>
-      </a:solidFill>
-      <a:ln w="9525" cap="flat" cmpd="sng" algn="ctr">
-        <a:solidFill>
-          <a:schemeClr val="tx1">
-            <a:lumMod val="15000"/>
-            <a:lumOff val="85000"/>
-          </a:schemeClr>
-        </a:solidFill>
-        <a:round/>
-      </a:ln>
-    </cs:spPr>
-    <cs:defRPr sz="1330" kern="1200"/>
-  </cs:chartArea>
-  <cs:dataLabel>
-    <cs:lnRef idx="0"/>
-    <cs:fillRef idx="0"/>
-    <cs:effectRef idx="0"/>
-    <cs:fontRef idx="minor">
-      <a:schemeClr val="tx1">
-        <a:lumMod val="75000"/>
-        <a:lumOff val="25000"/>
-      </a:schemeClr>
-    </cs:fontRef>
-    <cs:defRPr sz="1197" kern="1200"/>
-  </cs:dataLabel>
-  <cs:dataLabelCallout>
-    <cs:lnRef idx="0"/>
-    <cs:fillRef idx="0"/>
-    <cs:effectRef idx="0"/>
-    <cs:fontRef idx="minor">
-      <a:schemeClr val="dk1">
-        <a:lumMod val="65000"/>
-        <a:lumOff val="35000"/>
-      </a:schemeClr>
-    </cs:fontRef>
-    <cs:spPr>
-      <a:solidFill>
-        <a:schemeClr val="lt1"/>
-      </a:solidFill>
-      <a:ln>
-        <a:solidFill>
-          <a:schemeClr val="dk1">
-            <a:lumMod val="25000"/>
-            <a:lumOff val="75000"/>
-          </a:schemeClr>
-        </a:solidFill>
-      </a:ln>
-    </cs:spPr>
-    <cs:defRPr sz="1197" kern="1200"/>
-  </cs:dataLabelCallout>
-  <cs:dataPoint>
-    <cs:lnRef idx="0"/>
-    <cs:fillRef idx="1">
-      <cs:styleClr val="auto"/>
-    </cs:fillRef>
-    <cs:effectRef idx="0"/>
-    <cs:fontRef idx="minor">
-      <a:schemeClr val="tx1"/>
-    </cs:fontRef>
-  </cs:dataPoint>
-  <cs:dataPoint3D>
-    <cs:lnRef idx="0"/>
-    <cs:fillRef idx="1">
-      <cs:styleClr val="auto"/>
-    </cs:fillRef>
-    <cs:effectRef idx="0"/>
-    <cs:fontRef idx="minor">
-      <a:schemeClr val="tx1"/>
-    </cs:fontRef>
-  </cs:dataPoint3D>
-  <cs:dataPointLine>
-    <cs:lnRef idx="0">
-      <cs:styleClr val="auto"/>
-    </cs:lnRef>
-    <cs:fillRef idx="1"/>
-    <cs:effectRef idx="0"/>
-    <cs:fontRef idx="minor">
-      <a:schemeClr val="tx1"/>
-    </cs:fontRef>
-    <cs:spPr>
-      <a:ln w="28575" cap="rnd">
-        <a:solidFill>
-          <a:schemeClr val="phClr"/>
-        </a:solidFill>
-        <a:round/>
-      </a:ln>
-    </cs:spPr>
-  </cs:dataPointLine>
-  <cs:dataPointMarker>
-    <cs:lnRef idx="0">
-      <cs:styleClr val="auto"/>
-    </cs:lnRef>
-    <cs:fillRef idx="1">
-      <cs:styleClr val="auto"/>
-    </cs:fillRef>
-    <cs:effectRef idx="0"/>
-    <cs:fontRef idx="minor">
-      <a:schemeClr val="tx1"/>
-    </cs:fontRef>
-    <cs:spPr>
-      <a:ln w="9525">
-        <a:solidFill>
-          <a:schemeClr val="phClr"/>
-        </a:solidFill>
-      </a:ln>
-    </cs:spPr>
-  </cs:dataPointMarker>
-  <cs:dataPointMarkerLayout symbol="circle" size="5"/>
-  <cs:dataPointWireframe>
-    <cs:lnRef idx="0">
-      <cs:styleClr val="auto"/>
-    </cs:lnRef>
-    <cs:fillRef idx="1"/>
-    <cs:effectRef idx="0"/>
-    <cs:fontRef idx="minor">
-      <a:schemeClr val="tx1"/>
-    </cs:fontRef>
-    <cs:spPr>
-      <a:ln w="9525" cap="rnd">
-        <a:solidFill>
-          <a:schemeClr val="phClr"/>
-        </a:solidFill>
-        <a:round/>
-      </a:ln>
-    </cs:spPr>
-  </cs:dataPointWireframe>
-  <cs:dataTable>
-    <cs:lnRef idx="0"/>
-    <cs:fillRef idx="0"/>
-    <cs:effectRef idx="0"/>
-    <cs:fontRef idx="minor">
-      <a:schemeClr val="tx1">
-        <a:lumMod val="65000"/>
-        <a:lumOff val="35000"/>
-      </a:schemeClr>
-    </cs:fontRef>
-    <cs:spPr>
-      <a:noFill/>
-      <a:ln w="9525" cap="flat" cmpd="sng" algn="ctr">
-        <a:solidFill>
-          <a:schemeClr val="tx1">
-            <a:lumMod val="15000"/>
-            <a:lumOff val="85000"/>
-          </a:schemeClr>
-        </a:solidFill>
-        <a:round/>
-      </a:ln>
-    </cs:spPr>
-    <cs:defRPr sz="1197" kern="1200"/>
-  </cs:dataTable>
-  <cs:downBar>
-    <cs:lnRef idx="0"/>
-    <cs:fillRef idx="0"/>
-    <cs:effectRef idx="0"/>
-    <cs:fontRef idx="minor">
-      <a:schemeClr val="dk1"/>
-    </cs:fontRef>
-    <cs:spPr>
-      <a:solidFill>
-        <a:schemeClr val="dk1">
-          <a:lumMod val="65000"/>
-          <a:lumOff val="35000"/>
-        </a:schemeClr>
-      </a:solidFill>
-      <a:ln w="9525">
-        <a:solidFill>
-          <a:schemeClr val="tx1">
-            <a:lumMod val="65000"/>
-            <a:lumOff val="35000"/>
-          </a:schemeClr>
-        </a:solidFill>
-      </a:ln>
-    </cs:spPr>
-  </cs:downBar>
-  <cs:dropLine>
-    <cs:lnRef idx="0"/>
-    <cs:fillRef idx="0"/>
-    <cs:effectRef idx="0"/>
-    <cs:fontRef idx="minor">
-      <a:schemeClr val="tx1"/>
-    </cs:fontRef>
-    <cs:spPr>
-      <a:ln w="9525" cap="flat" cmpd="sng" algn="ctr">
-        <a:solidFill>
-          <a:schemeClr val="tx1">
-            <a:lumMod val="35000"/>
-            <a:lumOff val="65000"/>
-          </a:schemeClr>
-        </a:solidFill>
-        <a:round/>
-      </a:ln>
-    </cs:spPr>
-  </cs:dropLine>
-  <cs:errorBar>
-    <cs:lnRef idx="0"/>
-    <cs:fillRef idx="0"/>
-    <cs:effectRef idx="0"/>
-    <cs:fontRef idx="minor">
-      <a:schemeClr val="tx1"/>
-    </cs:fontRef>
-    <cs:spPr>
-      <a:ln w="9525" cap="flat" cmpd="sng" algn="ctr">
-        <a:solidFill>
-          <a:schemeClr val="tx1">
-            <a:lumMod val="65000"/>
-            <a:lumOff val="35000"/>
-          </a:schemeClr>
-        </a:solidFill>
-        <a:round/>
-      </a:ln>
-    </cs:spPr>
-  </cs:errorBar>
-  <cs:floor>
-    <cs:lnRef idx="0"/>
-    <cs:fillRef idx="0"/>
-    <cs:effectRef idx="0"/>
-    <cs:fontRef idx="minor">
-      <a:schemeClr val="tx1"/>
-    </cs:fontRef>
-    <cs:spPr>
-      <a:noFill/>
-      <a:ln>
-        <a:noFill/>
-      </a:ln>
-    </cs:spPr>
-  </cs:floor>
-  <cs:gridlineMajor>
-    <cs:lnRef idx="0"/>
-    <cs:fillRef idx="0"/>
-    <cs:effectRef idx="0"/>
-    <cs:fontRef idx="minor">
-      <a:schemeClr val="tx1"/>
-    </cs:fontRef>
-    <cs:spPr>
-      <a:ln w="9525" cap="flat" cmpd="sng" algn="ctr">
-        <a:solidFill>
-          <a:schemeClr val="tx1">
-            <a:lumMod val="15000"/>
-            <a:lumOff val="85000"/>
-          </a:schemeClr>
-        </a:solidFill>
-        <a:round/>
-      </a:ln>
-    </cs:spPr>
-  </cs:gridlineMajor>
-  <cs:gridlineMinor>
-    <cs:lnRef idx="0"/>
-    <cs:fillRef idx="0"/>
-    <cs:effectRef idx="0"/>
-    <cs:fontRef idx="minor">
-      <a:schemeClr val="tx1"/>
-    </cs:fontRef>
-    <cs:spPr>
-      <a:ln w="9525" cap="flat" cmpd="sng" algn="ctr">
-        <a:solidFill>
-          <a:schemeClr val="tx1">
-            <a:lumMod val="5000"/>
-            <a:lumOff val="95000"/>
-          </a:schemeClr>
-        </a:solidFill>
-        <a:round/>
-      </a:ln>
-    </cs:spPr>
-  </cs:gridlineMinor>
-  <cs:hiLoLine>
-    <cs:lnRef idx="0"/>
-    <cs:fillRef idx="0"/>
-    <cs:effectRef idx="0"/>
-    <cs:fontRef idx="minor">
-      <a:schemeClr val="tx1"/>
-    </cs:fontRef>
-    <cs:spPr>
-      <a:ln w="9525" cap="flat" cmpd="sng" algn="ctr">
-        <a:solidFill>
-          <a:schemeClr val="tx1">
-            <a:lumMod val="75000"/>
-            <a:lumOff val="25000"/>
-          </a:schemeClr>
-        </a:solidFill>
-        <a:round/>
-      </a:ln>
-    </cs:spPr>
-  </cs:hiLoLine>
-  <cs:leaderLine>
-    <cs:lnRef idx="0"/>
-    <cs:fillRef idx="0"/>
-    <cs:effectRef idx="0"/>
-    <cs:fontRef idx="minor">
-      <a:schemeClr val="tx1"/>
-    </cs:fontRef>
-    <cs:spPr>
-      <a:ln w="9525" cap="flat" cmpd="sng" algn="ctr">
-        <a:solidFill>
-          <a:schemeClr val="tx1">
-            <a:lumMod val="35000"/>
-            <a:lumOff val="65000"/>
-          </a:schemeClr>
-        </a:solidFill>
-        <a:round/>
-      </a:ln>
-    </cs:spPr>
-  </cs:leaderLine>
-  <cs:legend>
-    <cs:lnRef idx="0"/>
-    <cs:fillRef idx="0"/>
-    <cs:effectRef idx="0"/>
-    <cs:fontRef idx="minor">
-      <a:schemeClr val="tx1">
-        <a:lumMod val="65000"/>
-        <a:lumOff val="35000"/>
-      </a:schemeClr>
-    </cs:fontRef>
-    <cs:defRPr sz="1197" kern="1200"/>
-  </cs:legend>
-  <cs:plotArea mods="allowNoFillOverride allowNoLineOverride">
-    <cs:lnRef idx="0"/>
-    <cs:fillRef idx="0"/>
-    <cs:effectRef idx="0"/>
-    <cs:fontRef idx="minor">
-      <a:schemeClr val="tx1"/>
-    </cs:fontRef>
-  </cs:plotArea>
-  <cs:plotArea3D mods="allowNoFillOverride allowNoLineOverride">
-    <cs:lnRef idx="0"/>
-    <cs:fillRef idx="0"/>
-    <cs:effectRef idx="0"/>
-    <cs:fontRef idx="minor">
-      <a:schemeClr val="tx1"/>
-    </cs:fontRef>
-  </cs:plotArea3D>
-  <cs:seriesAxis>
-    <cs:lnRef idx="0"/>
-    <cs:fillRef idx="0"/>
-    <cs:effectRef idx="0"/>
-    <cs:fontRef idx="minor">
-      <a:schemeClr val="tx1">
-        <a:lumMod val="65000"/>
-        <a:lumOff val="35000"/>
-      </a:schemeClr>
-    </cs:fontRef>
-    <cs:defRPr sz="1197" kern="1200"/>
-  </cs:seriesAxis>
-  <cs:seriesLine>
-    <cs:lnRef idx="0"/>
-    <cs:fillRef idx="0"/>
-    <cs:effectRef idx="0"/>
-    <cs:fontRef idx="minor">
-      <a:schemeClr val="tx1"/>
-    </cs:fontRef>
-    <cs:spPr>
-      <a:ln w="9525" cap="flat" cmpd="sng" algn="ctr">
-        <a:solidFill>
-          <a:schemeClr val="tx1">
-            <a:lumMod val="35000"/>
-            <a:lumOff val="65000"/>
-          </a:schemeClr>
-        </a:solidFill>
-        <a:round/>
-      </a:ln>
-    </cs:spPr>
-  </cs:seriesLine>
-  <cs:title>
-    <cs:lnRef idx="0"/>
-    <cs:fillRef idx="0"/>
-    <cs:effectRef idx="0"/>
-    <cs:fontRef idx="minor">
-      <a:schemeClr val="tx1">
-        <a:lumMod val="65000"/>
-        <a:lumOff val="35000"/>
-      </a:schemeClr>
-    </cs:fontRef>
-    <cs:defRPr sz="1862" b="0" kern="1200" spc="0" baseline="0"/>
-  </cs:title>
-  <cs:trendline>
-    <cs:lnRef idx="0">
-      <cs:styleClr val="auto"/>
-    </cs:lnRef>
-    <cs:fillRef idx="0"/>
-    <cs:effectRef idx="0"/>
-    <cs:fontRef idx="minor">
-      <a:schemeClr val="tx1"/>
-    </cs:fontRef>
-    <cs:spPr>
-      <a:ln w="19050" cap="rnd">
-        <a:solidFill>
-          <a:schemeClr val="phClr"/>
-        </a:solidFill>
-        <a:prstDash val="sysDot"/>
-      </a:ln>
-    </cs:spPr>
-  </cs:trendline>
-  <cs:trendlineLabel>
-    <cs:lnRef idx="0"/>
-    <cs:fillRef idx="0"/>
-    <cs:effectRef idx="0"/>
-    <cs:fontRef idx="minor">
-      <a:schemeClr val="tx1">
-        <a:lumMod val="65000"/>
-        <a:lumOff val="35000"/>
-      </a:schemeClr>
-    </cs:fontRef>
-    <cs:defRPr sz="1197" kern="1200"/>
-  </cs:trendlineLabel>
-  <cs:upBar>
-    <cs:lnRef idx="0"/>
-    <cs:fillRef idx="0"/>
-    <cs:effectRef idx="0"/>
-    <cs:fontRef idx="minor">
-      <a:schemeClr val="dk1"/>
-    </cs:fontRef>
-    <cs:spPr>
-      <a:solidFill>
-        <a:schemeClr val="lt1"/>
-      </a:solidFill>
-      <a:ln w="9525">
-        <a:solidFill>
-          <a:schemeClr val="tx1">
-            <a:lumMod val="15000"/>
-            <a:lumOff val="85000"/>
-          </a:schemeClr>
-        </a:solidFill>
-      </a:ln>
-    </cs:spPr>
-  </cs:upBar>
-  <cs:valueAxis>
-    <cs:lnRef idx="0"/>
-    <cs:fillRef idx="0"/>
-    <cs:effectRef idx="0"/>
-    <cs:fontRef idx="minor">
-      <a:schemeClr val="tx1">
-        <a:lumMod val="65000"/>
-        <a:lumOff val="35000"/>
-      </a:schemeClr>
-    </cs:fontRef>
-    <cs:defRPr sz="1197" kern="1200"/>
-  </cs:valueAxis>
-  <cs:wall>
-    <cs:lnRef idx="0"/>
-    <cs:fillRef idx="0"/>
-    <cs:effectRef idx="0"/>
-    <cs:fontRef idx="minor">
-      <a:schemeClr val="tx1"/>
-    </cs:fontRef>
-    <cs:spPr>
-      <a:noFill/>
-      <a:ln>
-        <a:noFill/>
-      </a:ln>
-    </cs:spPr>
-  </cs:wall>
-</cs:chartStyle>
-</file>
-
-<file path=ppt/diagrams/colors1.xml><?xml version="1.0" encoding="utf-8"?>
-<dgm:colorsDef xmlns:dgm="http://schemas.openxmlformats.org/drawingml/2006/diagram" xmlns:a="http://schemas.openxmlformats.org/drawingml/2006/main" uniqueId="urn:microsoft.com/office/officeart/2005/8/colors/accent4_1">
-  <dgm:title val=""/>
-  <dgm:desc val=""/>
-  <dgm:catLst>
-    <dgm:cat type="accent4" pri="11100"/>
-  </dgm:catLst>
-  <dgm:styleLbl name="node0">
-    <dgm:fillClrLst meth="repeat">
-      <a:schemeClr val="lt1"/>
-    </dgm:fillClrLst>
-    <dgm:linClrLst meth="repeat">
-      <a:schemeClr val="accent4">
-        <a:shade val="80000"/>
-      </a:schemeClr>
-    </dgm:linClrLst>
-    <dgm:effectClrLst/>
-    <dgm:txLinClrLst/>
-    <dgm:txFillClrLst meth="repeat">
-      <a:schemeClr val="dk1"/>
-    </dgm:txFillClrLst>
-    <dgm:txEffectClrLst/>
-  </dgm:styleLbl>
-  <dgm:styleLbl name="node1">
-    <dgm:fillClrLst meth="repeat">
-      <a:schemeClr val="lt1"/>
-    </dgm:fillClrLst>
-    <dgm:linClrLst meth="repeat">
-      <a:schemeClr val="accent4">
-        <a:shade val="80000"/>
-      </a:schemeClr>
-    </dgm:linClrLst>
-    <dgm:effectClrLst/>
-    <dgm:txLinClrLst/>
-    <dgm:txFillClrLst meth="repeat">
-      <a:schemeClr val="dk1"/>
-    </dgm:txFillClrLst>
-    <dgm:txEffectClrLst/>
-  </dgm:styleLbl>
-  <dgm:styleLbl name="alignNode1">
-    <dgm:fillClrLst meth="repeat">
-      <a:schemeClr val="lt1"/>
-    </dgm:fillClrLst>
-    <dgm:linClrLst meth="repeat">
-      <a:schemeClr val="accent4">
-        <a:shade val="80000"/>
-      </a:schemeClr>
-    </dgm:linClrLst>
-    <dgm:effectClrLst/>
-    <dgm:txLinClrLst/>
-    <dgm:txFillClrLst meth="repeat">
-      <a:schemeClr val="dk1"/>
-    </dgm:txFillClrLst>
-    <dgm:txEffectClrLst/>
-  </dgm:styleLbl>
-  <dgm:styleLbl name="lnNode1">
-    <dgm:fillClrLst meth="repeat">
-      <a:schemeClr val="lt1"/>
-    </dgm:fillClrLst>
-    <dgm:linClrLst meth="repeat">
-      <a:schemeClr val="accent4">
-        <a:shade val="80000"/>
-      </a:schemeClr>
-    </dgm:linClrLst>
-    <dgm:effectClrLst/>
-    <dgm:txLinClrLst/>
-    <dgm:txFillClrLst meth="repeat">
-      <a:schemeClr val="dk1"/>
-    </dgm:txFillClrLst>
-    <dgm:txEffectClrLst/>
-  </dgm:styleLbl>
-  <dgm:styleLbl name="vennNode1">
-    <dgm:fillClrLst meth="repeat">
-      <a:schemeClr val="lt1">
-        <a:alpha val="50000"/>
-      </a:schemeClr>
-    </dgm:fillClrLst>
-    <dgm:linClrLst meth="repeat">
-      <a:schemeClr val="accent4">
-        <a:shade val="80000"/>
-      </a:schemeClr>
-    </dgm:linClrLst>
-    <dgm:effectClrLst/>
-    <dgm:txLinClrLst/>
-    <dgm:txFillClrLst/>
-    <dgm:txEffectClrLst/>
-  </dgm:styleLbl>
-  <dgm:styleLbl name="node2">
-    <dgm:fillClrLst meth="repeat">
-      <a:schemeClr val="lt1"/>
-    </dgm:fillClrLst>
-    <dgm:linClrLst meth="repeat">
-      <a:schemeClr val="accent4">
-        <a:shade val="80000"/>
-      </a:schemeClr>
-    </dgm:linClrLst>
-    <dgm:effectClrLst/>
-    <dgm:txLinClrLst/>
-    <dgm:txFillClrLst meth="repeat">
-      <a:schemeClr val="dk1"/>
-    </dgm:txFillClrLst>
-    <dgm:txEffectClrLst/>
-  </dgm:styleLbl>
-  <dgm:styleLbl name="node3">
-    <dgm:fillClrLst meth="repeat">
-      <a:schemeClr val="lt1"/>
-    </dgm:fillClrLst>
-    <dgm:linClrLst meth="repeat">
-      <a:schemeClr val="accent4">
-        <a:shade val="80000"/>
-      </a:schemeClr>
-    </dgm:linClrLst>
-    <dgm:effectClrLst/>
-    <dgm:txLinClrLst/>
-    <dgm:txFillClrLst meth="repeat">
-      <a:schemeClr val="dk1"/>
-    </dgm:txFillClrLst>
-    <dgm:txEffectClrLst/>
-  </dgm:styleLbl>
-  <dgm:styleLbl name="node4">
-    <dgm:fillClrLst meth="repeat">
-      <a:schemeClr val="lt1"/>
-    </dgm:fillClrLst>
-    <dgm:linClrLst meth="repeat">
-      <a:schemeClr val="accent4">
-        <a:shade val="80000"/>
-      </a:schemeClr>
-    </dgm:linClrLst>
-    <dgm:effectClrLst/>
-    <dgm:txLinClrLst/>
-    <dgm:txFillClrLst meth="repeat">
-      <a:schemeClr val="dk1"/>
-    </dgm:txFillClrLst>
-    <dgm:txEffectClrLst/>
-  </dgm:styleLbl>
-  <dgm:styleLbl name="fgImgPlace1">
-    <dgm:fillClrLst meth="repeat">
-      <a:schemeClr val="accent4">
-        <a:tint val="40000"/>
-      </a:schemeClr>
-    </dgm:fillClrLst>
-    <dgm:linClrLst meth="repeat">
-      <a:schemeClr val="accent4">
-        <a:shade val="80000"/>
-      </a:schemeClr>
-    </dgm:linClrLst>
-    <dgm:effectClrLst/>
-    <dgm:txLinClrLst/>
-    <dgm:txFillClrLst meth="repeat">
-      <a:schemeClr val="lt1"/>
-    </dgm:txFillClrLst>
-    <dgm:txEffectClrLst/>
-  </dgm:styleLbl>
-  <dgm:styleLbl name="alignImgPlace1">
-    <dgm:fillClrLst meth="repeat">
-      <a:schemeClr val="accent4">
-        <a:tint val="40000"/>
-      </a:schemeClr>
-    </dgm:fillClrLst>
-    <dgm:linClrLst meth="repeat">
-      <a:schemeClr val="accent4">
-        <a:shade val="80000"/>
-      </a:schemeClr>
-    </dgm:linClrLst>
-    <dgm:effectClrLst/>
-    <dgm:txLinClrLst/>
-    <dgm:txFillClrLst meth="repeat">
-      <a:schemeClr val="lt1"/>
-    </dgm:txFillClrLst>
-    <dgm:txEffectClrLst/>
-  </dgm:styleLbl>
-  <dgm:styleLbl name="bgImgPlace1">
-    <dgm:fillClrLst meth="repeat">
-      <a:schemeClr val="accent4">
-        <a:tint val="40000"/>
-      </a:schemeClr>
-    </dgm:fillClrLst>
-    <dgm:linClrLst meth="repeat">
-      <a:schemeClr val="accent4">
-        <a:shade val="80000"/>
-      </a:schemeClr>
-    </dgm:linClrLst>
-    <dgm:effectClrLst/>
-    <dgm:txLinClrLst/>
-    <dgm:txFillClrLst meth="repeat">
-      <a:schemeClr val="lt1"/>
-    </dgm:txFillClrLst>
-    <dgm:txEffectClrLst/>
-  </dgm:styleLbl>
-  <dgm:styleLbl name="sibTrans2D1">
-    <dgm:fillClrLst meth="repeat">
-      <a:schemeClr val="accent4">
-        <a:tint val="60000"/>
-      </a:schemeClr>
-    </dgm:fillClrLst>
-    <dgm:linClrLst meth="repeat">
-      <a:schemeClr val="accent4">
-        <a:tint val="60000"/>
-      </a:schemeClr>
-    </dgm:linClrLst>
-    <dgm:effectClrLst/>
-    <dgm:txLinClrLst/>
-    <dgm:txFillClrLst meth="repeat">
-      <a:schemeClr val="dk1"/>
-    </dgm:txFillClrLst>
-    <dgm:txEffectClrLst/>
-  </dgm:styleLbl>
-  <dgm:styleLbl name="fgSibTrans2D1">
-    <dgm:fillClrLst meth="repeat">
-      <a:schemeClr val="accent4">
-        <a:tint val="60000"/>
-      </a:schemeClr>
-    </dgm:fillClrLst>
-    <dgm:linClrLst meth="repeat">
-      <a:schemeClr val="accent4">
-        <a:tint val="60000"/>
-      </a:schemeClr>
-    </dgm:linClrLst>
-    <dgm:effectClrLst/>
-    <dgm:txLinClrLst/>
-    <dgm:txFillClrLst meth="repeat">
-      <a:schemeClr val="dk1"/>
-    </dgm:txFillClrLst>
-    <dgm:txEffectClrLst/>
-  </dgm:styleLbl>
-  <dgm:styleLbl name="bgSibTrans2D1">
-    <dgm:fillClrLst meth="repeat">
-      <a:schemeClr val="accent4">
-        <a:tint val="60000"/>
-      </a:schemeClr>
-    </dgm:fillClrLst>
-    <dgm:linClrLst meth="repeat">
-      <a:schemeClr val="accent4">
-        <a:tint val="60000"/>
-      </a:schemeClr>
-    </dgm:linClrLst>
-    <dgm:effectClrLst/>
-    <dgm:txLinClrLst/>
-    <dgm:txFillClrLst meth="repeat">
-      <a:schemeClr val="dk1"/>
-    </dgm:txFillClrLst>
-    <dgm:txEffectClrLst/>
-  </dgm:styleLbl>
-  <dgm:styleLbl name="sibTrans1D1">
-    <dgm:fillClrLst meth="repeat">
-      <a:schemeClr val="accent4"/>
-    </dgm:fillClrLst>
-    <dgm:linClrLst meth="repeat">
-      <a:schemeClr val="accent4"/>
-    </dgm:linClrLst>
-    <dgm:effectClrLst/>
-    <dgm:txLinClrLst/>
-    <dgm:txFillClrLst meth="repeat">
-      <a:schemeClr val="tx1"/>
-    </dgm:txFillClrLst>
-    <dgm:txEffectClrLst/>
-  </dgm:styleLbl>
-  <dgm:styleLbl name="callout">
-    <dgm:fillClrLst meth="repeat">
-      <a:schemeClr val="accent4"/>
-    </dgm:fillClrLst>
-    <dgm:linClrLst meth="repeat">
-      <a:schemeClr val="accent4"/>
-    </dgm:linClrLst>
-    <dgm:effectClrLst/>
-    <dgm:txLinClrLst/>
-    <dgm:txFillClrLst meth="repeat">
-      <a:schemeClr val="tx1"/>
-    </dgm:txFillClrLst>
-    <dgm:txEffectClrLst/>
-  </dgm:styleLbl>
-  <dgm:styleLbl name="asst0">
-    <dgm:fillClrLst meth="repeat">
-      <a:schemeClr val="lt1"/>
-    </dgm:fillClrLst>
-    <dgm:linClrLst meth="repeat">
-      <a:schemeClr val="accent4">
-        <a:shade val="80000"/>
-      </a:schemeClr>
-    </dgm:linClrLst>
-    <dgm:effectClrLst/>
-    <dgm:txLinClrLst/>
-    <dgm:txFillClrLst meth="repeat">
-      <a:schemeClr val="dk1"/>
-    </dgm:txFillClrLst>
-    <dgm:txEffectClrLst/>
-  </dgm:styleLbl>
-  <dgm:styleLbl name="asst1">
-    <dgm:fillClrLst meth="repeat">
-      <a:schemeClr val="lt1"/>
-    </dgm:fillClrLst>
-    <dgm:linClrLst meth="repeat">
-      <a:schemeClr val="accent4">
-        <a:shade val="80000"/>
-      </a:schemeClr>
-    </dgm:linClrLst>
-    <dgm:effectClrLst/>
-    <dgm:txLinClrLst/>
-    <dgm:txFillClrLst meth="repeat">
-      <a:schemeClr val="dk1"/>
-    </dgm:txFillClrLst>
-    <dgm:txEffectClrLst/>
-  </dgm:styleLbl>
-  <dgm:styleLbl name="asst2">
-    <dgm:fillClrLst meth="repeat">
-      <a:schemeClr val="lt1"/>
-    </dgm:fillClrLst>
-    <dgm:linClrLst meth="repeat">
-      <a:schemeClr val="accent4">
-        <a:shade val="80000"/>
-      </a:schemeClr>
-    </dgm:linClrLst>
-    <dgm:effectClrLst/>
-    <dgm:txLinClrLst/>
-    <dgm:txFillClrLst meth="repeat">
-      <a:schemeClr val="dk1"/>
-    </dgm:txFillClrLst>
-    <dgm:txEffectClrLst/>
-  </dgm:styleLbl>
-  <dgm:styleLbl name="asst3">
-    <dgm:fillClrLst meth="repeat">
-      <a:schemeClr val="lt1"/>
-    </dgm:fillClrLst>
-    <dgm:linClrLst meth="repeat">
-      <a:schemeClr val="accent4">
-        <a:shade val="80000"/>
-      </a:schemeClr>
-    </dgm:linClrLst>
-    <dgm:effectClrLst/>
-    <dgm:txLinClrLst/>
-    <dgm:txFillClrLst meth="repeat">
-      <a:schemeClr val="dk1"/>
-    </dgm:txFillClrLst>
-    <dgm:txEffectClrLst/>
-  </dgm:styleLbl>
-  <dgm:styleLbl name="asst4">
-    <dgm:fillClrLst meth="repeat">
-      <a:schemeClr val="lt1"/>
-    </dgm:fillClrLst>
-    <dgm:linClrLst meth="repeat">
-      <a:schemeClr val="accent4">
-        <a:shade val="80000"/>
-      </a:schemeClr>
-    </dgm:linClrLst>
-    <dgm:effectClrLst/>
-    <dgm:txLinClrLst/>
-    <dgm:txFillClrLst meth="repeat">
-      <a:schemeClr val="dk1"/>
-    </dgm:txFillClrLst>
-    <dgm:txEffectClrLst/>
-  </dgm:styleLbl>
-  <dgm:styleLbl name="parChTrans2D1">
-    <dgm:fillClrLst meth="repeat">
-      <a:schemeClr val="accent4">
-        <a:tint val="60000"/>
-      </a:schemeClr>
-    </dgm:fillClrLst>
-    <dgm:linClrLst meth="repeat">
-      <a:schemeClr val="accent4">
-        <a:tint val="60000"/>
-      </a:schemeClr>
-    </dgm:linClrLst>
-    <dgm:effectClrLst/>
-    <dgm:txLinClrLst/>
-    <dgm:txFillClrLst/>
-    <dgm:txEffectClrLst/>
-  </dgm:styleLbl>
-  <dgm:styleLbl name="parChTrans2D2">
-    <dgm:fillClrLst meth="repeat">
-      <a:schemeClr val="accent4"/>
-    </dgm:fillClrLst>
-    <dgm:linClrLst meth="repeat">
-      <a:schemeClr val="accent4"/>
-    </dgm:linClrLst>
-    <dgm:effectClrLst/>
-    <dgm:txLinClrLst/>
-    <dgm:txFillClrLst/>
-    <dgm:txEffectClrLst/>
-  </dgm:styleLbl>
-  <dgm:styleLbl name="parChTrans2D3">
-    <dgm:fillClrLst meth="repeat">
-      <a:schemeClr val="accent4"/>
-    </dgm:fillClrLst>
-    <dgm:linClrLst meth="repeat">
-      <a:schemeClr val="accent4"/>
-    </dgm:linClrLst>
-    <dgm:effectClrLst/>
-    <dgm:txLinClrLst/>
-    <dgm:txFillClrLst/>
-    <dgm:txEffectClrLst/>
-  </dgm:styleLbl>
-  <dgm:styleLbl name="parChTrans2D4">
-    <dgm:fillClrLst meth="repeat">
-      <a:schemeClr val="accent4"/>
-    </dgm:fillClrLst>
-    <dgm:linClrLst meth="repeat">
-      <a:schemeClr val="accent4"/>
-    </dgm:linClrLst>
-    <dgm:effectClrLst/>
-    <dgm:txLinClrLst/>
-    <dgm:txFillClrLst meth="repeat">
-      <a:schemeClr val="lt1"/>
-    </dgm:txFillClrLst>
-    <dgm:txEffectClrLst/>
-  </dgm:styleLbl>
-  <dgm:styleLbl name="parChTrans1D1">
-    <dgm:fillClrLst meth="repeat">
-      <a:schemeClr val="accent4"/>
-    </dgm:fillClrLst>
-    <dgm:linClrLst meth="repeat">
-      <a:schemeClr val="accent4">
-        <a:shade val="60000"/>
-      </a:schemeClr>
-    </dgm:linClrLst>
-    <dgm:effectClrLst/>
-    <dgm:txLinClrLst/>
-    <dgm:txFillClrLst meth="repeat">
-      <a:schemeClr val="tx1"/>
-    </dgm:txFillClrLst>
-    <dgm:txEffectClrLst/>
-  </dgm:styleLbl>
-  <dgm:styleLbl name="parChTrans1D2">
-    <dgm:fillClrLst meth="repeat">
-      <a:schemeClr val="accent4"/>
-    </dgm:fillClrLst>
-    <dgm:linClrLst meth="repeat">
-      <a:schemeClr val="accent4">
-        <a:shade val="60000"/>
-      </a:schemeClr>
-    </dgm:linClrLst>
-    <dgm:effectClrLst/>
-    <dgm:txLinClrLst/>
-    <dgm:txFillClrLst meth="repeat">
-      <a:schemeClr val="tx1"/>
-    </dgm:txFillClrLst>
-    <dgm:txEffectClrLst/>
-  </dgm:styleLbl>
-  <dgm:styleLbl name="parChTrans1D3">
-    <dgm:fillClrLst meth="repeat">
-      <a:schemeClr val="accent4"/>
-    </dgm:fillClrLst>
-    <dgm:linClrLst meth="repeat">
-      <a:schemeClr val="accent4">
-        <a:shade val="80000"/>
-      </a:schemeClr>
-    </dgm:linClrLst>
-    <dgm:effectClrLst/>
-    <dgm:txLinClrLst/>
-    <dgm:txFillClrLst meth="repeat">
-      <a:schemeClr val="tx1"/>
-    </dgm:txFillClrLst>
-    <dgm:txEffectClrLst/>
-  </dgm:styleLbl>
-  <dgm:styleLbl name="parChTrans1D4">
-    <dgm:fillClrLst meth="repeat">
-      <a:schemeClr val="accent4"/>
-    </dgm:fillClrLst>
-    <dgm:linClrLst meth="repeat">
-      <a:schemeClr val="accent4">
-        <a:shade val="80000"/>
-      </a:schemeClr>
-    </dgm:linClrLst>
-    <dgm:effectClrLst/>
-    <dgm:txLinClrLst/>
-    <dgm:txFillClrLst meth="repeat">
-      <a:schemeClr val="tx1"/>
-    </dgm:txFillClrLst>
-    <dgm:txEffectClrLst/>
-  </dgm:styleLbl>
-  <dgm:styleLbl name="fgAcc1">
-    <dgm:fillClrLst meth="repeat">
-      <a:schemeClr val="accent4">
-        <a:alpha val="90000"/>
-        <a:tint val="40000"/>
-      </a:schemeClr>
-    </dgm:fillClrLst>
-    <dgm:linClrLst meth="repeat">
-      <a:schemeClr val="accent4"/>
-    </dgm:linClrLst>
-    <dgm:effectClrLst/>
-    <dgm:txLinClrLst/>
-    <dgm:txFillClrLst meth="repeat">
-      <a:schemeClr val="dk1"/>
-    </dgm:txFillClrLst>
-    <dgm:txEffectClrLst/>
-  </dgm:styleLbl>
-  <dgm:styleLbl name="conFgAcc1">
-    <dgm:fillClrLst meth="repeat">
-      <a:schemeClr val="accent4">
-        <a:alpha val="90000"/>
-        <a:tint val="40000"/>
-      </a:schemeClr>
-    </dgm:fillClrLst>
-    <dgm:linClrLst meth="repeat">
-      <a:schemeClr val="accent4"/>
-    </dgm:linClrLst>
-    <dgm:effectClrLst/>
-    <dgm:txLinClrLst/>
-    <dgm:txFillClrLst meth="repeat">
-      <a:schemeClr val="dk1"/>
-    </dgm:txFillClrLst>
-    <dgm:txEffectClrLst/>
-  </dgm:styleLbl>
-  <dgm:styleLbl name="alignAcc1">
-    <dgm:fillClrLst meth="repeat">
-      <a:schemeClr val="accent4">
-        <a:alpha val="90000"/>
-        <a:tint val="40000"/>
-      </a:schemeClr>
-    </dgm:fillClrLst>
-    <dgm:linClrLst meth="repeat">
-      <a:schemeClr val="accent4"/>
-    </dgm:linClrLst>
-    <dgm:effectClrLst/>
-    <dgm:txLinClrLst/>
-    <dgm:txFillClrLst meth="repeat">
-      <a:schemeClr val="dk1"/>
-    </dgm:txFillClrLst>
-    <dgm:txEffectClrLst/>
-  </dgm:styleLbl>
-  <dgm:styleLbl name="trAlignAcc1">
-    <dgm:fillClrLst meth="repeat">
-      <a:schemeClr val="accent4">
-        <a:alpha val="40000"/>
-        <a:tint val="40000"/>
-      </a:schemeClr>
-    </dgm:fillClrLst>
-    <dgm:linClrLst meth="repeat">
-      <a:schemeClr val="accent4"/>
-    </dgm:linClrLst>
-    <dgm:effectClrLst/>
-    <dgm:txLinClrLst/>
-    <dgm:txFillClrLst meth="repeat">
-      <a:schemeClr val="dk1"/>
-    </dgm:txFillClrLst>
-    <dgm:txEffectClrLst/>
-  </dgm:styleLbl>
-  <dgm:styleLbl name="bgAcc1">
-    <dgm:fillClrLst meth="repeat">
-      <a:schemeClr val="accent4">
-        <a:alpha val="90000"/>
-        <a:tint val="40000"/>
-      </a:schemeClr>
-    </dgm:fillClrLst>
-    <dgm:linClrLst meth="repeat">
-      <a:schemeClr val="accent4"/>
-    </dgm:linClrLst>
-    <dgm:effectClrLst/>
-    <dgm:txLinClrLst/>
-    <dgm:txFillClrLst meth="repeat">
-      <a:schemeClr val="dk1"/>
-    </dgm:txFillClrLst>
-    <dgm:txEffectClrLst/>
-  </dgm:styleLbl>
-  <dgm:styleLbl name="solidFgAcc1">
-    <dgm:fillClrLst meth="repeat">
-      <a:schemeClr val="lt1"/>
-    </dgm:fillClrLst>
-    <dgm:linClrLst meth="repeat">
-      <a:schemeClr val="accent4"/>
-    </dgm:linClrLst>
-    <dgm:effectClrLst/>
-    <dgm:txLinClrLst/>
-    <dgm:txFillClrLst meth="repeat">
-      <a:schemeClr val="dk1"/>
-    </dgm:txFillClrLst>
-    <dgm:txEffectClrLst/>
-  </dgm:styleLbl>
-  <dgm:styleLbl name="solidAlignAcc1">
-    <dgm:fillClrLst meth="repeat">
-      <a:schemeClr val="lt1"/>
-    </dgm:fillClrLst>
-    <dgm:linClrLst meth="repeat">
-      <a:schemeClr val="accent4"/>
-    </dgm:linClrLst>
-    <dgm:effectClrLst/>
-    <dgm:txLinClrLst/>
-    <dgm:txFillClrLst meth="repeat">
-      <a:schemeClr val="dk1"/>
-    </dgm:txFillClrLst>
-    <dgm:txEffectClrLst/>
-  </dgm:styleLbl>
-  <dgm:styleLbl name="solidBgAcc1">
-    <dgm:fillClrLst meth="repeat">
-      <a:schemeClr val="lt1"/>
-    </dgm:fillClrLst>
-    <dgm:linClrLst meth="repeat">
-      <a:schemeClr val="accent4"/>
-    </dgm:linClrLst>
-    <dgm:effectClrLst/>
-    <dgm:txLinClrLst/>
-    <dgm:txFillClrLst meth="repeat">
-      <a:schemeClr val="dk1"/>
-    </dgm:txFillClrLst>
-    <dgm:txEffectClrLst/>
-  </dgm:styleLbl>
-  <dgm:styleLbl name="fgAccFollowNode1">
-    <dgm:fillClrLst meth="repeat">
-      <a:schemeClr val="lt1">
-        <a:alpha val="90000"/>
-        <a:tint val="40000"/>
-      </a:schemeClr>
-    </dgm:fillClrLst>
-    <dgm:linClrLst meth="repeat">
-      <a:schemeClr val="accent4">
-        <a:alpha val="90000"/>
-      </a:schemeClr>
-    </dgm:linClrLst>
-    <dgm:effectClrLst/>
-    <dgm:txLinClrLst/>
-    <dgm:txFillClrLst meth="repeat">
-      <a:schemeClr val="dk1"/>
-    </dgm:txFillClrLst>
-    <dgm:txEffectClrLst/>
-  </dgm:styleLbl>
-  <dgm:styleLbl name="alignAccFollowNode1">
-    <dgm:fillClrLst meth="repeat">
-      <a:schemeClr val="lt1">
-        <a:alpha val="90000"/>
-        <a:tint val="40000"/>
-      </a:schemeClr>
-    </dgm:fillClrLst>
-    <dgm:linClrLst meth="repeat">
-      <a:schemeClr val="accent4">
-        <a:alpha val="90000"/>
-      </a:schemeClr>
-    </dgm:linClrLst>
-    <dgm:effectClrLst/>
-    <dgm:txLinClrLst/>
-    <dgm:txFillClrLst meth="repeat">
-      <a:schemeClr val="dk1"/>
-    </dgm:txFillClrLst>
-    <dgm:txEffectClrLst/>
-  </dgm:styleLbl>
-  <dgm:styleLbl name="bgAccFollowNode1">
-    <dgm:fillClrLst meth="repeat">
-      <a:schemeClr val="lt1">
-        <a:alpha val="90000"/>
-        <a:tint val="40000"/>
-      </a:schemeClr>
-    </dgm:fillClrLst>
-    <dgm:linClrLst meth="repeat">
-      <a:schemeClr val="accent4">
-        <a:alpha val="90000"/>
-      </a:schemeClr>
-    </dgm:linClrLst>
-    <dgm:effectClrLst/>
-    <dgm:txLinClrLst/>
-    <dgm:txFillClrLst meth="repeat">
-      <a:schemeClr val="dk1"/>
-    </dgm:txFillClrLst>
-    <dgm:txEffectClrLst/>
-  </dgm:styleLbl>
-  <dgm:styleLbl name="fgAcc0">
-    <dgm:fillClrLst meth="repeat">
-      <a:schemeClr val="accent4">
-        <a:alpha val="90000"/>
-        <a:tint val="40000"/>
-      </a:schemeClr>
-    </dgm:fillClrLst>
-    <dgm:linClrLst meth="repeat">
-      <a:schemeClr val="accent4"/>
-    </dgm:linClrLst>
-    <dgm:effectClrLst/>
-    <dgm:txLinClrLst/>
-    <dgm:txFillClrLst meth="repeat">
-      <a:schemeClr val="dk1"/>
-    </dgm:txFillClrLst>
-    <dgm:txEffectClrLst/>
-  </dgm:styleLbl>
-  <dgm:styleLbl name="fgAcc2">
-    <dgm:fillClrLst meth="repeat">
-      <a:schemeClr val="accent4">
-        <a:alpha val="90000"/>
-        <a:tint val="40000"/>
-      </a:schemeClr>
-    </dgm:fillClrLst>
-    <dgm:linClrLst meth="repeat">
-      <a:schemeClr val="accent4"/>
-    </dgm:linClrLst>
-    <dgm:effectClrLst/>
-    <dgm:txLinClrLst/>
-    <dgm:txFillClrLst meth="repeat">
-      <a:schemeClr val="dk1"/>
-    </dgm:txFillClrLst>
-    <dgm:txEffectClrLst/>
-  </dgm:styleLbl>
-  <dgm:styleLbl name="fgAcc3">
-    <dgm:fillClrLst meth="repeat">
-      <a:schemeClr val="accent4">
-        <a:alpha val="90000"/>
-        <a:tint val="40000"/>
-      </a:schemeClr>
-    </dgm:fillClrLst>
-    <dgm:linClrLst meth="repeat">
-      <a:schemeClr val="accent4"/>
-    </dgm:linClrLst>
-    <dgm:effectClrLst/>
-    <dgm:txLinClrLst/>
-    <dgm:txFillClrLst meth="repeat">
-      <a:schemeClr val="dk1"/>
-    </dgm:txFillClrLst>
-    <dgm:txEffectClrLst/>
-  </dgm:styleLbl>
-  <dgm:styleLbl name="fgAcc4">
-    <dgm:fillClrLst meth="repeat">
-      <a:schemeClr val="accent4">
-        <a:alpha val="90000"/>
-        <a:tint val="40000"/>
-      </a:schemeClr>
-    </dgm:fillClrLst>
-    <dgm:linClrLst meth="repeat">
-      <a:schemeClr val="accent4"/>
-    </dgm:linClrLst>
-    <dgm:effectClrLst/>
-    <dgm:txLinClrLst/>
-    <dgm:txFillClrLst meth="repeat">
-      <a:schemeClr val="dk1"/>
-    </dgm:txFillClrLst>
-    <dgm:txEffectClrLst/>
-  </dgm:styleLbl>
-  <dgm:styleLbl name="bgShp">
-    <dgm:fillClrLst meth="repeat">
-      <a:schemeClr val="accent4">
-        <a:tint val="40000"/>
-      </a:schemeClr>
-    </dgm:fillClrLst>
-    <dgm:linClrLst meth="repeat">
-      <a:schemeClr val="accent4"/>
-    </dgm:linClrLst>
-    <dgm:effectClrLst/>
-    <dgm:txLinClrLst/>
-    <dgm:txFillClrLst meth="repeat">
-      <a:schemeClr val="dk1"/>
-    </dgm:txFillClrLst>
-    <dgm:txEffectClrLst/>
-  </dgm:styleLbl>
-  <dgm:styleLbl name="dkBgShp">
-    <dgm:fillClrLst meth="repeat">
-      <a:schemeClr val="accent4">
-        <a:shade val="80000"/>
-      </a:schemeClr>
-    </dgm:fillClrLst>
-    <dgm:linClrLst meth="repeat">
-      <a:schemeClr val="accent4"/>
-    </dgm:linClrLst>
-    <dgm:effectClrLst/>
-    <dgm:txLinClrLst/>
-    <dgm:txFillClrLst meth="repeat">
-      <a:schemeClr val="lt1"/>
-    </dgm:txFillClrLst>
-    <dgm:txEffectClrLst/>
-  </dgm:styleLbl>
-  <dgm:styleLbl name="trBgShp">
-    <dgm:fillClrLst meth="repeat">
-      <a:schemeClr val="accent4">
-        <a:tint val="50000"/>
-        <a:alpha val="40000"/>
-      </a:schemeClr>
-    </dgm:fillClrLst>
-    <dgm:linClrLst meth="repeat">
-      <a:schemeClr val="accent4"/>
-    </dgm:linClrLst>
-    <dgm:effectClrLst/>
-    <dgm:txLinClrLst/>
-    <dgm:txFillClrLst meth="repeat">
-      <a:schemeClr val="lt1"/>
-    </dgm:txFillClrLst>
-    <dgm:txEffectClrLst/>
-  </dgm:styleLbl>
-  <dgm:styleLbl name="fgShp">
-    <dgm:fillClrLst meth="repeat">
-      <a:schemeClr val="accent4">
-        <a:tint val="60000"/>
-      </a:schemeClr>
-    </dgm:fillClrLst>
-    <dgm:linClrLst meth="repeat">
-      <a:schemeClr val="lt1"/>
-    </dgm:linClrLst>
-    <dgm:effectClrLst/>
-    <dgm:txLinClrLst/>
-    <dgm:txFillClrLst meth="repeat">
-      <a:schemeClr val="dk1"/>
-    </dgm:txFillClrLst>
-    <dgm:txEffectClrLst/>
-  </dgm:styleLbl>
-  <dgm:styleLbl name="revTx">
-    <dgm:fillClrLst meth="repeat">
-      <a:schemeClr val="lt1">
-        <a:alpha val="0"/>
-      </a:schemeClr>
-    </dgm:fillClrLst>
-    <dgm:linClrLst meth="repeat">
-      <a:schemeClr val="dk1">
-        <a:alpha val="0"/>
-      </a:schemeClr>
-    </dgm:linClrLst>
-    <dgm:effectClrLst/>
-    <dgm:txLinClrLst/>
-    <dgm:txFillClrLst meth="repeat">
-      <a:schemeClr val="tx1"/>
-    </dgm:txFillClrLst>
-    <dgm:txEffectClrLst/>
-  </dgm:styleLbl>
-</dgm:colorsDef>
-</file>
-
-<file path=ppt/diagrams/data1.xml><?xml version="1.0" encoding="utf-8"?>
-<dgm:dataModel xmlns:dgm="http://schemas.openxmlformats.org/drawingml/2006/diagram" xmlns:a="http://schemas.openxmlformats.org/drawingml/2006/main">
-  <dgm:ptLst>
-    <dgm:pt modelId="{D44E9E87-B9B9-4324-8110-FB781FB2AAAE}" type="doc">
-      <dgm:prSet loTypeId="urn:microsoft.com/office/officeart/2005/8/layout/radial6" loCatId="cycle" qsTypeId="urn:microsoft.com/office/officeart/2005/8/quickstyle/simple1" qsCatId="simple" csTypeId="urn:microsoft.com/office/officeart/2005/8/colors/accent4_1" csCatId="accent4" phldr="1"/>
-      <dgm:spPr/>
-      <dgm:t>
-        <a:bodyPr/>
-        <a:lstStyle/>
-        <a:p>
-          <a:endParaRPr lang="en-US"/>
-        </a:p>
-      </dgm:t>
-    </dgm:pt>
-    <dgm:pt modelId="{170C0135-3A94-4623-AA81-735573228628}">
-      <dgm:prSet phldrT="[Text]"/>
-      <dgm:spPr/>
-      <dgm:t>
-        <a:bodyPr/>
-        <a:lstStyle/>
-        <a:p>
-          <a:r>
-            <a:rPr lang="en-US" dirty="0"/>
-            <a:t>Group A</a:t>
-          </a:r>
-        </a:p>
-      </dgm:t>
-      <dgm:extLst>
-        <a:ext uri="{E40237B7-FDA0-4F09-8148-C483321AD2D9}">
-          <dgm14:cNvPr xmlns:dgm14="http://schemas.microsoft.com/office/drawing/2010/diagram" id="0" name="" title="Group A"/>
-        </a:ext>
-      </dgm:extLst>
-    </dgm:pt>
-    <dgm:pt modelId="{7EDBC624-DFE3-497D-829C-08721ACED330}" type="parTrans" cxnId="{22A430BA-B6E0-4052-AE0E-A81596E2528E}">
-      <dgm:prSet/>
-      <dgm:spPr/>
-      <dgm:t>
-        <a:bodyPr/>
-        <a:lstStyle/>
-        <a:p>
-          <a:endParaRPr lang="en-US"/>
-        </a:p>
-      </dgm:t>
-    </dgm:pt>
-    <dgm:pt modelId="{D38474F5-0992-4D39-B19C-1F963AEBACD2}" type="sibTrans" cxnId="{22A430BA-B6E0-4052-AE0E-A81596E2528E}">
-      <dgm:prSet/>
-      <dgm:spPr/>
-      <dgm:t>
-        <a:bodyPr/>
-        <a:lstStyle/>
-        <a:p>
-          <a:endParaRPr lang="en-US"/>
-        </a:p>
-      </dgm:t>
-    </dgm:pt>
-    <dgm:pt modelId="{B8E35523-DEC4-40C5-AD71-C446E3CF02A7}">
-      <dgm:prSet phldrT="[Text]"/>
-      <dgm:spPr/>
-      <dgm:t>
-        <a:bodyPr/>
-        <a:lstStyle/>
-        <a:p>
-          <a:r>
-            <a:rPr lang="en-US" dirty="0"/>
-            <a:t>Task 1</a:t>
-          </a:r>
-        </a:p>
-      </dgm:t>
-      <dgm:extLst>
-        <a:ext uri="{E40237B7-FDA0-4F09-8148-C483321AD2D9}">
-          <dgm14:cNvPr xmlns:dgm14="http://schemas.microsoft.com/office/drawing/2010/diagram" id="0" name="" title="Task 1"/>
-        </a:ext>
-      </dgm:extLst>
-    </dgm:pt>
-    <dgm:pt modelId="{E38275A8-6585-473D-8CD2-46E571691CE8}" type="parTrans" cxnId="{74BF261D-E0A3-43A7-83EB-85FEEF0798DA}">
-      <dgm:prSet/>
-      <dgm:spPr/>
-      <dgm:t>
-        <a:bodyPr/>
-        <a:lstStyle/>
-        <a:p>
-          <a:endParaRPr lang="en-US"/>
-        </a:p>
-      </dgm:t>
-    </dgm:pt>
-    <dgm:pt modelId="{2EEF7558-FF6A-4D97-B16B-E787F09F42D0}" type="sibTrans" cxnId="{74BF261D-E0A3-43A7-83EB-85FEEF0798DA}">
-      <dgm:prSet/>
-      <dgm:spPr/>
-      <dgm:t>
-        <a:bodyPr/>
-        <a:lstStyle/>
-        <a:p>
-          <a:endParaRPr lang="en-US"/>
-        </a:p>
-      </dgm:t>
-      <dgm:extLst>
-        <a:ext uri="{E40237B7-FDA0-4F09-8148-C483321AD2D9}">
-          <dgm14:cNvPr xmlns:dgm14="http://schemas.microsoft.com/office/drawing/2010/diagram" id="0" name="" title="Colored circle connected to tasks"/>
-        </a:ext>
-      </dgm:extLst>
-    </dgm:pt>
-    <dgm:pt modelId="{2551E4CB-EB09-450C-9132-37387398D945}">
-      <dgm:prSet phldrT="[Text]"/>
-      <dgm:spPr/>
-      <dgm:t>
-        <a:bodyPr/>
-        <a:lstStyle/>
-        <a:p>
-          <a:r>
-            <a:rPr lang="en-US" dirty="0"/>
-            <a:t>Task 2</a:t>
-          </a:r>
-        </a:p>
-      </dgm:t>
-      <dgm:extLst>
-        <a:ext uri="{E40237B7-FDA0-4F09-8148-C483321AD2D9}">
-          <dgm14:cNvPr xmlns:dgm14="http://schemas.microsoft.com/office/drawing/2010/diagram" id="0" name="" title="Task 2"/>
-        </a:ext>
-      </dgm:extLst>
-    </dgm:pt>
-    <dgm:pt modelId="{FDDC1A66-5C2F-4161-9EE0-50E6AE6B3566}" type="parTrans" cxnId="{1C13D7DA-244F-475B-A626-FFEF1E3983D1}">
-      <dgm:prSet/>
-      <dgm:spPr/>
-      <dgm:t>
-        <a:bodyPr/>
-        <a:lstStyle/>
-        <a:p>
-          <a:endParaRPr lang="en-US"/>
-        </a:p>
-      </dgm:t>
-    </dgm:pt>
-    <dgm:pt modelId="{B47B7453-52D0-4E8E-A0EE-5E0C42B9531D}" type="sibTrans" cxnId="{1C13D7DA-244F-475B-A626-FFEF1E3983D1}">
-      <dgm:prSet/>
-      <dgm:spPr/>
-      <dgm:t>
-        <a:bodyPr/>
-        <a:lstStyle/>
-        <a:p>
-          <a:endParaRPr lang="en-US"/>
-        </a:p>
-      </dgm:t>
-      <dgm:extLst>
-        <a:ext uri="{E40237B7-FDA0-4F09-8148-C483321AD2D9}">
-          <dgm14:cNvPr xmlns:dgm14="http://schemas.microsoft.com/office/drawing/2010/diagram" id="0" name="" title="Colored circle connected to tasks"/>
-        </a:ext>
-      </dgm:extLst>
-    </dgm:pt>
-    <dgm:pt modelId="{57FC35C8-C6CB-4C82-BE0F-B92E4ECAE64D}">
-      <dgm:prSet phldrT="[Text]"/>
-      <dgm:spPr/>
-      <dgm:t>
-        <a:bodyPr/>
-        <a:lstStyle/>
-        <a:p>
-          <a:r>
-            <a:rPr lang="en-US" dirty="0"/>
-            <a:t>Task 3</a:t>
-          </a:r>
-        </a:p>
-      </dgm:t>
-      <dgm:extLst>
-        <a:ext uri="{E40237B7-FDA0-4F09-8148-C483321AD2D9}">
-          <dgm14:cNvPr xmlns:dgm14="http://schemas.microsoft.com/office/drawing/2010/diagram" id="0" name="" title="Task 3"/>
-        </a:ext>
-      </dgm:extLst>
-    </dgm:pt>
-    <dgm:pt modelId="{DCE6D27B-E846-4331-8F79-CDC1E8DDD09A}" type="parTrans" cxnId="{B410F203-BF34-4790-B774-CBB246AFFDF3}">
-      <dgm:prSet/>
-      <dgm:spPr/>
-      <dgm:t>
-        <a:bodyPr/>
-        <a:lstStyle/>
-        <a:p>
-          <a:endParaRPr lang="en-US"/>
-        </a:p>
-      </dgm:t>
-    </dgm:pt>
-    <dgm:pt modelId="{E3DD98F3-578A-483D-B82A-920BD328FE4E}" type="sibTrans" cxnId="{B410F203-BF34-4790-B774-CBB246AFFDF3}">
-      <dgm:prSet/>
-      <dgm:spPr/>
-      <dgm:t>
-        <a:bodyPr/>
-        <a:lstStyle/>
-        <a:p>
-          <a:endParaRPr lang="en-US"/>
-        </a:p>
-      </dgm:t>
-      <dgm:extLst>
-        <a:ext uri="{E40237B7-FDA0-4F09-8148-C483321AD2D9}">
-          <dgm14:cNvPr xmlns:dgm14="http://schemas.microsoft.com/office/drawing/2010/diagram" id="0" name="" title="Colored circle connected to tasks"/>
-        </a:ext>
-      </dgm:extLst>
-    </dgm:pt>
-    <dgm:pt modelId="{061D020E-2B5D-4C0D-9DFD-684837CC0BCE}" type="pres">
-      <dgm:prSet presAssocID="{D44E9E87-B9B9-4324-8110-FB781FB2AAAE}" presName="Name0" presStyleCnt="0">
-        <dgm:presLayoutVars>
-          <dgm:chMax val="1"/>
-          <dgm:dir/>
-          <dgm:animLvl val="ctr"/>
-          <dgm:resizeHandles val="exact"/>
-        </dgm:presLayoutVars>
-      </dgm:prSet>
-      <dgm:spPr/>
-      <dgm:t>
-        <a:bodyPr/>
-        <a:lstStyle/>
-        <a:p>
-          <a:endParaRPr lang="en-US"/>
-        </a:p>
-      </dgm:t>
-    </dgm:pt>
-    <dgm:pt modelId="{698F6F3C-42F1-48FA-9425-25042679391F}" type="pres">
-      <dgm:prSet presAssocID="{170C0135-3A94-4623-AA81-735573228628}" presName="centerShape" presStyleLbl="node0" presStyleIdx="0" presStyleCnt="1"/>
-      <dgm:spPr/>
-      <dgm:t>
-        <a:bodyPr/>
-        <a:lstStyle/>
-        <a:p>
-          <a:endParaRPr lang="en-US"/>
-        </a:p>
-      </dgm:t>
-    </dgm:pt>
-    <dgm:pt modelId="{5E4B35E6-EA27-424E-89EC-46D0A40F2772}" type="pres">
-      <dgm:prSet presAssocID="{B8E35523-DEC4-40C5-AD71-C446E3CF02A7}" presName="node" presStyleLbl="node1" presStyleIdx="0" presStyleCnt="3">
-        <dgm:presLayoutVars>
-          <dgm:bulletEnabled val="1"/>
-        </dgm:presLayoutVars>
-      </dgm:prSet>
-      <dgm:spPr/>
-      <dgm:t>
-        <a:bodyPr/>
-        <a:lstStyle/>
-        <a:p>
-          <a:endParaRPr lang="en-US"/>
-        </a:p>
-      </dgm:t>
-    </dgm:pt>
-    <dgm:pt modelId="{8B180F40-4EFD-493D-838A-C88D7BCC1034}" type="pres">
-      <dgm:prSet presAssocID="{B8E35523-DEC4-40C5-AD71-C446E3CF02A7}" presName="dummy" presStyleCnt="0"/>
-      <dgm:spPr/>
-    </dgm:pt>
-    <dgm:pt modelId="{98E28826-978E-4A6B-8422-B9CC30E49F37}" type="pres">
-      <dgm:prSet presAssocID="{2EEF7558-FF6A-4D97-B16B-E787F09F42D0}" presName="sibTrans" presStyleLbl="sibTrans2D1" presStyleIdx="0" presStyleCnt="3"/>
-      <dgm:spPr/>
-      <dgm:t>
-        <a:bodyPr/>
-        <a:lstStyle/>
-        <a:p>
-          <a:endParaRPr lang="en-US"/>
-        </a:p>
-      </dgm:t>
-    </dgm:pt>
-    <dgm:pt modelId="{8FAC1D8D-CE9C-45FC-86D2-26F007C6DD34}" type="pres">
-      <dgm:prSet presAssocID="{2551E4CB-EB09-450C-9132-37387398D945}" presName="node" presStyleLbl="node1" presStyleIdx="1" presStyleCnt="3">
-        <dgm:presLayoutVars>
-          <dgm:bulletEnabled val="1"/>
-        </dgm:presLayoutVars>
-      </dgm:prSet>
-      <dgm:spPr/>
-      <dgm:t>
-        <a:bodyPr/>
-        <a:lstStyle/>
-        <a:p>
-          <a:endParaRPr lang="en-US"/>
-        </a:p>
-      </dgm:t>
-    </dgm:pt>
-    <dgm:pt modelId="{582D627C-FAD1-4F2D-897E-C08848385BAA}" type="pres">
-      <dgm:prSet presAssocID="{2551E4CB-EB09-450C-9132-37387398D945}" presName="dummy" presStyleCnt="0"/>
-      <dgm:spPr/>
-    </dgm:pt>
-    <dgm:pt modelId="{7BB1C934-CD6E-4389-AB60-D55326BC8302}" type="pres">
-      <dgm:prSet presAssocID="{B47B7453-52D0-4E8E-A0EE-5E0C42B9531D}" presName="sibTrans" presStyleLbl="sibTrans2D1" presStyleIdx="1" presStyleCnt="3"/>
-      <dgm:spPr/>
-      <dgm:t>
-        <a:bodyPr/>
-        <a:lstStyle/>
-        <a:p>
-          <a:endParaRPr lang="en-US"/>
-        </a:p>
-      </dgm:t>
-    </dgm:pt>
-    <dgm:pt modelId="{5D851138-FE51-4A19-A149-11A0DEA29AF5}" type="pres">
-      <dgm:prSet presAssocID="{57FC35C8-C6CB-4C82-BE0F-B92E4ECAE64D}" presName="node" presStyleLbl="node1" presStyleIdx="2" presStyleCnt="3">
-        <dgm:presLayoutVars>
-          <dgm:bulletEnabled val="1"/>
-        </dgm:presLayoutVars>
-      </dgm:prSet>
-      <dgm:spPr/>
-      <dgm:t>
-        <a:bodyPr/>
-        <a:lstStyle/>
-        <a:p>
-          <a:endParaRPr lang="en-US"/>
-        </a:p>
-      </dgm:t>
-    </dgm:pt>
-    <dgm:pt modelId="{87F2D62F-9758-428E-A82A-F136F721FE64}" type="pres">
-      <dgm:prSet presAssocID="{57FC35C8-C6CB-4C82-BE0F-B92E4ECAE64D}" presName="dummy" presStyleCnt="0"/>
-      <dgm:spPr/>
-    </dgm:pt>
-    <dgm:pt modelId="{0162A7CA-7E03-4A22-95EF-970E5873DB72}" type="pres">
-      <dgm:prSet presAssocID="{E3DD98F3-578A-483D-B82A-920BD328FE4E}" presName="sibTrans" presStyleLbl="sibTrans2D1" presStyleIdx="2" presStyleCnt="3"/>
-      <dgm:spPr/>
-      <dgm:t>
-        <a:bodyPr/>
-        <a:lstStyle/>
-        <a:p>
-          <a:endParaRPr lang="en-US"/>
-        </a:p>
-      </dgm:t>
-    </dgm:pt>
-  </dgm:ptLst>
-  <dgm:cxnLst>
-    <dgm:cxn modelId="{22A430BA-B6E0-4052-AE0E-A81596E2528E}" srcId="{D44E9E87-B9B9-4324-8110-FB781FB2AAAE}" destId="{170C0135-3A94-4623-AA81-735573228628}" srcOrd="0" destOrd="0" parTransId="{7EDBC624-DFE3-497D-829C-08721ACED330}" sibTransId="{D38474F5-0992-4D39-B19C-1F963AEBACD2}"/>
-    <dgm:cxn modelId="{74BF261D-E0A3-43A7-83EB-85FEEF0798DA}" srcId="{170C0135-3A94-4623-AA81-735573228628}" destId="{B8E35523-DEC4-40C5-AD71-C446E3CF02A7}" srcOrd="0" destOrd="0" parTransId="{E38275A8-6585-473D-8CD2-46E571691CE8}" sibTransId="{2EEF7558-FF6A-4D97-B16B-E787F09F42D0}"/>
-    <dgm:cxn modelId="{B3242627-1817-4128-948A-586A1D28CAEC}" type="presOf" srcId="{B8E35523-DEC4-40C5-AD71-C446E3CF02A7}" destId="{5E4B35E6-EA27-424E-89EC-46D0A40F2772}" srcOrd="0" destOrd="0" presId="urn:microsoft.com/office/officeart/2005/8/layout/radial6"/>
-    <dgm:cxn modelId="{8854DE2B-B2DC-403D-BBB5-9DAEAD86C05D}" type="presOf" srcId="{2551E4CB-EB09-450C-9132-37387398D945}" destId="{8FAC1D8D-CE9C-45FC-86D2-26F007C6DD34}" srcOrd="0" destOrd="0" presId="urn:microsoft.com/office/officeart/2005/8/layout/radial6"/>
-    <dgm:cxn modelId="{6CDC671E-280C-428C-8CDE-020C21062DCD}" type="presOf" srcId="{B47B7453-52D0-4E8E-A0EE-5E0C42B9531D}" destId="{7BB1C934-CD6E-4389-AB60-D55326BC8302}" srcOrd="0" destOrd="0" presId="urn:microsoft.com/office/officeart/2005/8/layout/radial6"/>
-    <dgm:cxn modelId="{AC35BE37-19DB-4CD7-BE2E-6D0C18095769}" type="presOf" srcId="{2EEF7558-FF6A-4D97-B16B-E787F09F42D0}" destId="{98E28826-978E-4A6B-8422-B9CC30E49F37}" srcOrd="0" destOrd="0" presId="urn:microsoft.com/office/officeart/2005/8/layout/radial6"/>
-    <dgm:cxn modelId="{6659EF34-3EF6-4AEC-872C-F63DB702B33C}" type="presOf" srcId="{170C0135-3A94-4623-AA81-735573228628}" destId="{698F6F3C-42F1-48FA-9425-25042679391F}" srcOrd="0" destOrd="0" presId="urn:microsoft.com/office/officeart/2005/8/layout/radial6"/>
-    <dgm:cxn modelId="{61768550-6FA2-421B-BF53-22E629655CE4}" type="presOf" srcId="{D44E9E87-B9B9-4324-8110-FB781FB2AAAE}" destId="{061D020E-2B5D-4C0D-9DFD-684837CC0BCE}" srcOrd="0" destOrd="0" presId="urn:microsoft.com/office/officeart/2005/8/layout/radial6"/>
-    <dgm:cxn modelId="{12D27D35-EFB9-4862-B45A-F4ECD3DD2B5A}" type="presOf" srcId="{57FC35C8-C6CB-4C82-BE0F-B92E4ECAE64D}" destId="{5D851138-FE51-4A19-A149-11A0DEA29AF5}" srcOrd="0" destOrd="0" presId="urn:microsoft.com/office/officeart/2005/8/layout/radial6"/>
-    <dgm:cxn modelId="{1C13D7DA-244F-475B-A626-FFEF1E3983D1}" srcId="{170C0135-3A94-4623-AA81-735573228628}" destId="{2551E4CB-EB09-450C-9132-37387398D945}" srcOrd="1" destOrd="0" parTransId="{FDDC1A66-5C2F-4161-9EE0-50E6AE6B3566}" sibTransId="{B47B7453-52D0-4E8E-A0EE-5E0C42B9531D}"/>
-    <dgm:cxn modelId="{B410F203-BF34-4790-B774-CBB246AFFDF3}" srcId="{170C0135-3A94-4623-AA81-735573228628}" destId="{57FC35C8-C6CB-4C82-BE0F-B92E4ECAE64D}" srcOrd="2" destOrd="0" parTransId="{DCE6D27B-E846-4331-8F79-CDC1E8DDD09A}" sibTransId="{E3DD98F3-578A-483D-B82A-920BD328FE4E}"/>
-    <dgm:cxn modelId="{51173CC8-36DE-4780-A234-53464D5D6F33}" type="presOf" srcId="{E3DD98F3-578A-483D-B82A-920BD328FE4E}" destId="{0162A7CA-7E03-4A22-95EF-970E5873DB72}" srcOrd="0" destOrd="0" presId="urn:microsoft.com/office/officeart/2005/8/layout/radial6"/>
-    <dgm:cxn modelId="{2006E8EE-D69C-49C4-9C1A-63E4C2D2FE70}" type="presParOf" srcId="{061D020E-2B5D-4C0D-9DFD-684837CC0BCE}" destId="{698F6F3C-42F1-48FA-9425-25042679391F}" srcOrd="0" destOrd="0" presId="urn:microsoft.com/office/officeart/2005/8/layout/radial6"/>
-    <dgm:cxn modelId="{EE444B99-244F-42E7-AA40-8FD32874A39D}" type="presParOf" srcId="{061D020E-2B5D-4C0D-9DFD-684837CC0BCE}" destId="{5E4B35E6-EA27-424E-89EC-46D0A40F2772}" srcOrd="1" destOrd="0" presId="urn:microsoft.com/office/officeart/2005/8/layout/radial6"/>
-    <dgm:cxn modelId="{99419F13-53BB-4729-8707-844D77FAB6C9}" type="presParOf" srcId="{061D020E-2B5D-4C0D-9DFD-684837CC0BCE}" destId="{8B180F40-4EFD-493D-838A-C88D7BCC1034}" srcOrd="2" destOrd="0" presId="urn:microsoft.com/office/officeart/2005/8/layout/radial6"/>
-    <dgm:cxn modelId="{72F9C11E-349E-41A4-8872-970B174ACBCC}" type="presParOf" srcId="{061D020E-2B5D-4C0D-9DFD-684837CC0BCE}" destId="{98E28826-978E-4A6B-8422-B9CC30E49F37}" srcOrd="3" destOrd="0" presId="urn:microsoft.com/office/officeart/2005/8/layout/radial6"/>
-    <dgm:cxn modelId="{C371A4E7-D97D-4C5F-A2DA-7F6E5149F6DF}" type="presParOf" srcId="{061D020E-2B5D-4C0D-9DFD-684837CC0BCE}" destId="{8FAC1D8D-CE9C-45FC-86D2-26F007C6DD34}" srcOrd="4" destOrd="0" presId="urn:microsoft.com/office/officeart/2005/8/layout/radial6"/>
-    <dgm:cxn modelId="{B5A8D312-8F6F-4318-93AB-0CB2020E478A}" type="presParOf" srcId="{061D020E-2B5D-4C0D-9DFD-684837CC0BCE}" destId="{582D627C-FAD1-4F2D-897E-C08848385BAA}" srcOrd="5" destOrd="0" presId="urn:microsoft.com/office/officeart/2005/8/layout/radial6"/>
-    <dgm:cxn modelId="{7E8E1789-B60B-4405-8CD8-D17C409DA86A}" type="presParOf" srcId="{061D020E-2B5D-4C0D-9DFD-684837CC0BCE}" destId="{7BB1C934-CD6E-4389-AB60-D55326BC8302}" srcOrd="6" destOrd="0" presId="urn:microsoft.com/office/officeart/2005/8/layout/radial6"/>
-    <dgm:cxn modelId="{A0E89A57-7782-4D03-A9CB-2788C16E7736}" type="presParOf" srcId="{061D020E-2B5D-4C0D-9DFD-684837CC0BCE}" destId="{5D851138-FE51-4A19-A149-11A0DEA29AF5}" srcOrd="7" destOrd="0" presId="urn:microsoft.com/office/officeart/2005/8/layout/radial6"/>
-    <dgm:cxn modelId="{AD4ADAE1-D633-4009-8B9D-2CEF29E3F76C}" type="presParOf" srcId="{061D020E-2B5D-4C0D-9DFD-684837CC0BCE}" destId="{87F2D62F-9758-428E-A82A-F136F721FE64}" srcOrd="8" destOrd="0" presId="urn:microsoft.com/office/officeart/2005/8/layout/radial6"/>
-    <dgm:cxn modelId="{6143C6D3-B1F0-4A53-B4E2-F06938629FAC}" type="presParOf" srcId="{061D020E-2B5D-4C0D-9DFD-684837CC0BCE}" destId="{0162A7CA-7E03-4A22-95EF-970E5873DB72}" srcOrd="9" destOrd="0" presId="urn:microsoft.com/office/officeart/2005/8/layout/radial6"/>
-  </dgm:cxnLst>
-  <dgm:bg/>
-  <dgm:whole/>
-  <dgm:extLst>
-    <a:ext uri="http://schemas.microsoft.com/office/drawing/2008/diagram">
-      <dsp:dataModelExt xmlns:dsp="http://schemas.microsoft.com/office/drawing/2008/diagram" relId="rId6" minVer="http://schemas.openxmlformats.org/drawingml/2006/diagram"/>
-    </a:ext>
-  </dgm:extLst>
-</dgm:dataModel>
-</file>
-
-<file path=ppt/diagrams/drawing1.xml><?xml version="1.0" encoding="utf-8"?>
-<dsp:drawing xmlns:dgm="http://schemas.openxmlformats.org/drawingml/2006/diagram" xmlns:dsp="http://schemas.microsoft.com/office/drawing/2008/diagram" xmlns:a="http://schemas.openxmlformats.org/drawingml/2006/main">
-  <dsp:spTree>
-    <dsp:nvGrpSpPr>
-      <dsp:cNvPr id="0" name=""/>
-      <dsp:cNvGrpSpPr/>
-    </dsp:nvGrpSpPr>
-    <dsp:grpSpPr/>
-    <dsp:sp modelId="{0162A7CA-7E03-4A22-95EF-970E5873DB72}">
-      <dsp:nvSpPr>
-        <dsp:cNvPr id="0" name=""/>
-        <dsp:cNvSpPr/>
-      </dsp:nvSpPr>
-      <dsp:spPr>
-        <a:xfrm>
-          <a:off x="554893" y="564188"/>
-          <a:ext cx="3765425" cy="3765425"/>
-        </a:xfrm>
-        <a:prstGeom prst="blockArc">
-          <a:avLst>
-            <a:gd name="adj1" fmla="val 9000000"/>
-            <a:gd name="adj2" fmla="val 16200000"/>
-            <a:gd name="adj3" fmla="val 4639"/>
-          </a:avLst>
-        </a:prstGeom>
-        <a:solidFill>
-          <a:schemeClr val="accent4">
-            <a:tint val="60000"/>
-            <a:hueOff val="0"/>
-            <a:satOff val="0"/>
-            <a:lumOff val="0"/>
-            <a:alphaOff val="0"/>
-          </a:schemeClr>
-        </a:solidFill>
-        <a:ln>
-          <a:noFill/>
-        </a:ln>
-        <a:effectLst/>
-      </dsp:spPr>
-      <dsp:style>
-        <a:lnRef idx="0">
-          <a:scrgbClr r="0" g="0" b="0"/>
-        </a:lnRef>
-        <a:fillRef idx="1">
-          <a:scrgbClr r="0" g="0" b="0"/>
-        </a:fillRef>
-        <a:effectRef idx="0">
-          <a:scrgbClr r="0" g="0" b="0"/>
-        </a:effectRef>
-        <a:fontRef idx="minor">
-          <a:schemeClr val="lt1"/>
-        </a:fontRef>
-      </dsp:style>
-    </dsp:sp>
-    <dsp:sp modelId="{7BB1C934-CD6E-4389-AB60-D55326BC8302}">
-      <dsp:nvSpPr>
-        <dsp:cNvPr id="0" name=""/>
-        <dsp:cNvSpPr/>
-      </dsp:nvSpPr>
-      <dsp:spPr>
-        <a:xfrm>
-          <a:off x="554893" y="564188"/>
-          <a:ext cx="3765425" cy="3765425"/>
-        </a:xfrm>
-        <a:prstGeom prst="blockArc">
-          <a:avLst>
-            <a:gd name="adj1" fmla="val 1800000"/>
-            <a:gd name="adj2" fmla="val 9000000"/>
-            <a:gd name="adj3" fmla="val 4639"/>
-          </a:avLst>
-        </a:prstGeom>
-        <a:solidFill>
-          <a:schemeClr val="accent4">
-            <a:tint val="60000"/>
-            <a:hueOff val="0"/>
-            <a:satOff val="0"/>
-            <a:lumOff val="0"/>
-            <a:alphaOff val="0"/>
-          </a:schemeClr>
-        </a:solidFill>
-        <a:ln>
-          <a:noFill/>
-        </a:ln>
-        <a:effectLst/>
-      </dsp:spPr>
-      <dsp:style>
-        <a:lnRef idx="0">
-          <a:scrgbClr r="0" g="0" b="0"/>
-        </a:lnRef>
-        <a:fillRef idx="1">
-          <a:scrgbClr r="0" g="0" b="0"/>
-        </a:fillRef>
-        <a:effectRef idx="0">
-          <a:scrgbClr r="0" g="0" b="0"/>
-        </a:effectRef>
-        <a:fontRef idx="minor">
-          <a:schemeClr val="lt1"/>
-        </a:fontRef>
-      </dsp:style>
-    </dsp:sp>
-    <dsp:sp modelId="{98E28826-978E-4A6B-8422-B9CC30E49F37}">
-      <dsp:nvSpPr>
-        <dsp:cNvPr id="0" name=""/>
-        <dsp:cNvSpPr/>
-      </dsp:nvSpPr>
-      <dsp:spPr>
-        <a:xfrm>
-          <a:off x="554893" y="564188"/>
-          <a:ext cx="3765425" cy="3765425"/>
-        </a:xfrm>
-        <a:prstGeom prst="blockArc">
-          <a:avLst>
-            <a:gd name="adj1" fmla="val 16200000"/>
-            <a:gd name="adj2" fmla="val 1800000"/>
-            <a:gd name="adj3" fmla="val 4639"/>
-          </a:avLst>
-        </a:prstGeom>
-        <a:solidFill>
-          <a:schemeClr val="accent4">
-            <a:tint val="60000"/>
-            <a:hueOff val="0"/>
-            <a:satOff val="0"/>
-            <a:lumOff val="0"/>
-            <a:alphaOff val="0"/>
-          </a:schemeClr>
-        </a:solidFill>
-        <a:ln>
-          <a:noFill/>
-        </a:ln>
-        <a:effectLst/>
-      </dsp:spPr>
-      <dsp:style>
-        <a:lnRef idx="0">
-          <a:scrgbClr r="0" g="0" b="0"/>
-        </a:lnRef>
-        <a:fillRef idx="1">
-          <a:scrgbClr r="0" g="0" b="0"/>
-        </a:fillRef>
-        <a:effectRef idx="0">
-          <a:scrgbClr r="0" g="0" b="0"/>
-        </a:effectRef>
-        <a:fontRef idx="minor">
-          <a:schemeClr val="lt1"/>
-        </a:fontRef>
-      </dsp:style>
-    </dsp:sp>
-    <dsp:sp modelId="{698F6F3C-42F1-48FA-9425-25042679391F}">
-      <dsp:nvSpPr>
-        <dsp:cNvPr id="0" name=""/>
-        <dsp:cNvSpPr/>
-      </dsp:nvSpPr>
-      <dsp:spPr>
-        <a:xfrm>
-          <a:off x="1571113" y="1580408"/>
-          <a:ext cx="1732985" cy="1732985"/>
-        </a:xfrm>
-        <a:prstGeom prst="ellipse">
-          <a:avLst/>
-        </a:prstGeom>
-        <a:solidFill>
-          <a:schemeClr val="lt1">
-            <a:hueOff val="0"/>
-            <a:satOff val="0"/>
-            <a:lumOff val="0"/>
-            <a:alphaOff val="0"/>
-          </a:schemeClr>
-        </a:solidFill>
-        <a:ln w="10795" cap="flat" cmpd="sng" algn="ctr">
-          <a:solidFill>
-            <a:schemeClr val="accent4">
-              <a:shade val="80000"/>
-              <a:hueOff val="0"/>
-              <a:satOff val="0"/>
-              <a:lumOff val="0"/>
-              <a:alphaOff val="0"/>
-            </a:schemeClr>
-          </a:solidFill>
-          <a:prstDash val="solid"/>
-        </a:ln>
-        <a:effectLst/>
-      </dsp:spPr>
-      <dsp:style>
-        <a:lnRef idx="2">
-          <a:scrgbClr r="0" g="0" b="0"/>
-        </a:lnRef>
-        <a:fillRef idx="1">
-          <a:scrgbClr r="0" g="0" b="0"/>
-        </a:fillRef>
-        <a:effectRef idx="0">
-          <a:scrgbClr r="0" g="0" b="0"/>
-        </a:effectRef>
-        <a:fontRef idx="minor">
-          <a:schemeClr val="lt1"/>
-        </a:fontRef>
-      </dsp:style>
-      <dsp:txBody>
-        <a:bodyPr spcFirstLastPara="0" vert="horz" wrap="square" lIns="41910" tIns="41910" rIns="41910" bIns="41910" numCol="1" spcCol="1270" anchor="ctr" anchorCtr="0">
-          <a:noAutofit/>
-        </a:bodyPr>
-        <a:lstStyle/>
-        <a:p>
-          <a:pPr lvl="0" algn="ctr" defTabSz="1466850">
-            <a:lnSpc>
-              <a:spcPct val="90000"/>
-            </a:lnSpc>
-            <a:spcBef>
-              <a:spcPct val="0"/>
-            </a:spcBef>
-            <a:spcAft>
-              <a:spcPct val="35000"/>
-            </a:spcAft>
-          </a:pPr>
-          <a:r>
-            <a:rPr lang="en-US" sz="3300" kern="1200" dirty="0"/>
-            <a:t>Group A</a:t>
-          </a:r>
-        </a:p>
-      </dsp:txBody>
-      <dsp:txXfrm>
-        <a:off x="1824903" y="1834198"/>
-        <a:ext cx="1225405" cy="1225405"/>
-      </dsp:txXfrm>
-    </dsp:sp>
-    <dsp:sp modelId="{5E4B35E6-EA27-424E-89EC-46D0A40F2772}">
-      <dsp:nvSpPr>
-        <dsp:cNvPr id="0" name=""/>
-        <dsp:cNvSpPr/>
-      </dsp:nvSpPr>
-      <dsp:spPr>
-        <a:xfrm>
-          <a:off x="1831061" y="1314"/>
-          <a:ext cx="1213089" cy="1213089"/>
-        </a:xfrm>
-        <a:prstGeom prst="ellipse">
-          <a:avLst/>
-        </a:prstGeom>
-        <a:solidFill>
-          <a:schemeClr val="lt1">
-            <a:hueOff val="0"/>
-            <a:satOff val="0"/>
-            <a:lumOff val="0"/>
-            <a:alphaOff val="0"/>
-          </a:schemeClr>
-        </a:solidFill>
-        <a:ln w="10795" cap="flat" cmpd="sng" algn="ctr">
-          <a:solidFill>
-            <a:schemeClr val="accent4">
-              <a:shade val="80000"/>
-              <a:hueOff val="0"/>
-              <a:satOff val="0"/>
-              <a:lumOff val="0"/>
-              <a:alphaOff val="0"/>
-            </a:schemeClr>
-          </a:solidFill>
-          <a:prstDash val="solid"/>
-        </a:ln>
-        <a:effectLst/>
-      </dsp:spPr>
-      <dsp:style>
-        <a:lnRef idx="2">
-          <a:scrgbClr r="0" g="0" b="0"/>
-        </a:lnRef>
-        <a:fillRef idx="1">
-          <a:scrgbClr r="0" g="0" b="0"/>
-        </a:fillRef>
-        <a:effectRef idx="0">
-          <a:scrgbClr r="0" g="0" b="0"/>
-        </a:effectRef>
-        <a:fontRef idx="minor">
-          <a:schemeClr val="lt1"/>
-        </a:fontRef>
-      </dsp:style>
-      <dsp:txBody>
-        <a:bodyPr spcFirstLastPara="0" vert="horz" wrap="square" lIns="35560" tIns="35560" rIns="35560" bIns="35560" numCol="1" spcCol="1270" anchor="ctr" anchorCtr="0">
-          <a:noAutofit/>
-        </a:bodyPr>
-        <a:lstStyle/>
-        <a:p>
-          <a:pPr lvl="0" algn="ctr" defTabSz="1244600">
-            <a:lnSpc>
-              <a:spcPct val="90000"/>
-            </a:lnSpc>
-            <a:spcBef>
-              <a:spcPct val="0"/>
-            </a:spcBef>
-            <a:spcAft>
-              <a:spcPct val="35000"/>
-            </a:spcAft>
-          </a:pPr>
-          <a:r>
-            <a:rPr lang="en-US" sz="2800" kern="1200" dirty="0"/>
-            <a:t>Task 1</a:t>
-          </a:r>
-        </a:p>
-      </dsp:txBody>
-      <dsp:txXfrm>
-        <a:off x="2008714" y="178967"/>
-        <a:ext cx="857783" cy="857783"/>
-      </dsp:txXfrm>
-    </dsp:sp>
-    <dsp:sp modelId="{8FAC1D8D-CE9C-45FC-86D2-26F007C6DD34}">
-      <dsp:nvSpPr>
-        <dsp:cNvPr id="0" name=""/>
-        <dsp:cNvSpPr/>
-      </dsp:nvSpPr>
-      <dsp:spPr>
-        <a:xfrm>
-          <a:off x="3423717" y="2759876"/>
-          <a:ext cx="1213089" cy="1213089"/>
-        </a:xfrm>
-        <a:prstGeom prst="ellipse">
-          <a:avLst/>
-        </a:prstGeom>
-        <a:solidFill>
-          <a:schemeClr val="lt1">
-            <a:hueOff val="0"/>
-            <a:satOff val="0"/>
-            <a:lumOff val="0"/>
-            <a:alphaOff val="0"/>
-          </a:schemeClr>
-        </a:solidFill>
-        <a:ln w="10795" cap="flat" cmpd="sng" algn="ctr">
-          <a:solidFill>
-            <a:schemeClr val="accent4">
-              <a:shade val="80000"/>
-              <a:hueOff val="0"/>
-              <a:satOff val="0"/>
-              <a:lumOff val="0"/>
-              <a:alphaOff val="0"/>
-            </a:schemeClr>
-          </a:solidFill>
-          <a:prstDash val="solid"/>
-        </a:ln>
-        <a:effectLst/>
-      </dsp:spPr>
-      <dsp:style>
-        <a:lnRef idx="2">
-          <a:scrgbClr r="0" g="0" b="0"/>
-        </a:lnRef>
-        <a:fillRef idx="1">
-          <a:scrgbClr r="0" g="0" b="0"/>
-        </a:fillRef>
-        <a:effectRef idx="0">
-          <a:scrgbClr r="0" g="0" b="0"/>
-        </a:effectRef>
-        <a:fontRef idx="minor">
-          <a:schemeClr val="lt1"/>
-        </a:fontRef>
-      </dsp:style>
-      <dsp:txBody>
-        <a:bodyPr spcFirstLastPara="0" vert="horz" wrap="square" lIns="35560" tIns="35560" rIns="35560" bIns="35560" numCol="1" spcCol="1270" anchor="ctr" anchorCtr="0">
-          <a:noAutofit/>
-        </a:bodyPr>
-        <a:lstStyle/>
-        <a:p>
-          <a:pPr lvl="0" algn="ctr" defTabSz="1244600">
-            <a:lnSpc>
-              <a:spcPct val="90000"/>
-            </a:lnSpc>
-            <a:spcBef>
-              <a:spcPct val="0"/>
-            </a:spcBef>
-            <a:spcAft>
-              <a:spcPct val="35000"/>
-            </a:spcAft>
-          </a:pPr>
-          <a:r>
-            <a:rPr lang="en-US" sz="2800" kern="1200" dirty="0"/>
-            <a:t>Task 2</a:t>
-          </a:r>
-        </a:p>
-      </dsp:txBody>
-      <dsp:txXfrm>
-        <a:off x="3601370" y="2937529"/>
-        <a:ext cx="857783" cy="857783"/>
-      </dsp:txXfrm>
-    </dsp:sp>
-    <dsp:sp modelId="{5D851138-FE51-4A19-A149-11A0DEA29AF5}">
-      <dsp:nvSpPr>
-        <dsp:cNvPr id="0" name=""/>
-        <dsp:cNvSpPr/>
-      </dsp:nvSpPr>
-      <dsp:spPr>
-        <a:xfrm>
-          <a:off x="238404" y="2759876"/>
-          <a:ext cx="1213089" cy="1213089"/>
-        </a:xfrm>
-        <a:prstGeom prst="ellipse">
-          <a:avLst/>
-        </a:prstGeom>
-        <a:solidFill>
-          <a:schemeClr val="lt1">
-            <a:hueOff val="0"/>
-            <a:satOff val="0"/>
-            <a:lumOff val="0"/>
-            <a:alphaOff val="0"/>
-          </a:schemeClr>
-        </a:solidFill>
-        <a:ln w="10795" cap="flat" cmpd="sng" algn="ctr">
-          <a:solidFill>
-            <a:schemeClr val="accent4">
-              <a:shade val="80000"/>
-              <a:hueOff val="0"/>
-              <a:satOff val="0"/>
-              <a:lumOff val="0"/>
-              <a:alphaOff val="0"/>
-            </a:schemeClr>
-          </a:solidFill>
-          <a:prstDash val="solid"/>
-        </a:ln>
-        <a:effectLst/>
-      </dsp:spPr>
-      <dsp:style>
-        <a:lnRef idx="2">
-          <a:scrgbClr r="0" g="0" b="0"/>
-        </a:lnRef>
-        <a:fillRef idx="1">
-          <a:scrgbClr r="0" g="0" b="0"/>
-        </a:fillRef>
-        <a:effectRef idx="0">
-          <a:scrgbClr r="0" g="0" b="0"/>
-        </a:effectRef>
-        <a:fontRef idx="minor">
-          <a:schemeClr val="lt1"/>
-        </a:fontRef>
-      </dsp:style>
-      <dsp:txBody>
-        <a:bodyPr spcFirstLastPara="0" vert="horz" wrap="square" lIns="35560" tIns="35560" rIns="35560" bIns="35560" numCol="1" spcCol="1270" anchor="ctr" anchorCtr="0">
-          <a:noAutofit/>
-        </a:bodyPr>
-        <a:lstStyle/>
-        <a:p>
-          <a:pPr lvl="0" algn="ctr" defTabSz="1244600">
-            <a:lnSpc>
-              <a:spcPct val="90000"/>
-            </a:lnSpc>
-            <a:spcBef>
-              <a:spcPct val="0"/>
-            </a:spcBef>
-            <a:spcAft>
-              <a:spcPct val="35000"/>
-            </a:spcAft>
-          </a:pPr>
-          <a:r>
-            <a:rPr lang="en-US" sz="2800" kern="1200" dirty="0"/>
-            <a:t>Task 3</a:t>
-          </a:r>
-        </a:p>
-      </dsp:txBody>
-      <dsp:txXfrm>
-        <a:off x="416057" y="2937529"/>
-        <a:ext cx="857783" cy="857783"/>
-      </dsp:txXfrm>
-    </dsp:sp>
-  </dsp:spTree>
-</dsp:drawing>
-</file>
-
-<file path=ppt/diagrams/layout1.xml><?xml version="1.0" encoding="utf-8"?>
-<dgm:layoutDef xmlns:dgm="http://schemas.openxmlformats.org/drawingml/2006/diagram" xmlns:a="http://schemas.openxmlformats.org/drawingml/2006/main" uniqueId="urn:microsoft.com/office/officeart/2005/8/layout/radial6">
-  <dgm:title val=""/>
-  <dgm:desc val=""/>
-  <dgm:catLst>
-    <dgm:cat type="cycle" pri="9000"/>
-    <dgm:cat type="relationship" pri="21000"/>
-  </dgm:catLst>
-  <dgm:sampData>
-    <dgm:dataModel>
-      <dgm:ptLst>
-        <dgm:pt modelId="0" type="doc"/>
-        <dgm:pt modelId="1">
-          <dgm:prSet phldr="1"/>
-        </dgm:pt>
-        <dgm:pt modelId="11">
-          <dgm:prSet phldr="1"/>
-        </dgm:pt>
-        <dgm:pt modelId="12">
-          <dgm:prSet phldr="1"/>
-        </dgm:pt>
-        <dgm:pt modelId="13">
-          <dgm:prSet phldr="1"/>
-        </dgm:pt>
-        <dgm:pt modelId="14">
-          <dgm:prSet phldr="1"/>
-        </dgm:pt>
-      </dgm:ptLst>
-      <dgm:cxnLst>
-        <dgm:cxn modelId="2" srcId="0" destId="1" srcOrd="0" destOrd="0"/>
-        <dgm:cxn modelId="3" srcId="1" destId="11" srcOrd="0" destOrd="0"/>
-        <dgm:cxn modelId="4" srcId="1" destId="12" srcOrd="1" destOrd="0"/>
-        <dgm:cxn modelId="5" srcId="1" destId="13" srcOrd="2" destOrd="0"/>
-        <dgm:cxn modelId="6" srcId="1" destId="14" srcOrd="3" destOrd="0"/>
-      </dgm:cxnLst>
-      <dgm:bg/>
-      <dgm:whole/>
-    </dgm:dataModel>
-  </dgm:sampData>
-  <dgm:styleData>
-    <dgm:dataModel>
-      <dgm:ptLst>
-        <dgm:pt modelId="0" type="doc"/>
-        <dgm:pt modelId="1"/>
-        <dgm:pt modelId="11"/>
-        <dgm:pt modelId="12"/>
-        <dgm:pt modelId="13"/>
-      </dgm:ptLst>
-      <dgm:cxnLst>
-        <dgm:cxn modelId="2" srcId="0" destId="1" srcOrd="0" destOrd="0"/>
-        <dgm:cxn modelId="15" srcId="1" destId="11" srcOrd="0" destOrd="0"/>
-        <dgm:cxn modelId="16" srcId="1" destId="12" srcOrd="1" destOrd="0"/>
-        <dgm:cxn modelId="17" srcId="1" destId="13" srcOrd="2" destOrd="0"/>
-      </dgm:cxnLst>
-      <dgm:bg/>
-      <dgm:whole/>
-    </dgm:dataModel>
-  </dgm:styleData>
-  <dgm:clrData>
-    <dgm:dataModel>
-      <dgm:ptLst>
-        <dgm:pt modelId="0" type="doc"/>
-        <dgm:pt modelId="1"/>
-        <dgm:pt modelId="11"/>
-        <dgm:pt modelId="12"/>
-        <dgm:pt modelId="13"/>
-        <dgm:pt modelId="14"/>
-        <dgm:pt modelId="15"/>
-        <dgm:pt modelId="16"/>
-      </dgm:ptLst>
-      <dgm:cxnLst>
-        <dgm:cxn modelId="2" srcId="0" destId="1" srcOrd="0" destOrd="0"/>
-        <dgm:cxn modelId="16" srcId="1" destId="11" srcOrd="0" destOrd="0"/>
-        <dgm:cxn modelId="17" srcId="1" destId="12" srcOrd="1" destOrd="0"/>
-        <dgm:cxn modelId="18" srcId="1" destId="13" srcOrd="2" destOrd="0"/>
-        <dgm:cxn modelId="19" srcId="1" destId="14" srcOrd="3" destOrd="0"/>
-        <dgm:cxn modelId="20" srcId="1" destId="15" srcOrd="4" destOrd="0"/>
-        <dgm:cxn modelId="21" srcId="1" destId="16" srcOrd="5" destOrd="0"/>
-      </dgm:cxnLst>
-      <dgm:bg/>
-      <dgm:whole/>
-    </dgm:dataModel>
-  </dgm:clrData>
-  <dgm:layoutNode name="Name0">
-    <dgm:varLst>
-      <dgm:chMax val="1"/>
-      <dgm:dir/>
-      <dgm:animLvl val="ctr"/>
-      <dgm:resizeHandles val="exact"/>
-    </dgm:varLst>
-    <dgm:choose name="Name1">
-      <dgm:if name="Name2" func="var" arg="dir" op="equ" val="norm">
-        <dgm:choose name="Name3">
-          <dgm:if name="Name4" axis="ch ch" ptType="node node" st="1 1" cnt="1 0" func="cnt" op="lte" val="1">
-            <dgm:alg type="cycle">
-              <dgm:param type="stAng" val="90"/>
-              <dgm:param type="spanAng" val="360"/>
-              <dgm:param type="ctrShpMap" val="fNode"/>
-            </dgm:alg>
-          </dgm:if>
-          <dgm:else name="Name5">
-            <dgm:alg type="cycle">
-              <dgm:param type="stAng" val="0"/>
-              <dgm:param type="spanAng" val="360"/>
-              <dgm:param type="ctrShpMap" val="fNode"/>
-            </dgm:alg>
-          </dgm:else>
-        </dgm:choose>
-      </dgm:if>
-      <dgm:else name="Name6">
-        <dgm:choose name="Name7">
-          <dgm:if name="Name8" axis="ch ch" ptType="node node" st="1 1" cnt="1 0" func="cnt" op="lte" val="1">
-            <dgm:alg type="cycle">
-              <dgm:param type="stAng" val="-90"/>
-              <dgm:param type="spanAng" val="360"/>
-              <dgm:param type="ctrShpMap" val="fNode"/>
-            </dgm:alg>
-          </dgm:if>
-          <dgm:else name="Name9">
-            <dgm:alg type="cycle">
-              <dgm:param type="stAng" val="0"/>
-              <dgm:param type="spanAng" val="-360"/>
-              <dgm:param type="ctrShpMap" val="fNode"/>
-            </dgm:alg>
-          </dgm:else>
-        </dgm:choose>
-      </dgm:else>
-    </dgm:choose>
-    <dgm:shape xmlns:r="http://schemas.openxmlformats.org/officeDocument/2006/relationships" r:blip="">
-      <dgm:adjLst/>
-    </dgm:shape>
-    <dgm:presOf/>
-    <dgm:choose name="Name10">
-      <dgm:if name="Name11" func="var" arg="dir" op="equ" val="norm">
-        <dgm:choose name="Name12">
-          <dgm:if name="Name13" axis="ch ch" ptType="node node" st="1 1" cnt="1 0" func="cnt" op="equ" val="1">
-            <dgm:constrLst>
-              <dgm:constr type="diam" val="170"/>
-              <dgm:constr type="w" for="ch" forName="centerShape" refType="w"/>
-              <dgm:constr type="w" for="ch" forName="oneComp" refType="w" refFor="ch" refForName="centerShape" op="equ" fact="0.7"/>
-              <dgm:constr type="sp" refType="w" refFor="ch" refForName="oneComp" fact="0.3"/>
-              <dgm:constr type="sibSp" refType="w" refFor="ch" refForName="oneComp" fact="0.3"/>
-              <dgm:constr type="primFontSz" for="ch" forName="centerShape" val="65"/>
-              <dgm:constr type="primFontSz" for="des" forName="oneNode" refType="primFontSz" refFor="ch" refForName="centerShape" fact="0.95"/>
-              <dgm:constr type="primFontSz" for="des" forName="oneNode" refType="primFontSz" refFor="ch" refForName="centerShape" op="lte" fact="0.95"/>
-              <dgm:constr type="diam" for="ch" forName="singleconn" refType="diam" op="equ" fact="-1"/>
-              <dgm:constr type="h" for="ch" forName="singleconn" refType="w" refFor="ch" refForName="oneComp" fact="0.24"/>
-              <dgm:constr type="w" for="ch" forName="dummya" refType="w" refFor="ch" refForName="oneComp" op="equ"/>
-              <dgm:constr type="w" for="ch" forName="dummyb" refType="w" refFor="ch" refForName="oneComp" op="equ"/>
-              <dgm:constr type="w" for="ch" forName="dummyc" refType="w" refFor="ch" refForName="oneComp" op="equ"/>
-            </dgm:constrLst>
-          </dgm:if>
-          <dgm:else name="Name14">
-            <dgm:constrLst>
-              <dgm:constr type="diam" val="170"/>
-              <dgm:constr type="w" for="ch" forName="centerShape" refType="w"/>
-              <dgm:constr type="w" for="ch" forName="node" refType="w" refFor="ch" refForName="centerShape" op="equ" fact="0.7"/>
-              <dgm:constr type="sp" refType="w" refFor="ch" refForName="node" fact="0.3"/>
-              <dgm:constr type="sibSp" refType="w" refFor="ch" refForName="node" fact="0.3"/>
-              <dgm:constr type="primFontSz" for="ch" forName="centerShape" val="65"/>
-              <dgm:constr type="primFontSz" for="des" forName="node" refType="primFontSz" refFor="ch" refForName="centerShape" fact="0.78"/>
-              <dgm:constr type="primFontSz" for="ch" forName="node" refType="primFontSz" refFor="ch" refForName="centerShape" op="lte" fact="0.95"/>
-              <dgm:constr type="diam" for="ch" forName="sibTrans" refType="diam" op="equ"/>
-              <dgm:constr type="h" for="ch" forName="sibTrans" refType="w" refFor="ch" refForName="node" fact="0.24"/>
-              <dgm:constr type="w" for="ch" forName="dummy" val="1"/>
-            </dgm:constrLst>
-          </dgm:else>
-        </dgm:choose>
-      </dgm:if>
-      <dgm:else name="Name15">
-        <dgm:choose name="Name16">
-          <dgm:if name="Name17" axis="ch ch" ptType="node node" st="1 1" cnt="1 0" func="cnt" op="equ" val="1">
-            <dgm:constrLst>
-              <dgm:constr type="diam" val="170"/>
-              <dgm:constr type="w" for="ch" forName="centerShape" refType="w"/>
-              <dgm:constr type="w" for="ch" forName="oneComp" refType="w" refFor="ch" refForName="centerShape" op="equ" fact="0.7"/>
-              <dgm:constr type="sp" refType="w" refFor="ch" refForName="oneComp" fact="0.3"/>
-              <dgm:constr type="sibSp" refType="w" refFor="ch" refForName="oneComp" fact="0.3"/>
-              <dgm:constr type="primFontSz" for="ch" forName="centerShape" val="65"/>
-              <dgm:constr type="primFontSz" for="des" forName="oneNode" refType="primFontSz" refFor="ch" refForName="centerShape" fact="0.95"/>
-              <dgm:constr type="primFontSz" for="ch" forName="oneNode" refType="primFontSz" refFor="ch" refForName="centerShape" op="lte" fact="0.95"/>
-              <dgm:constr type="diam" for="ch" forName="singleconn" refType="diam"/>
-              <dgm:constr type="h" for="ch" forName="singleconn" refType="w" refFor="ch" refForName="oneComp" fact="0.24"/>
-              <dgm:constr type="diam" for="ch" refType="diam" op="equ"/>
-              <dgm:constr type="w" for="ch" forName="dummya" refType="w" refFor="ch" refForName="oneComp" op="equ"/>
-              <dgm:constr type="w" for="ch" forName="dummyb" refType="w" refFor="ch" refForName="oneComp" op="equ"/>
-              <dgm:constr type="w" for="ch" forName="dummyc" refType="w" refFor="ch" refForName="oneComp" op="equ"/>
-            </dgm:constrLst>
-          </dgm:if>
-          <dgm:else name="Name18">
-            <dgm:constrLst>
-              <dgm:constr type="diam" val="170"/>
-              <dgm:constr type="w" for="ch" forName="centerShape" refType="w"/>
-              <dgm:constr type="w" for="ch" forName="node" refType="w" refFor="ch" refForName="centerShape" op="equ" fact="0.7"/>
-              <dgm:constr type="sp" refType="w" refFor="ch" refForName="node" fact="0.3"/>
-              <dgm:constr type="sibSp" refType="w" refFor="ch" refForName="node" fact="0.3"/>
-              <dgm:constr type="primFontSz" for="ch" forName="centerShape" val="65"/>
-              <dgm:constr type="primFontSz" for="des" forName="node" refType="primFontSz" refFor="ch" refForName="centerShape" fact="0.78"/>
-              <dgm:constr type="primFontSz" for="ch" forName="node" refType="primFontSz" refFor="ch" refForName="centerShape" op="lte" fact="0.95"/>
-              <dgm:constr type="diam" for="ch" ptType="sibTrans" refType="diam" fact="-1"/>
-              <dgm:constr type="h" for="ch" forName="sibTrans" refType="w" refFor="ch" refForName="node" fact="0.24"/>
-              <dgm:constr type="diam" for="ch" refType="diam" op="equ" fact="-1"/>
-              <dgm:constr type="w" for="ch" forName="dummy" val="1"/>
-            </dgm:constrLst>
-          </dgm:else>
-        </dgm:choose>
-      </dgm:else>
-    </dgm:choose>
-    <dgm:ruleLst>
-      <dgm:rule type="diam" val="INF" fact="NaN" max="NaN"/>
-    </dgm:ruleLst>
-    <dgm:forEach name="Name19" axis="ch" ptType="node" cnt="1">
-      <dgm:layoutNode name="centerShape" styleLbl="node0">
-        <dgm:alg type="tx"/>
-        <dgm:shape xmlns:r="http://schemas.openxmlformats.org/officeDocument/2006/relationships" type="ellipse" r:blip="">
-          <dgm:adjLst/>
-        </dgm:shape>
-        <dgm:presOf axis="self"/>
-        <dgm:constrLst>
-          <dgm:constr type="h" refType="w"/>
-          <dgm:constr type="tMarg" refType="primFontSz" fact="0.1"/>
-          <dgm:constr type="bMarg" refType="primFontSz" fact="0.1"/>
-          <dgm:constr type="lMarg" refType="primFontSz" fact="0.1"/>
-          <dgm:constr type="rMarg" refType="primFontSz" fact="0.1"/>
-        </dgm:constrLst>
-        <dgm:ruleLst>
-          <dgm:rule type="primFontSz" val="5" fact="NaN" max="NaN"/>
-        </dgm:ruleLst>
-      </dgm:layoutNode>
-      <dgm:forEach name="Name20" axis="ch">
-        <dgm:forEach name="Name21" axis="self" ptType="node">
-          <dgm:choose name="Name22">
-            <dgm:if name="Name23" axis="par ch" ptType="node node" func="cnt" op="gt" val="1">
-              <dgm:layoutNode name="node" styleLbl="node1">
-                <dgm:varLst>
-                  <dgm:bulletEnabled val="1"/>
-                </dgm:varLst>
-                <dgm:alg type="tx">
-                  <dgm:param type="txAnchorVertCh" val="mid"/>
-                </dgm:alg>
-                <dgm:shape xmlns:r="http://schemas.openxmlformats.org/officeDocument/2006/relationships" type="ellipse" r:blip="">
-                  <dgm:adjLst/>
-                </dgm:shape>
-                <dgm:presOf axis="desOrSelf" ptType="node"/>
-                <dgm:constrLst>
-                  <dgm:constr type="h" refType="w"/>
-                  <dgm:constr type="tMarg" refType="primFontSz" fact="0.1"/>
-                  <dgm:constr type="bMarg" refType="primFontSz" fact="0.1"/>
-                  <dgm:constr type="lMarg" refType="primFontSz" fact="0.1"/>
-                  <dgm:constr type="rMarg" refType="primFontSz" fact="0.1"/>
-                </dgm:constrLst>
-                <dgm:ruleLst>
-                  <dgm:rule type="primFontSz" val="5" fact="NaN" max="NaN"/>
-                </dgm:ruleLst>
-              </dgm:layoutNode>
-              <dgm:layoutNode name="dummy">
-                <dgm:alg type="sp"/>
-                <dgm:shape xmlns:r="http://schemas.openxmlformats.org/officeDocument/2006/relationships" r:blip="">
-                  <dgm:adjLst/>
-                </dgm:shape>
-                <dgm:presOf/>
-                <dgm:constrLst>
-                  <dgm:constr type="h" refType="w"/>
-                </dgm:constrLst>
-                <dgm:ruleLst/>
-              </dgm:layoutNode>
-              <dgm:forEach name="sibTransForEach" axis="followSib" ptType="sibTrans" hideLastTrans="0" cnt="1">
-                <dgm:layoutNode name="sibTrans" styleLbl="sibTrans2D1">
-                  <dgm:alg type="conn">
-                    <dgm:param type="connRout" val="curve"/>
-                    <dgm:param type="begPts" val="ctr"/>
-                    <dgm:param type="endPts" val="ctr"/>
-                    <dgm:param type="begSty" val="noArr"/>
-                    <dgm:param type="endSty" val="noArr"/>
-                    <dgm:param type="dstNode" val="node"/>
-                  </dgm:alg>
-                  <dgm:shape xmlns:r="http://schemas.openxmlformats.org/officeDocument/2006/relationships" type="conn" r:blip="" zOrderOff="-999">
-                    <dgm:adjLst/>
-                  </dgm:shape>
-                  <dgm:presOf axis="self"/>
-                  <dgm:constrLst>
-                    <dgm:constr type="begPad"/>
-                    <dgm:constr type="endPad"/>
-                  </dgm:constrLst>
-                  <dgm:ruleLst/>
-                </dgm:layoutNode>
-              </dgm:forEach>
-            </dgm:if>
-            <dgm:if name="Name24" axis="par ch" ptType="node node" func="cnt" op="equ" val="1">
-              <dgm:layoutNode name="oneComp">
-                <dgm:alg type="composite">
-                  <dgm:param type="ar" val="1"/>
-                </dgm:alg>
-                <dgm:shape xmlns:r="http://schemas.openxmlformats.org/officeDocument/2006/relationships" r:blip="">
-                  <dgm:adjLst/>
-                </dgm:shape>
-                <dgm:presOf/>
-                <dgm:constrLst>
-                  <dgm:constr type="h" refType="w"/>
-                  <dgm:constr type="l" for="ch" forName="dummyConnPt" refType="w" fact="0.5"/>
-                  <dgm:constr type="t" for="ch" forName="dummyConnPt" refType="w" fact="0.5"/>
-                  <dgm:constr type="l" for="ch" forName="oneNode"/>
-                  <dgm:constr type="t" for="ch" forName="oneNode"/>
-                  <dgm:constr type="h" for="ch" forName="oneNode" refType="h"/>
-                  <dgm:constr type="w" for="ch" forName="oneNode" refType="w"/>
-                </dgm:constrLst>
-                <dgm:ruleLst/>
-                <dgm:layoutNode name="dummyConnPt" styleLbl="node1">
-                  <dgm:alg type="sp"/>
-                  <dgm:shape xmlns:r="http://schemas.openxmlformats.org/officeDocument/2006/relationships" r:blip="">
-                    <dgm:adjLst/>
-                  </dgm:shape>
-                  <dgm:presOf/>
-                  <dgm:constrLst>
-                    <dgm:constr type="w" val="1"/>
-                    <dgm:constr type="h" val="1"/>
-                  </dgm:constrLst>
-                  <dgm:ruleLst/>
-                </dgm:layoutNode>
-                <dgm:layoutNode name="oneNode" styleLbl="node1">
-                  <dgm:varLst>
-                    <dgm:bulletEnabled val="1"/>
-                  </dgm:varLst>
-                  <dgm:alg type="tx">
-                    <dgm:param type="txAnchorVertCh" val="mid"/>
-                  </dgm:alg>
-                  <dgm:shape xmlns:r="http://schemas.openxmlformats.org/officeDocument/2006/relationships" type="ellipse" r:blip="">
-                    <dgm:adjLst/>
-                  </dgm:shape>
-                  <dgm:presOf axis="desOrSelf" ptType="node"/>
-                  <dgm:constrLst>
-                    <dgm:constr type="h" refType="w"/>
-                    <dgm:constr type="tMarg" refType="primFontSz" fact="0.1"/>
-                    <dgm:constr type="bMarg" refType="primFontSz" fact="0.1"/>
-                    <dgm:constr type="lMarg" refType="primFontSz" fact="0.1"/>
-                    <dgm:constr type="rMarg" refType="primFontSz" fact="0.1"/>
-                  </dgm:constrLst>
-                  <dgm:ruleLst>
-                    <dgm:rule type="primFontSz" val="5" fact="NaN" max="NaN"/>
-                  </dgm:ruleLst>
-                </dgm:layoutNode>
-              </dgm:layoutNode>
-              <dgm:layoutNode name="dummya">
-                <dgm:alg type="sp"/>
-                <dgm:shape xmlns:r="http://schemas.openxmlformats.org/officeDocument/2006/relationships" r:blip="">
-                  <dgm:adjLst/>
-                </dgm:shape>
-                <dgm:presOf/>
-                <dgm:constrLst>
-                  <dgm:constr type="h" refType="w"/>
-                </dgm:constrLst>
-                <dgm:ruleLst/>
-              </dgm:layoutNode>
-              <dgm:layoutNode name="dummyb">
-                <dgm:alg type="sp"/>
-                <dgm:shape xmlns:r="http://schemas.openxmlformats.org/officeDocument/2006/relationships" r:blip="">
-                  <dgm:adjLst/>
-                </dgm:shape>
-                <dgm:presOf/>
-                <dgm:constrLst>
-                  <dgm:constr type="h" refType="w"/>
-                </dgm:constrLst>
-                <dgm:ruleLst/>
-              </dgm:layoutNode>
-              <dgm:layoutNode name="dummyc">
-                <dgm:alg type="sp"/>
-                <dgm:shape xmlns:r="http://schemas.openxmlformats.org/officeDocument/2006/relationships" r:blip="">
-                  <dgm:adjLst/>
-                </dgm:shape>
-                <dgm:presOf/>
-                <dgm:constrLst>
-                  <dgm:constr type="h" refType="w"/>
-                </dgm:constrLst>
-                <dgm:ruleLst/>
-              </dgm:layoutNode>
-              <dgm:forEach name="sibTransForEach1" axis="followSib" ptType="sibTrans" hideLastTrans="0" cnt="1">
-                <dgm:layoutNode name="singleconn" styleLbl="sibTrans2D1">
-                  <dgm:alg type="conn">
-                    <dgm:param type="connRout" val="longCurve"/>
-                    <dgm:param type="begPts" val="bCtr"/>
-                    <dgm:param type="endPts" val="tCtr"/>
-                    <dgm:param type="begSty" val="noArr"/>
-                    <dgm:param type="endSty" val="noArr"/>
-                    <dgm:param type="srcNode" val="dummyConnPt"/>
-                    <dgm:param type="dstNode" val="dummyConnPt"/>
-                  </dgm:alg>
-                  <dgm:shape xmlns:r="http://schemas.openxmlformats.org/officeDocument/2006/relationships" type="conn" r:blip="" zOrderOff="-999">
-                    <dgm:adjLst/>
-                  </dgm:shape>
-                  <dgm:presOf axis="self"/>
-                  <dgm:constrLst>
-                    <dgm:constr type="begPad"/>
-                    <dgm:constr type="endPad"/>
-                  </dgm:constrLst>
-                  <dgm:ruleLst/>
-                </dgm:layoutNode>
-              </dgm:forEach>
-            </dgm:if>
-            <dgm:else name="Name25"/>
-          </dgm:choose>
-        </dgm:forEach>
-      </dgm:forEach>
-    </dgm:forEach>
-  </dgm:layoutNode>
-</dgm:layoutDef>
-</file>
-
-<file path=ppt/diagrams/quickStyle1.xml><?xml version="1.0" encoding="utf-8"?>
-<dgm:styleDef xmlns:dgm="http://schemas.openxmlformats.org/drawingml/2006/diagram" xmlns:a="http://schemas.openxmlformats.org/drawingml/2006/main" uniqueId="urn:microsoft.com/office/officeart/2005/8/quickstyle/simple1">
-  <dgm:title val=""/>
-  <dgm:desc val=""/>
-  <dgm:catLst>
-    <dgm:cat type="simple" pri="10100"/>
-  </dgm:catLst>
-  <dgm:scene3d>
-    <a:camera prst="orthographicFront"/>
-    <a:lightRig rig="threePt" dir="t"/>
-  </dgm:scene3d>
-  <dgm:styleLbl name="node0">
-    <dgm:scene3d>
-      <a:camera prst="orthographicFront"/>
-      <a:lightRig rig="threePt" dir="t"/>
-    </dgm:scene3d>
-    <dgm:sp3d/>
-    <dgm:txPr/>
-    <dgm:style>
-      <a:lnRef idx="2">
-        <a:scrgbClr r="0" g="0" b="0"/>
-      </a:lnRef>
-      <a:fillRef idx="1">
-        <a:scrgbClr r="0" g="0" b="0"/>
-      </a:fillRef>
-      <a:effectRef idx="0">
-        <a:scrgbClr r="0" g="0" b="0"/>
-      </a:effectRef>
-      <a:fontRef idx="minor">
-        <a:schemeClr val="lt1"/>
-      </a:fontRef>
-    </dgm:style>
-  </dgm:styleLbl>
-  <dgm:styleLbl name="lnNode1">
-    <dgm:scene3d>
-      <a:camera prst="orthographicFront"/>
-      <a:lightRig rig="threePt" dir="t"/>
-    </dgm:scene3d>
-    <dgm:sp3d/>
-    <dgm:txPr/>
-    <dgm:style>
-      <a:lnRef idx="2">
-        <a:scrgbClr r="0" g="0" b="0"/>
-      </a:lnRef>
-      <a:fillRef idx="1">
-        <a:scrgbClr r="0" g="0" b="0"/>
-      </a:fillRef>
-      <a:effectRef idx="0">
-        <a:scrgbClr r="0" g="0" b="0"/>
-      </a:effectRef>
-      <a:fontRef idx="minor">
-        <a:schemeClr val="lt1"/>
-      </a:fontRef>
-    </dgm:style>
-  </dgm:styleLbl>
-  <dgm:styleLbl name="vennNode1">
-    <dgm:scene3d>
-      <a:camera prst="orthographicFront"/>
-      <a:lightRig rig="threePt" dir="t"/>
-    </dgm:scene3d>
-    <dgm:sp3d/>
-    <dgm:txPr/>
-    <dgm:style>
-      <a:lnRef idx="2">
-        <a:scrgbClr r="0" g="0" b="0"/>
-      </a:lnRef>
-      <a:fillRef idx="1">
-        <a:scrgbClr r="0" g="0" b="0"/>
-      </a:fillRef>
-      <a:effectRef idx="0">
-        <a:scrgbClr r="0" g="0" b="0"/>
-      </a:effectRef>
-      <a:fontRef idx="minor">
-        <a:schemeClr val="tx1"/>
-      </a:fontRef>
-    </dgm:style>
-  </dgm:styleLbl>
-  <dgm:styleLbl name="alignNode1">
-    <dgm:scene3d>
-      <a:camera prst="orthographicFront"/>
-      <a:lightRig rig="threePt" dir="t"/>
-    </dgm:scene3d>
-    <dgm:sp3d/>
-    <dgm:txPr/>
-    <dgm:style>
-      <a:lnRef idx="2">
-        <a:scrgbClr r="0" g="0" b="0"/>
-      </a:lnRef>
-      <a:fillRef idx="1">
-        <a:scrgbClr r="0" g="0" b="0"/>
-      </a:fillRef>
-      <a:effectRef idx="0">
-        <a:scrgbClr r="0" g="0" b="0"/>
-      </a:effectRef>
-      <a:fontRef idx="minor">
-        <a:schemeClr val="lt1"/>
-      </a:fontRef>
-    </dgm:style>
-  </dgm:styleLbl>
-  <dgm:styleLbl name="node1">
-    <dgm:scene3d>
-      <a:camera prst="orthographicFront"/>
-      <a:lightRig rig="threePt" dir="t"/>
-    </dgm:scene3d>
-    <dgm:sp3d/>
-    <dgm:txPr/>
-    <dgm:style>
-      <a:lnRef idx="2">
-        <a:scrgbClr r="0" g="0" b="0"/>
-      </a:lnRef>
-      <a:fillRef idx="1">
-        <a:scrgbClr r="0" g="0" b="0"/>
-      </a:fillRef>
-      <a:effectRef idx="0">
-        <a:scrgbClr r="0" g="0" b="0"/>
-      </a:effectRef>
-      <a:fontRef idx="minor">
-        <a:schemeClr val="lt1"/>
-      </a:fontRef>
-    </dgm:style>
-  </dgm:styleLbl>
-  <dgm:styleLbl name="node2">
-    <dgm:scene3d>
-      <a:camera prst="orthographicFront"/>
-      <a:lightRig rig="threePt" dir="t"/>
-    </dgm:scene3d>
-    <dgm:sp3d/>
-    <dgm:txPr/>
-    <dgm:style>
-      <a:lnRef idx="2">
-        <a:scrgbClr r="0" g="0" b="0"/>
-      </a:lnRef>
-      <a:fillRef idx="1">
-        <a:scrgbClr r="0" g="0" b="0"/>
-      </a:fillRef>
-      <a:effectRef idx="0">
-        <a:scrgbClr r="0" g="0" b="0"/>
-      </a:effectRef>
-      <a:fontRef idx="minor">
-        <a:schemeClr val="lt1"/>
-      </a:fontRef>
-    </dgm:style>
-  </dgm:styleLbl>
-  <dgm:styleLbl name="node3">
-    <dgm:scene3d>
-      <a:camera prst="orthographicFront"/>
-      <a:lightRig rig="threePt" dir="t"/>
-    </dgm:scene3d>
-    <dgm:sp3d/>
-    <dgm:txPr/>
-    <dgm:style>
-      <a:lnRef idx="2">
-        <a:scrgbClr r="0" g="0" b="0"/>
-      </a:lnRef>
-      <a:fillRef idx="1">
-        <a:scrgbClr r="0" g="0" b="0"/>
-      </a:fillRef>
-      <a:effectRef idx="0">
-        <a:scrgbClr r="0" g="0" b="0"/>
-      </a:effectRef>
-      <a:fontRef idx="minor">
-        <a:schemeClr val="lt1"/>
-      </a:fontRef>
-    </dgm:style>
-  </dgm:styleLbl>
-  <dgm:styleLbl name="node4">
-    <dgm:scene3d>
-      <a:camera prst="orthographicFront"/>
-      <a:lightRig rig="threePt" dir="t"/>
-    </dgm:scene3d>
-    <dgm:sp3d/>
-    <dgm:txPr/>
-    <dgm:style>
-      <a:lnRef idx="2">
-        <a:scrgbClr r="0" g="0" b="0"/>
-      </a:lnRef>
-      <a:fillRef idx="1">
-        <a:scrgbClr r="0" g="0" b="0"/>
-      </a:fillRef>
-      <a:effectRef idx="0">
-        <a:scrgbClr r="0" g="0" b="0"/>
-      </a:effectRef>
-      <a:fontRef idx="minor">
-        <a:schemeClr val="lt1"/>
-      </a:fontRef>
-    </dgm:style>
-  </dgm:styleLbl>
-  <dgm:styleLbl name="fgImgPlace1">
-    <dgm:scene3d>
-      <a:camera prst="orthographicFront"/>
-      <a:lightRig rig="threePt" dir="t"/>
-    </dgm:scene3d>
-    <dgm:sp3d/>
-    <dgm:txPr/>
-    <dgm:style>
-      <a:lnRef idx="2">
-        <a:scrgbClr r="0" g="0" b="0"/>
-      </a:lnRef>
-      <a:fillRef idx="1">
-        <a:scrgbClr r="0" g="0" b="0"/>
-      </a:fillRef>
-      <a:effectRef idx="0">
-        <a:scrgbClr r="0" g="0" b="0"/>
-      </a:effectRef>
-      <a:fontRef idx="minor"/>
-    </dgm:style>
-  </dgm:styleLbl>
-  <dgm:styleLbl name="alignImgPlace1">
-    <dgm:scene3d>
-      <a:camera prst="orthographicFront"/>
-      <a:lightRig rig="threePt" dir="t"/>
-    </dgm:scene3d>
-    <dgm:sp3d/>
-    <dgm:txPr/>
-    <dgm:style>
-      <a:lnRef idx="2">
-        <a:scrgbClr r="0" g="0" b="0"/>
-      </a:lnRef>
-      <a:fillRef idx="1">
-        <a:scrgbClr r="0" g="0" b="0"/>
-      </a:fillRef>
-      <a:effectRef idx="0">
-        <a:scrgbClr r="0" g="0" b="0"/>
-      </a:effectRef>
-      <a:fontRef idx="minor"/>
-    </dgm:style>
-  </dgm:styleLbl>
-  <dgm:styleLbl name="bgImgPlace1">
-    <dgm:scene3d>
-      <a:camera prst="orthographicFront"/>
-      <a:lightRig rig="threePt" dir="t"/>
-    </dgm:scene3d>
-    <dgm:sp3d/>
-    <dgm:txPr/>
-    <dgm:style>
-      <a:lnRef idx="2">
-        <a:scrgbClr r="0" g="0" b="0"/>
-      </a:lnRef>
-      <a:fillRef idx="1">
-        <a:scrgbClr r="0" g="0" b="0"/>
-      </a:fillRef>
-      <a:effectRef idx="0">
-        <a:scrgbClr r="0" g="0" b="0"/>
-      </a:effectRef>
-      <a:fontRef idx="minor"/>
-    </dgm:style>
-  </dgm:styleLbl>
-  <dgm:styleLbl name="sibTrans2D1">
-    <dgm:scene3d>
-      <a:camera prst="orthographicFront"/>
-      <a:lightRig rig="threePt" dir="t"/>
-    </dgm:scene3d>
-    <dgm:sp3d/>
-    <dgm:txPr/>
-    <dgm:style>
-      <a:lnRef idx="0">
-        <a:scrgbClr r="0" g="0" b="0"/>
-      </a:lnRef>
-      <a:fillRef idx="1">
-        <a:scrgbClr r="0" g="0" b="0"/>
-      </a:fillRef>
-      <a:effectRef idx="0">
-        <a:scrgbClr r="0" g="0" b="0"/>
-      </a:effectRef>
-      <a:fontRef idx="minor">
-        <a:schemeClr val="lt1"/>
-      </a:fontRef>
-    </dgm:style>
-  </dgm:styleLbl>
-  <dgm:styleLbl name="fgSibTrans2D1">
-    <dgm:scene3d>
-      <a:camera prst="orthographicFront"/>
-      <a:lightRig rig="threePt" dir="t"/>
-    </dgm:scene3d>
-    <dgm:sp3d/>
-    <dgm:txPr/>
-    <dgm:style>
-      <a:lnRef idx="0">
-        <a:scrgbClr r="0" g="0" b="0"/>
-      </a:lnRef>
-      <a:fillRef idx="1">
-        <a:scrgbClr r="0" g="0" b="0"/>
-      </a:fillRef>
-      <a:effectRef idx="0">
-        <a:scrgbClr r="0" g="0" b="0"/>
-      </a:effectRef>
-      <a:fontRef idx="minor">
-        <a:schemeClr val="lt1"/>
-      </a:fontRef>
-    </dgm:style>
-  </dgm:styleLbl>
-  <dgm:styleLbl name="bgSibTrans2D1">
-    <dgm:scene3d>
-      <a:camera prst="orthographicFront"/>
-      <a:lightRig rig="threePt" dir="t"/>
-    </dgm:scene3d>
-    <dgm:sp3d/>
-    <dgm:txPr/>
-    <dgm:style>
-      <a:lnRef idx="0">
-        <a:scrgbClr r="0" g="0" b="0"/>
-      </a:lnRef>
-      <a:fillRef idx="1">
-        <a:scrgbClr r="0" g="0" b="0"/>
-      </a:fillRef>
-      <a:effectRef idx="0">
-        <a:scrgbClr r="0" g="0" b="0"/>
-      </a:effectRef>
-      <a:fontRef idx="minor">
-        <a:schemeClr val="lt1"/>
-      </a:fontRef>
-    </dgm:style>
-  </dgm:styleLbl>
-  <dgm:styleLbl name="sibTrans1D1">
-    <dgm:scene3d>
-      <a:camera prst="orthographicFront"/>
-      <a:lightRig rig="threePt" dir="t"/>
-    </dgm:scene3d>
-    <dgm:sp3d/>
-    <dgm:txPr/>
-    <dgm:style>
-      <a:lnRef idx="1">
-        <a:scrgbClr r="0" g="0" b="0"/>
-      </a:lnRef>
-      <a:fillRef idx="0">
-        <a:scrgbClr r="0" g="0" b="0"/>
-      </a:fillRef>
-      <a:effectRef idx="0">
-        <a:scrgbClr r="0" g="0" b="0"/>
-      </a:effectRef>
-      <a:fontRef idx="minor"/>
-    </dgm:style>
-  </dgm:styleLbl>
-  <dgm:styleLbl name="callout">
-    <dgm:scene3d>
-      <a:camera prst="orthographicFront"/>
-      <a:lightRig rig="threePt" dir="t"/>
-    </dgm:scene3d>
-    <dgm:sp3d/>
-    <dgm:txPr/>
-    <dgm:style>
-      <a:lnRef idx="2">
-        <a:scrgbClr r="0" g="0" b="0"/>
-      </a:lnRef>
-      <a:fillRef idx="1">
-        <a:scrgbClr r="0" g="0" b="0"/>
-      </a:fillRef>
-      <a:effectRef idx="0">
-        <a:scrgbClr r="0" g="0" b="0"/>
-      </a:effectRef>
-      <a:fontRef idx="minor"/>
-    </dgm:style>
-  </dgm:styleLbl>
-  <dgm:styleLbl name="asst0">
-    <dgm:scene3d>
-      <a:camera prst="orthographicFront"/>
-      <a:lightRig rig="threePt" dir="t"/>
-    </dgm:scene3d>
-    <dgm:sp3d/>
-    <dgm:txPr/>
-    <dgm:style>
-      <a:lnRef idx="2">
-        <a:scrgbClr r="0" g="0" b="0"/>
-      </a:lnRef>
-      <a:fillRef idx="1">
-        <a:scrgbClr r="0" g="0" b="0"/>
-      </a:fillRef>
-      <a:effectRef idx="0">
-        <a:scrgbClr r="0" g="0" b="0"/>
-      </a:effectRef>
-      <a:fontRef idx="minor">
-        <a:schemeClr val="lt1"/>
-      </a:fontRef>
-    </dgm:style>
-  </dgm:styleLbl>
-  <dgm:styleLbl name="asst1">
-    <dgm:scene3d>
-      <a:camera prst="orthographicFront"/>
-      <a:lightRig rig="threePt" dir="t"/>
-    </dgm:scene3d>
-    <dgm:sp3d/>
-    <dgm:txPr/>
-    <dgm:style>
-      <a:lnRef idx="2">
-        <a:scrgbClr r="0" g="0" b="0"/>
-      </a:lnRef>
-      <a:fillRef idx="1">
-        <a:scrgbClr r="0" g="0" b="0"/>
-      </a:fillRef>
-      <a:effectRef idx="0">
-        <a:scrgbClr r="0" g="0" b="0"/>
-      </a:effectRef>
-      <a:fontRef idx="minor">
-        <a:schemeClr val="lt1"/>
-      </a:fontRef>
-    </dgm:style>
-  </dgm:styleLbl>
-  <dgm:styleLbl name="asst2">
-    <dgm:scene3d>
-      <a:camera prst="orthographicFront"/>
-      <a:lightRig rig="threePt" dir="t"/>
-    </dgm:scene3d>
-    <dgm:sp3d/>
-    <dgm:txPr/>
-    <dgm:style>
-      <a:lnRef idx="2">
-        <a:scrgbClr r="0" g="0" b="0"/>
-      </a:lnRef>
-      <a:fillRef idx="1">
-        <a:scrgbClr r="0" g="0" b="0"/>
-      </a:fillRef>
-      <a:effectRef idx="0">
-        <a:scrgbClr r="0" g="0" b="0"/>
-      </a:effectRef>
-      <a:fontRef idx="minor">
-        <a:schemeClr val="lt1"/>
-      </a:fontRef>
-    </dgm:style>
-  </dgm:styleLbl>
-  <dgm:styleLbl name="asst3">
-    <dgm:scene3d>
-      <a:camera prst="orthographicFront"/>
-      <a:lightRig rig="threePt" dir="t"/>
-    </dgm:scene3d>
-    <dgm:sp3d/>
-    <dgm:txPr/>
-    <dgm:style>
-      <a:lnRef idx="2">
-        <a:scrgbClr r="0" g="0" b="0"/>
-      </a:lnRef>
-      <a:fillRef idx="1">
-        <a:scrgbClr r="0" g="0" b="0"/>
-      </a:fillRef>
-      <a:effectRef idx="0">
-        <a:scrgbClr r="0" g="0" b="0"/>
-      </a:effectRef>
-      <a:fontRef idx="minor">
-        <a:schemeClr val="lt1"/>
-      </a:fontRef>
-    </dgm:style>
-  </dgm:styleLbl>
-  <dgm:styleLbl name="asst4">
-    <dgm:scene3d>
-      <a:camera prst="orthographicFront"/>
-      <a:lightRig rig="threePt" dir="t"/>
-    </dgm:scene3d>
-    <dgm:sp3d/>
-    <dgm:txPr/>
-    <dgm:style>
-      <a:lnRef idx="2">
-        <a:scrgbClr r="0" g="0" b="0"/>
-      </a:lnRef>
-      <a:fillRef idx="1">
-        <a:scrgbClr r="0" g="0" b="0"/>
-      </a:fillRef>
-      <a:effectRef idx="0">
-        <a:scrgbClr r="0" g="0" b="0"/>
-      </a:effectRef>
-      <a:fontRef idx="minor">
-        <a:schemeClr val="lt1"/>
-      </a:fontRef>
-    </dgm:style>
-  </dgm:styleLbl>
-  <dgm:styleLbl name="parChTrans2D1">
-    <dgm:scene3d>
-      <a:camera prst="orthographicFront"/>
-      <a:lightRig rig="threePt" dir="t"/>
-    </dgm:scene3d>
-    <dgm:sp3d/>
-    <dgm:txPr/>
-    <dgm:style>
-      <a:lnRef idx="2">
-        <a:scrgbClr r="0" g="0" b="0"/>
-      </a:lnRef>
-      <a:fillRef idx="1">
-        <a:scrgbClr r="0" g="0" b="0"/>
-      </a:fillRef>
-      <a:effectRef idx="0">
-        <a:scrgbClr r="0" g="0" b="0"/>
-      </a:effectRef>
-      <a:fontRef idx="minor">
-        <a:schemeClr val="lt1"/>
-      </a:fontRef>
-    </dgm:style>
-  </dgm:styleLbl>
-  <dgm:styleLbl name="parChTrans2D2">
-    <dgm:scene3d>
-      <a:camera prst="orthographicFront"/>
-      <a:lightRig rig="threePt" dir="t"/>
-    </dgm:scene3d>
-    <dgm:sp3d/>
-    <dgm:txPr/>
-    <dgm:style>
-      <a:lnRef idx="2">
-        <a:scrgbClr r="0" g="0" b="0"/>
-      </a:lnRef>
-      <a:fillRef idx="1">
-        <a:scrgbClr r="0" g="0" b="0"/>
-      </a:fillRef>
-      <a:effectRef idx="0">
-        <a:scrgbClr r="0" g="0" b="0"/>
-      </a:effectRef>
-      <a:fontRef idx="minor">
-        <a:schemeClr val="lt1"/>
-      </a:fontRef>
-    </dgm:style>
-  </dgm:styleLbl>
-  <dgm:styleLbl name="parChTrans2D3">
-    <dgm:scene3d>
-      <a:camera prst="orthographicFront"/>
-      <a:lightRig rig="threePt" dir="t"/>
-    </dgm:scene3d>
-    <dgm:sp3d/>
-    <dgm:txPr/>
-    <dgm:style>
-      <a:lnRef idx="2">
-        <a:scrgbClr r="0" g="0" b="0"/>
-      </a:lnRef>
-      <a:fillRef idx="1">
-        <a:scrgbClr r="0" g="0" b="0"/>
-      </a:fillRef>
-      <a:effectRef idx="0">
-        <a:scrgbClr r="0" g="0" b="0"/>
-      </a:effectRef>
-      <a:fontRef idx="minor">
-        <a:schemeClr val="lt1"/>
-      </a:fontRef>
-    </dgm:style>
-  </dgm:styleLbl>
-  <dgm:styleLbl name="parChTrans2D4">
-    <dgm:scene3d>
-      <a:camera prst="orthographicFront"/>
-      <a:lightRig rig="threePt" dir="t"/>
-    </dgm:scene3d>
-    <dgm:sp3d/>
-    <dgm:txPr/>
-    <dgm:style>
-      <a:lnRef idx="2">
-        <a:scrgbClr r="0" g="0" b="0"/>
-      </a:lnRef>
-      <a:fillRef idx="1">
-        <a:scrgbClr r="0" g="0" b="0"/>
-      </a:fillRef>
-      <a:effectRef idx="0">
-        <a:scrgbClr r="0" g="0" b="0"/>
-      </a:effectRef>
-      <a:fontRef idx="minor">
-        <a:schemeClr val="lt1"/>
-      </a:fontRef>
-    </dgm:style>
-  </dgm:styleLbl>
-  <dgm:styleLbl name="parChTrans1D1">
-    <dgm:scene3d>
-      <a:camera prst="orthographicFront"/>
-      <a:lightRig rig="threePt" dir="t"/>
-    </dgm:scene3d>
-    <dgm:sp3d/>
-    <dgm:txPr/>
-    <dgm:style>
-      <a:lnRef idx="2">
-        <a:scrgbClr r="0" g="0" b="0"/>
-      </a:lnRef>
-      <a:fillRef idx="0">
-        <a:scrgbClr r="0" g="0" b="0"/>
-      </a:fillRef>
-      <a:effectRef idx="0">
-        <a:scrgbClr r="0" g="0" b="0"/>
-      </a:effectRef>
-      <a:fontRef idx="minor"/>
-    </dgm:style>
-  </dgm:styleLbl>
-  <dgm:styleLbl name="parChTrans1D2">
-    <dgm:scene3d>
-      <a:camera prst="orthographicFront"/>
-      <a:lightRig rig="threePt" dir="t"/>
-    </dgm:scene3d>
-    <dgm:sp3d/>
-    <dgm:txPr/>
-    <dgm:style>
-      <a:lnRef idx="2">
-        <a:scrgbClr r="0" g="0" b="0"/>
-      </a:lnRef>
-      <a:fillRef idx="0">
-        <a:scrgbClr r="0" g="0" b="0"/>
-      </a:fillRef>
-      <a:effectRef idx="0">
-        <a:scrgbClr r="0" g="0" b="0"/>
-      </a:effectRef>
-      <a:fontRef idx="minor"/>
-    </dgm:style>
-  </dgm:styleLbl>
-  <dgm:styleLbl name="parChTrans1D3">
-    <dgm:scene3d>
-      <a:camera prst="orthographicFront"/>
-      <a:lightRig rig="threePt" dir="t"/>
-    </dgm:scene3d>
-    <dgm:sp3d/>
-    <dgm:txPr/>
-    <dgm:style>
-      <a:lnRef idx="2">
-        <a:scrgbClr r="0" g="0" b="0"/>
-      </a:lnRef>
-      <a:fillRef idx="0">
-        <a:scrgbClr r="0" g="0" b="0"/>
-      </a:fillRef>
-      <a:effectRef idx="0">
-        <a:scrgbClr r="0" g="0" b="0"/>
-      </a:effectRef>
-      <a:fontRef idx="minor"/>
-    </dgm:style>
-  </dgm:styleLbl>
-  <dgm:styleLbl name="parChTrans1D4">
-    <dgm:scene3d>
-      <a:camera prst="orthographicFront"/>
-      <a:lightRig rig="threePt" dir="t"/>
-    </dgm:scene3d>
-    <dgm:sp3d/>
-    <dgm:txPr/>
-    <dgm:style>
-      <a:lnRef idx="2">
-        <a:scrgbClr r="0" g="0" b="0"/>
-      </a:lnRef>
-      <a:fillRef idx="0">
-        <a:scrgbClr r="0" g="0" b="0"/>
-      </a:fillRef>
-      <a:effectRef idx="0">
-        <a:scrgbClr r="0" g="0" b="0"/>
-      </a:effectRef>
-      <a:fontRef idx="minor"/>
-    </dgm:style>
-  </dgm:styleLbl>
-  <dgm:styleLbl name="fgAcc1">
-    <dgm:scene3d>
-      <a:camera prst="orthographicFront"/>
-      <a:lightRig rig="threePt" dir="t"/>
-    </dgm:scene3d>
-    <dgm:sp3d/>
-    <dgm:txPr/>
-    <dgm:style>
-      <a:lnRef idx="2">
-        <a:scrgbClr r="0" g="0" b="0"/>
-      </a:lnRef>
-      <a:fillRef idx="1">
-        <a:scrgbClr r="0" g="0" b="0"/>
-      </a:fillRef>
-      <a:effectRef idx="0">
-        <a:scrgbClr r="0" g="0" b="0"/>
-      </a:effectRef>
-      <a:fontRef idx="minor"/>
-    </dgm:style>
-  </dgm:styleLbl>
-  <dgm:styleLbl name="conFgAcc1">
-    <dgm:scene3d>
-      <a:camera prst="orthographicFront"/>
-      <a:lightRig rig="threePt" dir="t"/>
-    </dgm:scene3d>
-    <dgm:sp3d/>
-    <dgm:txPr/>
-    <dgm:style>
-      <a:lnRef idx="2">
-        <a:scrgbClr r="0" g="0" b="0"/>
-      </a:lnRef>
-      <a:fillRef idx="1">
-        <a:scrgbClr r="0" g="0" b="0"/>
-      </a:fillRef>
-      <a:effectRef idx="0">
-        <a:scrgbClr r="0" g="0" b="0"/>
-      </a:effectRef>
-      <a:fontRef idx="minor"/>
-    </dgm:style>
-  </dgm:styleLbl>
-  <dgm:styleLbl name="alignAcc1">
-    <dgm:scene3d>
-      <a:camera prst="orthographicFront"/>
-      <a:lightRig rig="threePt" dir="t"/>
-    </dgm:scene3d>
-    <dgm:sp3d/>
-    <dgm:txPr/>
-    <dgm:style>
-      <a:lnRef idx="2">
-        <a:scrgbClr r="0" g="0" b="0"/>
-      </a:lnRef>
-      <a:fillRef idx="1">
-        <a:scrgbClr r="0" g="0" b="0"/>
-      </a:fillRef>
-      <a:effectRef idx="0">
-        <a:scrgbClr r="0" g="0" b="0"/>
-      </a:effectRef>
-      <a:fontRef idx="minor"/>
-    </dgm:style>
-  </dgm:styleLbl>
-  <dgm:styleLbl name="trAlignAcc1">
-    <dgm:scene3d>
-      <a:camera prst="orthographicFront"/>
-      <a:lightRig rig="threePt" dir="t"/>
-    </dgm:scene3d>
-    <dgm:sp3d/>
-    <dgm:txPr/>
-    <dgm:style>
-      <a:lnRef idx="1">
-        <a:scrgbClr r="0" g="0" b="0"/>
-      </a:lnRef>
-      <a:fillRef idx="1">
-        <a:scrgbClr r="0" g="0" b="0"/>
-      </a:fillRef>
-      <a:effectRef idx="0">
-        <a:scrgbClr r="0" g="0" b="0"/>
-      </a:effectRef>
-      <a:fontRef idx="minor"/>
-    </dgm:style>
-  </dgm:styleLbl>
-  <dgm:styleLbl name="bgAcc1">
-    <dgm:scene3d>
-      <a:camera prst="orthographicFront"/>
-      <a:lightRig rig="threePt" dir="t"/>
-    </dgm:scene3d>
-    <dgm:sp3d/>
-    <dgm:txPr/>
-    <dgm:style>
-      <a:lnRef idx="2">
-        <a:scrgbClr r="0" g="0" b="0"/>
-      </a:lnRef>
-      <a:fillRef idx="1">
-        <a:scrgbClr r="0" g="0" b="0"/>
-      </a:fillRef>
-      <a:effectRef idx="0">
-        <a:scrgbClr r="0" g="0" b="0"/>
-      </a:effectRef>
-      <a:fontRef idx="minor"/>
-    </dgm:style>
-  </dgm:styleLbl>
-  <dgm:styleLbl name="solidFgAcc1">
-    <dgm:scene3d>
-      <a:camera prst="orthographicFront"/>
-      <a:lightRig rig="threePt" dir="t"/>
-    </dgm:scene3d>
-    <dgm:sp3d/>
-    <dgm:txPr/>
-    <dgm:style>
-      <a:lnRef idx="2">
-        <a:scrgbClr r="0" g="0" b="0"/>
-      </a:lnRef>
-      <a:fillRef idx="1">
-        <a:scrgbClr r="0" g="0" b="0"/>
-      </a:fillRef>
-      <a:effectRef idx="0">
-        <a:scrgbClr r="0" g="0" b="0"/>
-      </a:effectRef>
-      <a:fontRef idx="minor"/>
-    </dgm:style>
-  </dgm:styleLbl>
-  <dgm:styleLbl name="solidAlignAcc1">
-    <dgm:scene3d>
-      <a:camera prst="orthographicFront"/>
-      <a:lightRig rig="threePt" dir="t"/>
-    </dgm:scene3d>
-    <dgm:sp3d/>
-    <dgm:txPr/>
-    <dgm:style>
-      <a:lnRef idx="2">
-        <a:scrgbClr r="0" g="0" b="0"/>
-      </a:lnRef>
-      <a:fillRef idx="1">
-        <a:scrgbClr r="0" g="0" b="0"/>
-      </a:fillRef>
-      <a:effectRef idx="0">
-        <a:scrgbClr r="0" g="0" b="0"/>
-      </a:effectRef>
-      <a:fontRef idx="minor"/>
-    </dgm:style>
-  </dgm:styleLbl>
-  <dgm:styleLbl name="solidBgAcc1">
-    <dgm:scene3d>
-      <a:camera prst="orthographicFront"/>
-      <a:lightRig rig="threePt" dir="t"/>
-    </dgm:scene3d>
-    <dgm:sp3d/>
-    <dgm:txPr/>
-    <dgm:style>
-      <a:lnRef idx="2">
-        <a:scrgbClr r="0" g="0" b="0"/>
-      </a:lnRef>
-      <a:fillRef idx="1">
-        <a:scrgbClr r="0" g="0" b="0"/>
-      </a:fillRef>
-      <a:effectRef idx="0">
-        <a:scrgbClr r="0" g="0" b="0"/>
-      </a:effectRef>
-      <a:fontRef idx="minor"/>
-    </dgm:style>
-  </dgm:styleLbl>
-  <dgm:styleLbl name="fgAccFollowNode1">
-    <dgm:scene3d>
-      <a:camera prst="orthographicFront"/>
-      <a:lightRig rig="threePt" dir="t"/>
-    </dgm:scene3d>
-    <dgm:sp3d/>
-    <dgm:txPr/>
-    <dgm:style>
-      <a:lnRef idx="2">
-        <a:scrgbClr r="0" g="0" b="0"/>
-      </a:lnRef>
-      <a:fillRef idx="1">
-        <a:scrgbClr r="0" g="0" b="0"/>
-      </a:fillRef>
-      <a:effectRef idx="0">
-        <a:scrgbClr r="0" g="0" b="0"/>
-      </a:effectRef>
-      <a:fontRef idx="minor"/>
-    </dgm:style>
-  </dgm:styleLbl>
-  <dgm:styleLbl name="alignAccFollowNode1">
-    <dgm:scene3d>
-      <a:camera prst="orthographicFront"/>
-      <a:lightRig rig="threePt" dir="t"/>
-    </dgm:scene3d>
-    <dgm:sp3d/>
-    <dgm:txPr/>
-    <dgm:style>
-      <a:lnRef idx="2">
-        <a:scrgbClr r="0" g="0" b="0"/>
-      </a:lnRef>
-      <a:fillRef idx="1">
-        <a:scrgbClr r="0" g="0" b="0"/>
-      </a:fillRef>
-      <a:effectRef idx="0">
-        <a:scrgbClr r="0" g="0" b="0"/>
-      </a:effectRef>
-      <a:fontRef idx="minor"/>
-    </dgm:style>
-  </dgm:styleLbl>
-  <dgm:styleLbl name="bgAccFollowNode1">
-    <dgm:scene3d>
-      <a:camera prst="orthographicFront"/>
-      <a:lightRig rig="threePt" dir="t"/>
-    </dgm:scene3d>
-    <dgm:sp3d/>
-    <dgm:txPr/>
-    <dgm:style>
-      <a:lnRef idx="2">
-        <a:scrgbClr r="0" g="0" b="0"/>
-      </a:lnRef>
-      <a:fillRef idx="1">
-        <a:scrgbClr r="0" g="0" b="0"/>
-      </a:fillRef>
-      <a:effectRef idx="0">
-        <a:scrgbClr r="0" g="0" b="0"/>
-      </a:effectRef>
-      <a:fontRef idx="minor"/>
-    </dgm:style>
-  </dgm:styleLbl>
-  <dgm:styleLbl name="fgAcc0">
-    <dgm:scene3d>
-      <a:camera prst="orthographicFront"/>
-      <a:lightRig rig="threePt" dir="t"/>
-    </dgm:scene3d>
-    <dgm:sp3d/>
-    <dgm:txPr/>
-    <dgm:style>
-      <a:lnRef idx="2">
-        <a:scrgbClr r="0" g="0" b="0"/>
-      </a:lnRef>
-      <a:fillRef idx="1">
-        <a:scrgbClr r="0" g="0" b="0"/>
-      </a:fillRef>
-      <a:effectRef idx="0">
-        <a:scrgbClr r="0" g="0" b="0"/>
-      </a:effectRef>
-      <a:fontRef idx="minor"/>
-    </dgm:style>
-  </dgm:styleLbl>
-  <dgm:styleLbl name="fgAcc2">
-    <dgm:scene3d>
-      <a:camera prst="orthographicFront"/>
-      <a:lightRig rig="threePt" dir="t"/>
-    </dgm:scene3d>
-    <dgm:sp3d/>
-    <dgm:txPr/>
-    <dgm:style>
-      <a:lnRef idx="2">
-        <a:scrgbClr r="0" g="0" b="0"/>
-      </a:lnRef>
-      <a:fillRef idx="1">
-        <a:scrgbClr r="0" g="0" b="0"/>
-      </a:fillRef>
-      <a:effectRef idx="0">
-        <a:scrgbClr r="0" g="0" b="0"/>
-      </a:effectRef>
-      <a:fontRef idx="minor"/>
-    </dgm:style>
-  </dgm:styleLbl>
-  <dgm:styleLbl name="fgAcc3">
-    <dgm:scene3d>
-      <a:camera prst="orthographicFront"/>
-      <a:lightRig rig="threePt" dir="t"/>
-    </dgm:scene3d>
-    <dgm:sp3d/>
-    <dgm:txPr/>
-    <dgm:style>
-      <a:lnRef idx="2">
-        <a:scrgbClr r="0" g="0" b="0"/>
-      </a:lnRef>
-      <a:fillRef idx="1">
-        <a:scrgbClr r="0" g="0" b="0"/>
-      </a:fillRef>
-      <a:effectRef idx="0">
-        <a:scrgbClr r="0" g="0" b="0"/>
-      </a:effectRef>
-      <a:fontRef idx="minor"/>
-    </dgm:style>
-  </dgm:styleLbl>
-  <dgm:styleLbl name="fgAcc4">
-    <dgm:scene3d>
-      <a:camera prst="orthographicFront"/>
-      <a:lightRig rig="threePt" dir="t"/>
-    </dgm:scene3d>
-    <dgm:sp3d/>
-    <dgm:txPr/>
-    <dgm:style>
-      <a:lnRef idx="2">
-        <a:scrgbClr r="0" g="0" b="0"/>
-      </a:lnRef>
-      <a:fillRef idx="1">
-        <a:scrgbClr r="0" g="0" b="0"/>
-      </a:fillRef>
-      <a:effectRef idx="0">
-        <a:scrgbClr r="0" g="0" b="0"/>
-      </a:effectRef>
-      <a:fontRef idx="minor"/>
-    </dgm:style>
-  </dgm:styleLbl>
-  <dgm:styleLbl name="bgShp">
-    <dgm:scene3d>
-      <a:camera prst="orthographicFront"/>
-      <a:lightRig rig="threePt" dir="t"/>
-    </dgm:scene3d>
-    <dgm:sp3d/>
-    <dgm:txPr/>
-    <dgm:style>
-      <a:lnRef idx="0">
-        <a:scrgbClr r="0" g="0" b="0"/>
-      </a:lnRef>
-      <a:fillRef idx="1">
-        <a:scrgbClr r="0" g="0" b="0"/>
-      </a:fillRef>
-      <a:effectRef idx="0">
-        <a:scrgbClr r="0" g="0" b="0"/>
-      </a:effectRef>
-      <a:fontRef idx="minor"/>
-    </dgm:style>
-  </dgm:styleLbl>
-  <dgm:styleLbl name="dkBgShp">
-    <dgm:scene3d>
-      <a:camera prst="orthographicFront"/>
-      <a:lightRig rig="threePt" dir="t"/>
-    </dgm:scene3d>
-    <dgm:sp3d/>
-    <dgm:txPr/>
-    <dgm:style>
-      <a:lnRef idx="0">
-        <a:scrgbClr r="0" g="0" b="0"/>
-      </a:lnRef>
-      <a:fillRef idx="1">
-        <a:scrgbClr r="0" g="0" b="0"/>
-      </a:fillRef>
-      <a:effectRef idx="0">
-        <a:scrgbClr r="0" g="0" b="0"/>
-      </a:effectRef>
-      <a:fontRef idx="minor"/>
-    </dgm:style>
-  </dgm:styleLbl>
-  <dgm:styleLbl name="trBgShp">
-    <dgm:scene3d>
-      <a:camera prst="orthographicFront"/>
-      <a:lightRig rig="threePt" dir="t"/>
-    </dgm:scene3d>
-    <dgm:sp3d/>
-    <dgm:txPr/>
-    <dgm:style>
-      <a:lnRef idx="0">
-        <a:scrgbClr r="0" g="0" b="0"/>
-      </a:lnRef>
-      <a:fillRef idx="1">
-        <a:scrgbClr r="0" g="0" b="0"/>
-      </a:fillRef>
-      <a:effectRef idx="0">
-        <a:scrgbClr r="0" g="0" b="0"/>
-      </a:effectRef>
-      <a:fontRef idx="minor"/>
-    </dgm:style>
-  </dgm:styleLbl>
-  <dgm:styleLbl name="fgShp">
-    <dgm:scene3d>
-      <a:camera prst="orthographicFront"/>
-      <a:lightRig rig="threePt" dir="t"/>
-    </dgm:scene3d>
-    <dgm:sp3d/>
-    <dgm:txPr/>
-    <dgm:style>
-      <a:lnRef idx="2">
-        <a:scrgbClr r="0" g="0" b="0"/>
-      </a:lnRef>
-      <a:fillRef idx="1">
-        <a:scrgbClr r="0" g="0" b="0"/>
-      </a:fillRef>
-      <a:effectRef idx="0">
-        <a:scrgbClr r="0" g="0" b="0"/>
-      </a:effectRef>
-      <a:fontRef idx="minor"/>
-    </dgm:style>
-  </dgm:styleLbl>
-  <dgm:styleLbl name="revTx">
-    <dgm:scene3d>
-      <a:camera prst="orthographicFront"/>
-      <a:lightRig rig="threePt" dir="t"/>
-    </dgm:scene3d>
-    <dgm:sp3d/>
-    <dgm:txPr/>
-    <dgm:style>
-      <a:lnRef idx="0">
-        <a:scrgbClr r="0" g="0" b="0"/>
-      </a:lnRef>
-      <a:fillRef idx="0">
-        <a:scrgbClr r="0" g="0" b="0"/>
-      </a:fillRef>
-      <a:effectRef idx="0">
-        <a:scrgbClr r="0" g="0" b="0"/>
-      </a:effectRef>
-      <a:fontRef idx="minor"/>
-    </dgm:style>
-  </dgm:styleLbl>
-</dgm:styleDef>
-</file>
-
 <file path=ppt/handoutMasters/handoutMaster1.xml><?xml version="1.0" encoding="utf-8"?>
 <p:handoutMaster xmlns:a="http://schemas.openxmlformats.org/drawingml/2006/main" xmlns:r="http://schemas.openxmlformats.org/officeDocument/2006/relationships" xmlns:p="http://schemas.openxmlformats.org/presentationml/2006/main">
   <p:cSld>
@@ -4728,35 +711,11 @@
           <a:p>
             <a:r>
               <a:rPr lang="en-US" dirty="0" smtClean="0"/>
-              <a:t>Hello everyone, we are group 4, and Our project idea </a:t>
-            </a:r>
-            <a:r>
-              <a:rPr lang="en-US" dirty="0" smtClean="0"/>
-              <a:t>was </a:t>
-            </a:r>
-            <a:r>
-              <a:rPr lang="en-US" dirty="0" smtClean="0"/>
-              <a:t>to make</a:t>
+              <a:t>Hello everyone, we are group 4, and Our project idea was to make</a:t>
             </a:r>
             <a:r>
               <a:rPr lang="en-US" baseline="0" dirty="0" smtClean="0"/>
-              <a:t> </a:t>
-            </a:r>
-            <a:r>
-              <a:rPr lang="en-US" baseline="0" dirty="0" smtClean="0"/>
-              <a:t>a </a:t>
-            </a:r>
-            <a:r>
-              <a:rPr lang="en-US" baseline="0" dirty="0" smtClean="0"/>
-              <a:t>restaurant ordering system.  Now, </a:t>
-            </a:r>
-            <a:r>
-              <a:rPr lang="en-US" baseline="0" dirty="0" smtClean="0"/>
-              <a:t>an ordering </a:t>
-            </a:r>
-            <a:r>
-              <a:rPr lang="en-US" baseline="0" dirty="0" smtClean="0"/>
-              <a:t>system is the process of the restaurant making an order to a supplier, who then delivers the order to the restaurant after some amount of time.  The exacts of this operation can vary, but generally it follows that rule.  So we have decided to make a system to assist and streamline this procedure.</a:t>
+              <a:t> a restaurant ordering system.  Now, an ordering system is the process of the restaurant making an order to a supplier, who then delivers the order to the restaurant after some amount of time.  The exacts of this operation can vary, but generally it follows that rule.  So we have decided to make a system to assist and streamline this procedure.</a:t>
             </a:r>
             <a:endParaRPr lang="en-US" dirty="0"/>
           </a:p>
@@ -4852,7 +811,6 @@
               <a:rPr lang="en-US" dirty="0" smtClean="0"/>
               <a:t>And with this objective, we now have to ask ourselves “how do we complete our objective?”(show second point). </a:t>
             </a:r>
-            <a:endParaRPr lang="en-US" dirty="0" smtClean="0"/>
           </a:p>
         </p:txBody>
       </p:sp>
@@ -4981,6 +939,585 @@
     <p:extLst>
       <p:ext uri="{BB962C8B-B14F-4D97-AF65-F5344CB8AC3E}">
         <p14:creationId xmlns:p14="http://schemas.microsoft.com/office/powerpoint/2010/main" val="1051459411"/>
+      </p:ext>
+    </p:extLst>
+  </p:cSld>
+  <p:clrMapOvr>
+    <a:masterClrMapping/>
+  </p:clrMapOvr>
+</p:notes>
+</file>
+
+<file path=ppt/notesSlides/notesSlide4.xml><?xml version="1.0" encoding="utf-8"?>
+<p:notes xmlns:a="http://schemas.openxmlformats.org/drawingml/2006/main" xmlns:r="http://schemas.openxmlformats.org/officeDocument/2006/relationships" xmlns:p="http://schemas.openxmlformats.org/presentationml/2006/main">
+  <p:cSld>
+    <p:spTree>
+      <p:nvGrpSpPr>
+        <p:cNvPr id="1" name=""/>
+        <p:cNvGrpSpPr/>
+        <p:nvPr/>
+      </p:nvGrpSpPr>
+      <p:grpSpPr>
+        <a:xfrm>
+          <a:off x="0" y="0"/>
+          <a:ext cx="0" cy="0"/>
+          <a:chOff x="0" y="0"/>
+          <a:chExt cx="0" cy="0"/>
+        </a:xfrm>
+      </p:grpSpPr>
+      <p:sp>
+        <p:nvSpPr>
+          <p:cNvPr id="2" name="Slide Image Placeholder 1"/>
+          <p:cNvSpPr>
+            <a:spLocks noGrp="1" noRot="1" noChangeAspect="1"/>
+          </p:cNvSpPr>
+          <p:nvPr>
+            <p:ph type="sldImg"/>
+          </p:nvPr>
+        </p:nvSpPr>
+        <p:spPr/>
+      </p:sp>
+      <p:sp>
+        <p:nvSpPr>
+          <p:cNvPr id="3" name="Notes Placeholder 2"/>
+          <p:cNvSpPr>
+            <a:spLocks noGrp="1"/>
+          </p:cNvSpPr>
+          <p:nvPr>
+            <p:ph type="body" idx="1"/>
+          </p:nvPr>
+        </p:nvSpPr>
+        <p:spPr/>
+        <p:txBody>
+          <a:bodyPr/>
+          <a:lstStyle/>
+          <a:p>
+            <a:r>
+              <a:rPr lang="en-US" dirty="0"/>
+              <a:t>The</a:t>
+            </a:r>
+            <a:r>
+              <a:rPr lang="en-US" baseline="0" dirty="0"/>
+              <a:t> old home page had a giant image on the middle of the page which made it so that the login fields were at the bottom of the page. Also, the password field in the login wasn’t hiding the input text which was a security flaw, and the “Start New Order” button appeared BEFORE the user was logged in.</a:t>
+            </a:r>
+          </a:p>
+          <a:p>
+            <a:endParaRPr lang="en-US" baseline="0" dirty="0"/>
+          </a:p>
+          <a:p>
+            <a:r>
+              <a:rPr lang="en-US" baseline="0" dirty="0"/>
+              <a:t>In the new version of the page, the giant image was removed, which brought the login fields up to the top of the page. The password field is hidden, and the “Start New Order” button only appears once the user logs in. </a:t>
+            </a:r>
+            <a:endParaRPr lang="en-US" dirty="0"/>
+          </a:p>
+        </p:txBody>
+      </p:sp>
+      <p:sp>
+        <p:nvSpPr>
+          <p:cNvPr id="4" name="Slide Number Placeholder 3"/>
+          <p:cNvSpPr>
+            <a:spLocks noGrp="1"/>
+          </p:cNvSpPr>
+          <p:nvPr>
+            <p:ph type="sldNum" sz="quarter" idx="10"/>
+          </p:nvPr>
+        </p:nvSpPr>
+        <p:spPr/>
+        <p:txBody>
+          <a:bodyPr/>
+          <a:lstStyle/>
+          <a:p>
+            <a:fld id="{B045B7DE-1198-4F2F-B574-CA8CAE341642}" type="slidenum">
+              <a:rPr lang="en-US" smtClean="0"/>
+              <a:t>4</a:t>
+            </a:fld>
+            <a:endParaRPr lang="en-US"/>
+          </a:p>
+        </p:txBody>
+      </p:sp>
+    </p:spTree>
+    <p:extLst>
+      <p:ext uri="{BB962C8B-B14F-4D97-AF65-F5344CB8AC3E}">
+        <p14:creationId xmlns:p14="http://schemas.microsoft.com/office/powerpoint/2010/main" val="2273661368"/>
+      </p:ext>
+    </p:extLst>
+  </p:cSld>
+  <p:clrMapOvr>
+    <a:masterClrMapping/>
+  </p:clrMapOvr>
+</p:notes>
+</file>
+
+<file path=ppt/notesSlides/notesSlide5.xml><?xml version="1.0" encoding="utf-8"?>
+<p:notes xmlns:a="http://schemas.openxmlformats.org/drawingml/2006/main" xmlns:r="http://schemas.openxmlformats.org/officeDocument/2006/relationships" xmlns:p="http://schemas.openxmlformats.org/presentationml/2006/main">
+  <p:cSld>
+    <p:spTree>
+      <p:nvGrpSpPr>
+        <p:cNvPr id="1" name=""/>
+        <p:cNvGrpSpPr/>
+        <p:nvPr/>
+      </p:nvGrpSpPr>
+      <p:grpSpPr>
+        <a:xfrm>
+          <a:off x="0" y="0"/>
+          <a:ext cx="0" cy="0"/>
+          <a:chOff x="0" y="0"/>
+          <a:chExt cx="0" cy="0"/>
+        </a:xfrm>
+      </p:grpSpPr>
+      <p:sp>
+        <p:nvSpPr>
+          <p:cNvPr id="2" name="Slide Image Placeholder 1"/>
+          <p:cNvSpPr>
+            <a:spLocks noGrp="1" noRot="1" noChangeAspect="1"/>
+          </p:cNvSpPr>
+          <p:nvPr>
+            <p:ph type="sldImg"/>
+          </p:nvPr>
+        </p:nvSpPr>
+        <p:spPr/>
+      </p:sp>
+      <p:sp>
+        <p:nvSpPr>
+          <p:cNvPr id="3" name="Notes Placeholder 2"/>
+          <p:cNvSpPr>
+            <a:spLocks noGrp="1"/>
+          </p:cNvSpPr>
+          <p:nvPr>
+            <p:ph type="body" idx="1"/>
+          </p:nvPr>
+        </p:nvSpPr>
+        <p:spPr/>
+        <p:txBody>
+          <a:bodyPr/>
+          <a:lstStyle/>
+          <a:p>
+            <a:r>
+              <a:rPr lang="en-US" dirty="0"/>
+              <a:t>In the old Order Options page, the user was required to enter in the exact item # of a product in order to add it the order list.</a:t>
+            </a:r>
+          </a:p>
+          <a:p>
+            <a:r>
+              <a:rPr lang="en-US" dirty="0"/>
+              <a:t>We found that this was relying too much on user’s memory. In the new version, the user can type in the product ID, product name, or description, and search results will appear even for partial matches of the name.</a:t>
+            </a:r>
+          </a:p>
+          <a:p>
+            <a:r>
+              <a:rPr lang="en-US" dirty="0"/>
+              <a:t>Additionally, in the new version there is now a list on the side of the screen that shows a complete list of which products will be added automatically to every created order.</a:t>
+            </a:r>
+          </a:p>
+        </p:txBody>
+      </p:sp>
+      <p:sp>
+        <p:nvSpPr>
+          <p:cNvPr id="4" name="Slide Number Placeholder 3"/>
+          <p:cNvSpPr>
+            <a:spLocks noGrp="1"/>
+          </p:cNvSpPr>
+          <p:nvPr>
+            <p:ph type="sldNum" sz="quarter" idx="10"/>
+          </p:nvPr>
+        </p:nvSpPr>
+        <p:spPr/>
+        <p:txBody>
+          <a:bodyPr/>
+          <a:lstStyle/>
+          <a:p>
+            <a:fld id="{B045B7DE-1198-4F2F-B574-CA8CAE341642}" type="slidenum">
+              <a:rPr lang="en-US" smtClean="0"/>
+              <a:t>5</a:t>
+            </a:fld>
+            <a:endParaRPr lang="en-US"/>
+          </a:p>
+        </p:txBody>
+      </p:sp>
+    </p:spTree>
+    <p:extLst>
+      <p:ext uri="{BB962C8B-B14F-4D97-AF65-F5344CB8AC3E}">
+        <p14:creationId xmlns:p14="http://schemas.microsoft.com/office/powerpoint/2010/main" val="3694378407"/>
+      </p:ext>
+    </p:extLst>
+  </p:cSld>
+  <p:clrMapOvr>
+    <a:masterClrMapping/>
+  </p:clrMapOvr>
+</p:notes>
+</file>
+
+<file path=ppt/notesSlides/notesSlide6.xml><?xml version="1.0" encoding="utf-8"?>
+<p:notes xmlns:a="http://schemas.openxmlformats.org/drawingml/2006/main" xmlns:r="http://schemas.openxmlformats.org/officeDocument/2006/relationships" xmlns:p="http://schemas.openxmlformats.org/presentationml/2006/main">
+  <p:cSld>
+    <p:spTree>
+      <p:nvGrpSpPr>
+        <p:cNvPr id="1" name=""/>
+        <p:cNvGrpSpPr/>
+        <p:nvPr/>
+      </p:nvGrpSpPr>
+      <p:grpSpPr>
+        <a:xfrm>
+          <a:off x="0" y="0"/>
+          <a:ext cx="0" cy="0"/>
+          <a:chOff x="0" y="0"/>
+          <a:chExt cx="0" cy="0"/>
+        </a:xfrm>
+      </p:grpSpPr>
+      <p:sp>
+        <p:nvSpPr>
+          <p:cNvPr id="2" name="Slide Image Placeholder 1"/>
+          <p:cNvSpPr>
+            <a:spLocks noGrp="1" noRot="1" noChangeAspect="1"/>
+          </p:cNvSpPr>
+          <p:nvPr>
+            <p:ph type="sldImg"/>
+          </p:nvPr>
+        </p:nvSpPr>
+        <p:spPr/>
+      </p:sp>
+      <p:sp>
+        <p:nvSpPr>
+          <p:cNvPr id="3" name="Notes Placeholder 2"/>
+          <p:cNvSpPr>
+            <a:spLocks noGrp="1"/>
+          </p:cNvSpPr>
+          <p:nvPr>
+            <p:ph type="body" idx="1"/>
+          </p:nvPr>
+        </p:nvSpPr>
+        <p:spPr/>
+        <p:txBody>
+          <a:bodyPr/>
+          <a:lstStyle/>
+          <a:p>
+            <a:r>
+              <a:rPr lang="en-US" dirty="0"/>
+              <a:t>In the previous prototype, the ordering process was split into two pages: Regular and Special. The Regular order page was designed for making a product order that would be ordered regularly by a business.</a:t>
+            </a:r>
+          </a:p>
+          <a:p>
+            <a:endParaRPr lang="en-US" dirty="0"/>
+          </a:p>
+          <a:p>
+            <a:r>
+              <a:rPr lang="en-US" dirty="0"/>
+              <a:t>The Special Order page was made to search for an item that wasn’t in the regular product list and would have to be brought in with a custom order.</a:t>
+            </a:r>
+          </a:p>
+          <a:p>
+            <a:endParaRPr lang="en-US" dirty="0"/>
+          </a:p>
+        </p:txBody>
+      </p:sp>
+      <p:sp>
+        <p:nvSpPr>
+          <p:cNvPr id="4" name="Slide Number Placeholder 3"/>
+          <p:cNvSpPr>
+            <a:spLocks noGrp="1"/>
+          </p:cNvSpPr>
+          <p:nvPr>
+            <p:ph type="sldNum" sz="quarter" idx="10"/>
+          </p:nvPr>
+        </p:nvSpPr>
+        <p:spPr/>
+        <p:txBody>
+          <a:bodyPr/>
+          <a:lstStyle/>
+          <a:p>
+            <a:fld id="{B045B7DE-1198-4F2F-B574-CA8CAE341642}" type="slidenum">
+              <a:rPr lang="en-US" smtClean="0"/>
+              <a:t>6</a:t>
+            </a:fld>
+            <a:endParaRPr lang="en-US"/>
+          </a:p>
+        </p:txBody>
+      </p:sp>
+    </p:spTree>
+    <p:extLst>
+      <p:ext uri="{BB962C8B-B14F-4D97-AF65-F5344CB8AC3E}">
+        <p14:creationId xmlns:p14="http://schemas.microsoft.com/office/powerpoint/2010/main" val="3530849230"/>
+      </p:ext>
+    </p:extLst>
+  </p:cSld>
+  <p:clrMapOvr>
+    <a:masterClrMapping/>
+  </p:clrMapOvr>
+</p:notes>
+</file>
+
+<file path=ppt/notesSlides/notesSlide7.xml><?xml version="1.0" encoding="utf-8"?>
+<p:notes xmlns:a="http://schemas.openxmlformats.org/drawingml/2006/main" xmlns:r="http://schemas.openxmlformats.org/officeDocument/2006/relationships" xmlns:p="http://schemas.openxmlformats.org/presentationml/2006/main">
+  <p:cSld>
+    <p:spTree>
+      <p:nvGrpSpPr>
+        <p:cNvPr id="1" name=""/>
+        <p:cNvGrpSpPr/>
+        <p:nvPr/>
+      </p:nvGrpSpPr>
+      <p:grpSpPr>
+        <a:xfrm>
+          <a:off x="0" y="0"/>
+          <a:ext cx="0" cy="0"/>
+          <a:chOff x="0" y="0"/>
+          <a:chExt cx="0" cy="0"/>
+        </a:xfrm>
+      </p:grpSpPr>
+      <p:sp>
+        <p:nvSpPr>
+          <p:cNvPr id="2" name="Slide Image Placeholder 1"/>
+          <p:cNvSpPr>
+            <a:spLocks noGrp="1" noRot="1" noChangeAspect="1"/>
+          </p:cNvSpPr>
+          <p:nvPr>
+            <p:ph type="sldImg"/>
+          </p:nvPr>
+        </p:nvSpPr>
+        <p:spPr/>
+      </p:sp>
+      <p:sp>
+        <p:nvSpPr>
+          <p:cNvPr id="3" name="Notes Placeholder 2"/>
+          <p:cNvSpPr>
+            <a:spLocks noGrp="1"/>
+          </p:cNvSpPr>
+          <p:nvPr>
+            <p:ph type="body" idx="1"/>
+          </p:nvPr>
+        </p:nvSpPr>
+        <p:spPr/>
+        <p:txBody>
+          <a:bodyPr/>
+          <a:lstStyle/>
+          <a:p>
+            <a:pPr marL="0" marR="0" lvl="0" indent="0" algn="l" defTabSz="1218987" rtl="0" eaLnBrk="1" fontAlgn="auto" latinLnBrk="0" hangingPunct="1">
+              <a:lnSpc>
+                <a:spcPct val="100000"/>
+              </a:lnSpc>
+              <a:spcBef>
+                <a:spcPts val="0"/>
+              </a:spcBef>
+              <a:spcAft>
+                <a:spcPts val="0"/>
+              </a:spcAft>
+              <a:buClrTx/>
+              <a:buSzTx/>
+              <a:buFontTx/>
+              <a:buNone/>
+              <a:tabLst/>
+              <a:defRPr/>
+            </a:pPr>
+            <a:r>
+              <a:rPr lang="en-US" dirty="0"/>
+              <a:t>In the new version of the system, the “Regular” and “Special” order pages are combined into one “Create Order” page, so that the user doesn’t have to switch back and forth between pages.</a:t>
+            </a:r>
+          </a:p>
+          <a:p>
+            <a:pPr marL="0" marR="0" lvl="0" indent="0" algn="l" defTabSz="1218987" rtl="0" eaLnBrk="1" fontAlgn="auto" latinLnBrk="0" hangingPunct="1">
+              <a:lnSpc>
+                <a:spcPct val="100000"/>
+              </a:lnSpc>
+              <a:spcBef>
+                <a:spcPts val="0"/>
+              </a:spcBef>
+              <a:spcAft>
+                <a:spcPts val="0"/>
+              </a:spcAft>
+              <a:buClrTx/>
+              <a:buSzTx/>
+              <a:buFontTx/>
+              <a:buNone/>
+              <a:tabLst/>
+              <a:defRPr/>
+            </a:pPr>
+            <a:endParaRPr lang="en-US" dirty="0"/>
+          </a:p>
+          <a:p>
+            <a:pPr marL="0" marR="0" lvl="0" indent="0" algn="l" defTabSz="1218987" rtl="0" eaLnBrk="1" fontAlgn="auto" latinLnBrk="0" hangingPunct="1">
+              <a:lnSpc>
+                <a:spcPct val="100000"/>
+              </a:lnSpc>
+              <a:spcBef>
+                <a:spcPts val="0"/>
+              </a:spcBef>
+              <a:spcAft>
+                <a:spcPts val="0"/>
+              </a:spcAft>
+              <a:buClrTx/>
+              <a:buSzTx/>
+              <a:buFontTx/>
+              <a:buNone/>
+              <a:tabLst/>
+              <a:defRPr/>
+            </a:pPr>
+            <a:r>
+              <a:rPr lang="en-US" dirty="0"/>
+              <a:t>The pricing information is displayed for each product in the list view and also in the search box, and products are ordered by product ID in the List View.</a:t>
+            </a:r>
+          </a:p>
+          <a:p>
+            <a:pPr marL="0" marR="0" lvl="0" indent="0" algn="l" defTabSz="1218987" rtl="0" eaLnBrk="1" fontAlgn="auto" latinLnBrk="0" hangingPunct="1">
+              <a:lnSpc>
+                <a:spcPct val="100000"/>
+              </a:lnSpc>
+              <a:spcBef>
+                <a:spcPts val="0"/>
+              </a:spcBef>
+              <a:spcAft>
+                <a:spcPts val="0"/>
+              </a:spcAft>
+              <a:buClrTx/>
+              <a:buSzTx/>
+              <a:buFontTx/>
+              <a:buNone/>
+              <a:tabLst/>
+              <a:defRPr/>
+            </a:pPr>
+            <a:endParaRPr lang="en-US" dirty="0"/>
+          </a:p>
+          <a:p>
+            <a:pPr marL="0" marR="0" lvl="0" indent="0" algn="l" defTabSz="1218987" rtl="0" eaLnBrk="1" fontAlgn="auto" latinLnBrk="0" hangingPunct="1">
+              <a:lnSpc>
+                <a:spcPct val="100000"/>
+              </a:lnSpc>
+              <a:spcBef>
+                <a:spcPts val="0"/>
+              </a:spcBef>
+              <a:spcAft>
+                <a:spcPts val="0"/>
+              </a:spcAft>
+              <a:buClrTx/>
+              <a:buSzTx/>
+              <a:buFontTx/>
+              <a:buNone/>
+              <a:tabLst/>
+              <a:defRPr/>
+            </a:pPr>
+            <a:r>
+              <a:rPr lang="en-US" dirty="0"/>
+              <a:t>The new version also has searching by keyword, which means that you don’t have to specifically choose which criteria to search to by. There is also a confirmation before the order is sent, so it’s not sent accidentally. </a:t>
+            </a:r>
+          </a:p>
+          <a:p>
+            <a:endParaRPr lang="en-CA" dirty="0"/>
+          </a:p>
+        </p:txBody>
+      </p:sp>
+      <p:sp>
+        <p:nvSpPr>
+          <p:cNvPr id="4" name="Slide Number Placeholder 3"/>
+          <p:cNvSpPr>
+            <a:spLocks noGrp="1"/>
+          </p:cNvSpPr>
+          <p:nvPr>
+            <p:ph type="sldNum" sz="quarter" idx="5"/>
+          </p:nvPr>
+        </p:nvSpPr>
+        <p:spPr/>
+        <p:txBody>
+          <a:bodyPr/>
+          <a:lstStyle/>
+          <a:p>
+            <a:fld id="{B045B7DE-1198-4F2F-B574-CA8CAE341642}" type="slidenum">
+              <a:rPr lang="en-CA" smtClean="0"/>
+              <a:t>7</a:t>
+            </a:fld>
+            <a:endParaRPr lang="en-CA"/>
+          </a:p>
+        </p:txBody>
+      </p:sp>
+    </p:spTree>
+    <p:extLst>
+      <p:ext uri="{BB962C8B-B14F-4D97-AF65-F5344CB8AC3E}">
+        <p14:creationId xmlns:p14="http://schemas.microsoft.com/office/powerpoint/2010/main" val="393057637"/>
+      </p:ext>
+    </p:extLst>
+  </p:cSld>
+  <p:clrMapOvr>
+    <a:masterClrMapping/>
+  </p:clrMapOvr>
+</p:notes>
+</file>
+
+<file path=ppt/notesSlides/notesSlide8.xml><?xml version="1.0" encoding="utf-8"?>
+<p:notes xmlns:a="http://schemas.openxmlformats.org/drawingml/2006/main" xmlns:r="http://schemas.openxmlformats.org/officeDocument/2006/relationships" xmlns:p="http://schemas.openxmlformats.org/presentationml/2006/main">
+  <p:cSld>
+    <p:spTree>
+      <p:nvGrpSpPr>
+        <p:cNvPr id="1" name=""/>
+        <p:cNvGrpSpPr/>
+        <p:nvPr/>
+      </p:nvGrpSpPr>
+      <p:grpSpPr>
+        <a:xfrm>
+          <a:off x="0" y="0"/>
+          <a:ext cx="0" cy="0"/>
+          <a:chOff x="0" y="0"/>
+          <a:chExt cx="0" cy="0"/>
+        </a:xfrm>
+      </p:grpSpPr>
+      <p:sp>
+        <p:nvSpPr>
+          <p:cNvPr id="2" name="Slide Image Placeholder 1"/>
+          <p:cNvSpPr>
+            <a:spLocks noGrp="1" noRot="1" noChangeAspect="1"/>
+          </p:cNvSpPr>
+          <p:nvPr>
+            <p:ph type="sldImg"/>
+          </p:nvPr>
+        </p:nvSpPr>
+        <p:spPr/>
+      </p:sp>
+      <p:sp>
+        <p:nvSpPr>
+          <p:cNvPr id="3" name="Notes Placeholder 2"/>
+          <p:cNvSpPr>
+            <a:spLocks noGrp="1"/>
+          </p:cNvSpPr>
+          <p:nvPr>
+            <p:ph type="body" idx="1"/>
+          </p:nvPr>
+        </p:nvSpPr>
+        <p:spPr/>
+        <p:txBody>
+          <a:bodyPr/>
+          <a:lstStyle/>
+          <a:p>
+            <a:r>
+              <a:rPr lang="en-US" dirty="0"/>
+              <a:t>On the “Order History” page, the current status of a single order in the list was updated from the previous version to show “Pending” instead of “Shipping” to more accurately reflect the state of the order.</a:t>
+            </a:r>
+          </a:p>
+        </p:txBody>
+      </p:sp>
+      <p:sp>
+        <p:nvSpPr>
+          <p:cNvPr id="4" name="Slide Number Placeholder 3"/>
+          <p:cNvSpPr>
+            <a:spLocks noGrp="1"/>
+          </p:cNvSpPr>
+          <p:nvPr>
+            <p:ph type="sldNum" sz="quarter" idx="10"/>
+          </p:nvPr>
+        </p:nvSpPr>
+        <p:spPr/>
+        <p:txBody>
+          <a:bodyPr/>
+          <a:lstStyle/>
+          <a:p>
+            <a:fld id="{B045B7DE-1198-4F2F-B574-CA8CAE341642}" type="slidenum">
+              <a:rPr lang="en-US" smtClean="0"/>
+              <a:t>8</a:t>
+            </a:fld>
+            <a:endParaRPr lang="en-US"/>
+          </a:p>
+        </p:txBody>
+      </p:sp>
+    </p:spTree>
+    <p:extLst>
+      <p:ext uri="{BB962C8B-B14F-4D97-AF65-F5344CB8AC3E}">
+        <p14:creationId xmlns:p14="http://schemas.microsoft.com/office/powerpoint/2010/main" val="587402174"/>
       </p:ext>
     </p:extLst>
   </p:cSld>
@@ -10052,335 +6589,6 @@
 </p:sld>
 </file>
 
-<file path=ppt/slides/slide10.xml><?xml version="1.0" encoding="utf-8"?>
-<p:sld xmlns:a="http://schemas.openxmlformats.org/drawingml/2006/main" xmlns:r="http://schemas.openxmlformats.org/officeDocument/2006/relationships" xmlns:p="http://schemas.openxmlformats.org/presentationml/2006/main">
-  <p:cSld>
-    <p:spTree>
-      <p:nvGrpSpPr>
-        <p:cNvPr id="1" name=""/>
-        <p:cNvGrpSpPr/>
-        <p:nvPr/>
-      </p:nvGrpSpPr>
-      <p:grpSpPr>
-        <a:xfrm>
-          <a:off x="0" y="0"/>
-          <a:ext cx="0" cy="0"/>
-          <a:chOff x="0" y="0"/>
-          <a:chExt cx="0" cy="0"/>
-        </a:xfrm>
-      </p:grpSpPr>
-      <p:sp>
-        <p:nvSpPr>
-          <p:cNvPr id="2" name="Title 1"/>
-          <p:cNvSpPr>
-            <a:spLocks noGrp="1"/>
-          </p:cNvSpPr>
-          <p:nvPr>
-            <p:ph type="title"/>
-          </p:nvPr>
-        </p:nvSpPr>
-        <p:spPr/>
-        <p:txBody>
-          <a:bodyPr/>
-          <a:lstStyle/>
-          <a:p>
-            <a:r>
-              <a:rPr lang="en-US" dirty="0"/>
-              <a:t>Add a Slide Title - 1</a:t>
-            </a:r>
-          </a:p>
-        </p:txBody>
-      </p:sp>
-      <p:sp>
-        <p:nvSpPr>
-          <p:cNvPr id="3" name="Text Placeholder 2"/>
-          <p:cNvSpPr>
-            <a:spLocks noGrp="1"/>
-          </p:cNvSpPr>
-          <p:nvPr>
-            <p:ph type="body" idx="1"/>
-          </p:nvPr>
-        </p:nvSpPr>
-        <p:spPr/>
-        <p:txBody>
-          <a:bodyPr/>
-          <a:lstStyle/>
-          <a:p>
-            <a:endParaRPr lang="en-US" dirty="0"/>
-          </a:p>
-        </p:txBody>
-      </p:sp>
-    </p:spTree>
-    <p:extLst>
-      <p:ext uri="{BB962C8B-B14F-4D97-AF65-F5344CB8AC3E}">
-        <p14:creationId xmlns:p14="http://schemas.microsoft.com/office/powerpoint/2010/main" val="289063348"/>
-      </p:ext>
-    </p:extLst>
-  </p:cSld>
-  <p:clrMapOvr>
-    <a:masterClrMapping/>
-  </p:clrMapOvr>
-  <mc:AlternateContent xmlns:mc="http://schemas.openxmlformats.org/markup-compatibility/2006" xmlns:p14="http://schemas.microsoft.com/office/powerpoint/2010/main">
-    <mc:Choice Requires="p14">
-      <p:transition spd="med" p14:dur="700">
-        <p:fade/>
-      </p:transition>
-    </mc:Choice>
-    <mc:Fallback xmlns="">
-      <p:transition spd="med">
-        <p:fade/>
-      </p:transition>
-    </mc:Fallback>
-  </mc:AlternateContent>
-</p:sld>
-</file>
-
-<file path=ppt/slides/slide11.xml><?xml version="1.0" encoding="utf-8"?>
-<p:sld xmlns:a="http://schemas.openxmlformats.org/drawingml/2006/main" xmlns:r="http://schemas.openxmlformats.org/officeDocument/2006/relationships" xmlns:p="http://schemas.openxmlformats.org/presentationml/2006/main">
-  <p:cSld>
-    <p:spTree>
-      <p:nvGrpSpPr>
-        <p:cNvPr id="1" name=""/>
-        <p:cNvGrpSpPr/>
-        <p:nvPr/>
-      </p:nvGrpSpPr>
-      <p:grpSpPr>
-        <a:xfrm>
-          <a:off x="0" y="0"/>
-          <a:ext cx="0" cy="0"/>
-          <a:chOff x="0" y="0"/>
-          <a:chExt cx="0" cy="0"/>
-        </a:xfrm>
-      </p:grpSpPr>
-      <p:sp>
-        <p:nvSpPr>
-          <p:cNvPr id="2" name="Title 1"/>
-          <p:cNvSpPr>
-            <a:spLocks noGrp="1"/>
-          </p:cNvSpPr>
-          <p:nvPr>
-            <p:ph type="title"/>
-          </p:nvPr>
-        </p:nvSpPr>
-        <p:spPr/>
-        <p:txBody>
-          <a:bodyPr/>
-          <a:lstStyle/>
-          <a:p>
-            <a:r>
-              <a:rPr lang="en-US" dirty="0"/>
-              <a:t>Add a Slide Title - 2</a:t>
-            </a:r>
-          </a:p>
-        </p:txBody>
-      </p:sp>
-      <p:sp>
-        <p:nvSpPr>
-          <p:cNvPr id="11" name="Text Placeholder 10"/>
-          <p:cNvSpPr>
-            <a:spLocks noGrp="1"/>
-          </p:cNvSpPr>
-          <p:nvPr>
-            <p:ph type="body" idx="1"/>
-          </p:nvPr>
-        </p:nvSpPr>
-        <p:spPr/>
-        <p:txBody>
-          <a:bodyPr/>
-          <a:lstStyle/>
-          <a:p>
-            <a:endParaRPr lang="en-US"/>
-          </a:p>
-        </p:txBody>
-      </p:sp>
-      <p:sp>
-        <p:nvSpPr>
-          <p:cNvPr id="12" name="Content Placeholder 11"/>
-          <p:cNvSpPr>
-            <a:spLocks noGrp="1"/>
-          </p:cNvSpPr>
-          <p:nvPr>
-            <p:ph sz="half" idx="2"/>
-          </p:nvPr>
-        </p:nvSpPr>
-        <p:spPr/>
-        <p:txBody>
-          <a:bodyPr/>
-          <a:lstStyle/>
-          <a:p>
-            <a:endParaRPr lang="en-US"/>
-          </a:p>
-        </p:txBody>
-      </p:sp>
-      <p:sp>
-        <p:nvSpPr>
-          <p:cNvPr id="13" name="Text Placeholder 12"/>
-          <p:cNvSpPr>
-            <a:spLocks noGrp="1"/>
-          </p:cNvSpPr>
-          <p:nvPr>
-            <p:ph type="body" sz="quarter" idx="3"/>
-          </p:nvPr>
-        </p:nvSpPr>
-        <p:spPr/>
-        <p:txBody>
-          <a:bodyPr/>
-          <a:lstStyle/>
-          <a:p>
-            <a:endParaRPr lang="en-US"/>
-          </a:p>
-        </p:txBody>
-      </p:sp>
-      <p:sp>
-        <p:nvSpPr>
-          <p:cNvPr id="14" name="Content Placeholder 13"/>
-          <p:cNvSpPr>
-            <a:spLocks noGrp="1"/>
-          </p:cNvSpPr>
-          <p:nvPr>
-            <p:ph sz="quarter" idx="4"/>
-          </p:nvPr>
-        </p:nvSpPr>
-        <p:spPr/>
-        <p:txBody>
-          <a:bodyPr/>
-          <a:lstStyle/>
-          <a:p>
-            <a:endParaRPr lang="en-US"/>
-          </a:p>
-        </p:txBody>
-      </p:sp>
-    </p:spTree>
-    <p:extLst>
-      <p:ext uri="{BB962C8B-B14F-4D97-AF65-F5344CB8AC3E}">
-        <p14:creationId xmlns:p14="http://schemas.microsoft.com/office/powerpoint/2010/main" val="2891628767"/>
-      </p:ext>
-    </p:extLst>
-  </p:cSld>
-  <p:clrMapOvr>
-    <a:masterClrMapping/>
-  </p:clrMapOvr>
-  <mc:AlternateContent xmlns:mc="http://schemas.openxmlformats.org/markup-compatibility/2006" xmlns:p14="http://schemas.microsoft.com/office/powerpoint/2010/main">
-    <mc:Choice Requires="p14">
-      <p:transition spd="med" p14:dur="700">
-        <p:fade/>
-      </p:transition>
-    </mc:Choice>
-    <mc:Fallback xmlns="">
-      <p:transition spd="med">
-        <p:fade/>
-      </p:transition>
-    </mc:Fallback>
-  </mc:AlternateContent>
-</p:sld>
-</file>
-
-<file path=ppt/slides/slide12.xml><?xml version="1.0" encoding="utf-8"?>
-<p:sld xmlns:a="http://schemas.openxmlformats.org/drawingml/2006/main" xmlns:r="http://schemas.openxmlformats.org/officeDocument/2006/relationships" xmlns:p="http://schemas.openxmlformats.org/presentationml/2006/main">
-  <p:cSld>
-    <p:spTree>
-      <p:nvGrpSpPr>
-        <p:cNvPr id="1" name=""/>
-        <p:cNvGrpSpPr/>
-        <p:nvPr/>
-      </p:nvGrpSpPr>
-      <p:grpSpPr>
-        <a:xfrm>
-          <a:off x="0" y="0"/>
-          <a:ext cx="0" cy="0"/>
-          <a:chOff x="0" y="0"/>
-          <a:chExt cx="0" cy="0"/>
-        </a:xfrm>
-      </p:grpSpPr>
-      <p:sp>
-        <p:nvSpPr>
-          <p:cNvPr id="2" name="Title 1"/>
-          <p:cNvSpPr>
-            <a:spLocks noGrp="1"/>
-          </p:cNvSpPr>
-          <p:nvPr>
-            <p:ph type="title"/>
-          </p:nvPr>
-        </p:nvSpPr>
-        <p:spPr/>
-        <p:txBody>
-          <a:bodyPr/>
-          <a:lstStyle/>
-          <a:p>
-            <a:r>
-              <a:rPr lang="en-US" dirty="0"/>
-              <a:t>Add a Slide Title - 3</a:t>
-            </a:r>
-          </a:p>
-        </p:txBody>
-      </p:sp>
-    </p:spTree>
-    <p:extLst>
-      <p:ext uri="{BB962C8B-B14F-4D97-AF65-F5344CB8AC3E}">
-        <p14:creationId xmlns:p14="http://schemas.microsoft.com/office/powerpoint/2010/main" val="2833839151"/>
-      </p:ext>
-    </p:extLst>
-  </p:cSld>
-  <p:clrMapOvr>
-    <a:masterClrMapping/>
-  </p:clrMapOvr>
-  <mc:AlternateContent xmlns:mc="http://schemas.openxmlformats.org/markup-compatibility/2006" xmlns:p14="http://schemas.microsoft.com/office/powerpoint/2010/main">
-    <mc:Choice Requires="p14">
-      <p:transition spd="med" p14:dur="700">
-        <p:fade/>
-      </p:transition>
-    </mc:Choice>
-    <mc:Fallback xmlns="">
-      <p:transition spd="med">
-        <p:fade/>
-      </p:transition>
-    </mc:Fallback>
-  </mc:AlternateContent>
-</p:sld>
-</file>
-
-<file path=ppt/slides/slide13.xml><?xml version="1.0" encoding="utf-8"?>
-<p:sld xmlns:a="http://schemas.openxmlformats.org/drawingml/2006/main" xmlns:r="http://schemas.openxmlformats.org/officeDocument/2006/relationships" xmlns:p="http://schemas.openxmlformats.org/presentationml/2006/main">
-  <p:cSld>
-    <p:spTree>
-      <p:nvGrpSpPr>
-        <p:cNvPr id="1" name=""/>
-        <p:cNvGrpSpPr/>
-        <p:nvPr/>
-      </p:nvGrpSpPr>
-      <p:grpSpPr>
-        <a:xfrm>
-          <a:off x="0" y="0"/>
-          <a:ext cx="0" cy="0"/>
-          <a:chOff x="0" y="0"/>
-          <a:chExt cx="0" cy="0"/>
-        </a:xfrm>
-      </p:grpSpPr>
-    </p:spTree>
-    <p:extLst>
-      <p:ext uri="{BB962C8B-B14F-4D97-AF65-F5344CB8AC3E}">
-        <p14:creationId xmlns:p14="http://schemas.microsoft.com/office/powerpoint/2010/main" val="4106284169"/>
-      </p:ext>
-    </p:extLst>
-  </p:cSld>
-  <p:clrMapOvr>
-    <a:masterClrMapping/>
-  </p:clrMapOvr>
-  <mc:AlternateContent xmlns:mc="http://schemas.openxmlformats.org/markup-compatibility/2006" xmlns:p14="http://schemas.microsoft.com/office/powerpoint/2010/main">
-    <mc:Choice Requires="p14">
-      <p:transition spd="med" p14:dur="700">
-        <p:fade/>
-      </p:transition>
-    </mc:Choice>
-    <mc:Fallback xmlns="">
-      <p:transition spd="med">
-        <p:fade/>
-      </p:transition>
-    </mc:Fallback>
-  </mc:AlternateContent>
-</p:sld>
-</file>
-
 <file path=ppt/slides/slide2.xml><?xml version="1.0" encoding="utf-8"?>
 <p:sld xmlns:a="http://schemas.openxmlformats.org/drawingml/2006/main" xmlns:r="http://schemas.openxmlformats.org/officeDocument/2006/relationships" xmlns:p="http://schemas.openxmlformats.org/presentationml/2006/main">
   <p:cSld>
@@ -10450,11 +6658,7 @@
           <a:p>
             <a:r>
               <a:rPr lang="en-US" dirty="0" smtClean="0"/>
-              <a:t>What is the objective of the system</a:t>
-            </a:r>
-            <a:r>
-              <a:rPr lang="en-US" dirty="0" smtClean="0"/>
-              <a:t>?</a:t>
+              <a:t>What is the objective of the system?</a:t>
             </a:r>
           </a:p>
           <a:p>
@@ -10799,11 +7003,7 @@
           <a:p>
             <a:r>
               <a:rPr lang="en-US" dirty="0" smtClean="0"/>
-              <a:t>What is the objective of the system</a:t>
-            </a:r>
-            <a:r>
-              <a:rPr lang="en-US" dirty="0" smtClean="0"/>
-              <a:t>?</a:t>
+              <a:t>What is the objective of the system?</a:t>
             </a:r>
           </a:p>
           <a:p>
@@ -11053,7 +7253,6 @@
               <a:rPr lang="en-US" dirty="0" smtClean="0"/>
               <a:t>How does the system allow you to complete the objective?</a:t>
             </a:r>
-            <a:endParaRPr lang="en-US" dirty="0" smtClean="0"/>
           </a:p>
         </p:txBody>
       </p:sp>
@@ -11108,7 +7307,7 @@
       </p:grpSpPr>
       <p:sp>
         <p:nvSpPr>
-          <p:cNvPr id="5" name="Title 4"/>
+          <p:cNvPr id="2" name="Title 1"/>
           <p:cNvSpPr>
             <a:spLocks noGrp="1"/>
           </p:cNvSpPr>
@@ -11123,40 +7322,125 @@
           <a:p>
             <a:r>
               <a:rPr lang="en-US" dirty="0"/>
-              <a:t>Title and Content Layout with Chart</a:t>
-            </a:r>
-          </a:p>
-        </p:txBody>
-      </p:sp>
-      <p:graphicFrame>
-        <p:nvGraphicFramePr>
-          <p:cNvPr id="10" name="Content Placeholder 9" descr="Clustered column chart showing the values of 3 series for 4 categories"/>
-          <p:cNvGraphicFramePr>
-            <a:graphicFrameLocks noGrp="1"/>
-          </p:cNvGraphicFramePr>
-          <p:nvPr>
-            <p:ph idx="1"/>
-            <p:extLst>
-              <p:ext uri="{D42A27DB-BD31-4B8C-83A1-F6EECF244321}">
-                <p14:modId xmlns:p14="http://schemas.microsoft.com/office/powerpoint/2010/main" val="218218033"/>
-              </p:ext>
-            </p:extLst>
-          </p:nvPr>
-        </p:nvGraphicFramePr>
-        <p:xfrm>
-          <a:off x="1219200" y="1600200"/>
-          <a:ext cx="9750425" cy="4572000"/>
-        </p:xfrm>
-        <a:graphic>
-          <a:graphicData uri="http://schemas.openxmlformats.org/drawingml/2006/chart">
-            <c:chart xmlns:c="http://schemas.openxmlformats.org/drawingml/2006/chart" xmlns:r="http://schemas.openxmlformats.org/officeDocument/2006/relationships" r:id="rId2"/>
-          </a:graphicData>
-        </a:graphic>
-      </p:graphicFrame>
+              <a:t>Prototype Version 1 vs. Prototype Version 2</a:t>
+            </a:r>
+          </a:p>
+        </p:txBody>
+      </p:sp>
+      <p:sp>
+        <p:nvSpPr>
+          <p:cNvPr id="11" name="Text Placeholder 10"/>
+          <p:cNvSpPr>
+            <a:spLocks noGrp="1"/>
+          </p:cNvSpPr>
+          <p:nvPr>
+            <p:ph type="body" idx="1"/>
+          </p:nvPr>
+        </p:nvSpPr>
+        <p:spPr>
+          <a:xfrm>
+            <a:off x="1751012" y="1447798"/>
+            <a:ext cx="4875530" cy="816429"/>
+          </a:xfrm>
+        </p:spPr>
+        <p:txBody>
+          <a:bodyPr/>
+          <a:lstStyle/>
+          <a:p>
+            <a:r>
+              <a:rPr lang="en-US" dirty="0"/>
+              <a:t>Old Home Page	</a:t>
+            </a:r>
+          </a:p>
+        </p:txBody>
+      </p:sp>
+      <p:sp>
+        <p:nvSpPr>
+          <p:cNvPr id="13" name="Text Placeholder 12"/>
+          <p:cNvSpPr>
+            <a:spLocks noGrp="1"/>
+          </p:cNvSpPr>
+          <p:nvPr>
+            <p:ph type="body" sz="quarter" idx="3"/>
+          </p:nvPr>
+        </p:nvSpPr>
+        <p:spPr>
+          <a:xfrm>
+            <a:off x="7542212" y="1498599"/>
+            <a:ext cx="4875530" cy="816429"/>
+          </a:xfrm>
+        </p:spPr>
+        <p:txBody>
+          <a:bodyPr/>
+          <a:lstStyle/>
+          <a:p>
+            <a:r>
+              <a:rPr lang="en-US" dirty="0"/>
+              <a:t>New Home Page</a:t>
+            </a:r>
+          </a:p>
+        </p:txBody>
+      </p:sp>
+      <p:pic>
+        <p:nvPicPr>
+          <p:cNvPr id="7" name="Content Placeholder 2"/>
+          <p:cNvPicPr>
+            <a:picLocks noGrp="1" noChangeAspect="1"/>
+          </p:cNvPicPr>
+          <p:nvPr>
+            <p:ph sz="half" idx="2"/>
+          </p:nvPr>
+        </p:nvPicPr>
+        <p:blipFill rotWithShape="1">
+          <a:blip r:embed="rId3" cstate="print">
+            <a:extLst>
+              <a:ext uri="{28A0092B-C50C-407E-A947-70E740481C1C}">
+                <a14:useLocalDpi xmlns:a14="http://schemas.microsoft.com/office/drawing/2010/main" val="0"/>
+              </a:ext>
+            </a:extLst>
+          </a:blip>
+          <a:srcRect l="27609" r="30580" b="10084"/>
+          <a:stretch/>
+        </p:blipFill>
+        <p:spPr>
+          <a:xfrm>
+            <a:off x="1206468" y="2115458"/>
+            <a:ext cx="3723118" cy="4742542"/>
+          </a:xfrm>
+        </p:spPr>
+      </p:pic>
+      <p:pic>
+        <p:nvPicPr>
+          <p:cNvPr id="10" name="Content Placeholder 3"/>
+          <p:cNvPicPr>
+            <a:picLocks noGrp="1" noChangeAspect="1"/>
+          </p:cNvPicPr>
+          <p:nvPr>
+            <p:ph sz="quarter" idx="4"/>
+          </p:nvPr>
+        </p:nvPicPr>
+        <p:blipFill rotWithShape="1">
+          <a:blip r:embed="rId4" cstate="print">
+            <a:extLst>
+              <a:ext uri="{28A0092B-C50C-407E-A947-70E740481C1C}">
+                <a14:useLocalDpi xmlns:a14="http://schemas.microsoft.com/office/drawing/2010/main" val="0"/>
+              </a:ext>
+            </a:extLst>
+          </a:blip>
+          <a:srcRect l="23892" t="1" r="32056" b="6723"/>
+          <a:stretch/>
+        </p:blipFill>
+        <p:spPr>
+          <a:xfrm>
+            <a:off x="7062233" y="2209800"/>
+            <a:ext cx="3705998" cy="4648200"/>
+          </a:xfrm>
+        </p:spPr>
+      </p:pic>
     </p:spTree>
     <p:extLst>
       <p:ext uri="{BB962C8B-B14F-4D97-AF65-F5344CB8AC3E}">
-        <p14:creationId xmlns:p14="http://schemas.microsoft.com/office/powerpoint/2010/main" val="424641335"/>
+        <p14:creationId xmlns:p14="http://schemas.microsoft.com/office/powerpoint/2010/main" val="1217981092"/>
       </p:ext>
     </p:extLst>
   </p:cSld>
@@ -11175,6 +7459,13 @@
       </p:transition>
     </mc:Fallback>
   </mc:AlternateContent>
+  <p:timing>
+    <p:tnLst>
+      <p:par>
+        <p:cTn id="1" dur="indefinite" restart="never" nodeType="tmRoot"/>
+      </p:par>
+    </p:tnLst>
+  </p:timing>
 </p:sld>
 </file>
 
@@ -11207,116 +7498,462 @@
         </p:nvSpPr>
         <p:spPr/>
         <p:txBody>
-          <a:bodyPr>
-            <a:normAutofit/>
-          </a:bodyPr>
+          <a:bodyPr/>
           <a:lstStyle/>
           <a:p>
             <a:r>
-              <a:rPr lang="en-US" sz="7200" dirty="0" smtClean="0"/>
-              <a:t>Key Interview Points</a:t>
-            </a:r>
-            <a:endParaRPr lang="en-US" sz="7200" dirty="0"/>
-          </a:p>
-        </p:txBody>
-      </p:sp>
-      <p:sp>
-        <p:nvSpPr>
-          <p:cNvPr id="6" name="Content Placeholder 5"/>
-          <p:cNvSpPr>
-            <a:spLocks noGrp="1"/>
-          </p:cNvSpPr>
-          <p:nvPr>
-            <p:ph sz="half" idx="1"/>
-          </p:nvPr>
-        </p:nvSpPr>
+              <a:rPr lang="en-US" dirty="0"/>
+              <a:t>Prototype Version 1 vs. Prototype Version 2</a:t>
+            </a:r>
+          </a:p>
+        </p:txBody>
+      </p:sp>
+      <p:sp>
+        <p:nvSpPr>
+          <p:cNvPr id="11" name="Text Placeholder 10"/>
+          <p:cNvSpPr>
+            <a:spLocks noGrp="1"/>
+          </p:cNvSpPr>
+          <p:nvPr>
+            <p:ph type="body" idx="1"/>
+          </p:nvPr>
+        </p:nvSpPr>
+        <p:spPr/>
+        <p:txBody>
+          <a:bodyPr/>
+          <a:lstStyle/>
+          <a:p>
+            <a:r>
+              <a:rPr lang="en-US" dirty="0"/>
+              <a:t>Old Order Options Page</a:t>
+            </a:r>
+          </a:p>
+        </p:txBody>
+      </p:sp>
+      <p:pic>
+        <p:nvPicPr>
+          <p:cNvPr id="5" name="Content Placeholder 4"/>
+          <p:cNvPicPr>
+            <a:picLocks noGrp="1" noChangeAspect="1"/>
+          </p:cNvPicPr>
+          <p:nvPr>
+            <p:ph sz="half" idx="2"/>
+          </p:nvPr>
+        </p:nvPicPr>
+        <p:blipFill>
+          <a:blip r:embed="rId3" cstate="print">
+            <a:extLst>
+              <a:ext uri="{28A0092B-C50C-407E-A947-70E740481C1C}">
+                <a14:useLocalDpi xmlns:a14="http://schemas.microsoft.com/office/drawing/2010/main" val="0"/>
+              </a:ext>
+            </a:extLst>
+          </a:blip>
+          <a:stretch>
+            <a:fillRect/>
+          </a:stretch>
+        </p:blipFill>
         <p:spPr>
           <a:xfrm>
-            <a:off x="1141412" y="1600200"/>
-            <a:ext cx="4875530" cy="1600200"/>
+            <a:off x="207960" y="2362200"/>
+            <a:ext cx="6038852" cy="3578578"/>
           </a:xfrm>
         </p:spPr>
-        <p:txBody>
-          <a:bodyPr>
-            <a:normAutofit lnSpcReduction="10000"/>
-          </a:bodyPr>
-          <a:lstStyle/>
-          <a:p>
-            <a:r>
-              <a:rPr lang="en-US" dirty="0" smtClean="0"/>
-              <a:t>“…</a:t>
-            </a:r>
-            <a:r>
-              <a:rPr lang="en-US" dirty="0"/>
-              <a:t>I wish some things were automatic. The computer system is super old and annoying to work with.</a:t>
-            </a:r>
-            <a:r>
-              <a:rPr lang="en-US" dirty="0" smtClean="0"/>
-              <a:t>”</a:t>
-            </a:r>
-            <a:endParaRPr lang="en-US" dirty="0"/>
-          </a:p>
-        </p:txBody>
-      </p:sp>
-      <p:sp>
-        <p:nvSpPr>
-          <p:cNvPr id="3" name="Content Placeholder 2"/>
-          <p:cNvSpPr>
-            <a:spLocks noGrp="1"/>
-          </p:cNvSpPr>
-          <p:nvPr>
-            <p:ph sz="half" idx="2"/>
+      </p:pic>
+      <p:sp>
+        <p:nvSpPr>
+          <p:cNvPr id="13" name="Text Placeholder 12"/>
+          <p:cNvSpPr>
+            <a:spLocks noGrp="1"/>
+          </p:cNvSpPr>
+          <p:nvPr>
+            <p:ph type="body" sz="quarter" idx="3"/>
           </p:nvPr>
         </p:nvSpPr>
         <p:spPr>
           <a:xfrm>
-            <a:off x="6094412" y="1600200"/>
-            <a:ext cx="4875530" cy="1600200"/>
+            <a:off x="7161212" y="1617245"/>
+            <a:ext cx="4875530" cy="816429"/>
           </a:xfrm>
         </p:spPr>
         <p:txBody>
-          <a:bodyPr>
-            <a:normAutofit lnSpcReduction="10000"/>
-          </a:bodyPr>
+          <a:bodyPr/>
           <a:lstStyle/>
           <a:p>
             <a:r>
-              <a:rPr lang="en-US" dirty="0" smtClean="0"/>
-              <a:t>“…the </a:t>
-            </a:r>
-            <a:r>
               <a:rPr lang="en-US" dirty="0"/>
-              <a:t>interface is my most concern. Interface must be simple and easy for user to use. </a:t>
-            </a:r>
-            <a:r>
-              <a:rPr lang="en-US" dirty="0" smtClean="0"/>
-              <a:t>“</a:t>
-            </a:r>
-            <a:endParaRPr lang="en-US" dirty="0"/>
-          </a:p>
-        </p:txBody>
-      </p:sp>
-      <p:sp>
-        <p:nvSpPr>
-          <p:cNvPr id="8" name="Content Placeholder 2"/>
-          <p:cNvSpPr txBox="1">
-            <a:spLocks/>
-          </p:cNvSpPr>
-          <p:nvPr/>
+              <a:t>New Order Options Page</a:t>
+            </a:r>
+          </a:p>
+        </p:txBody>
+      </p:sp>
+      <p:sp>
+        <p:nvSpPr>
+          <p:cNvPr id="14" name="Content Placeholder 13"/>
+          <p:cNvSpPr>
+            <a:spLocks noGrp="1"/>
+          </p:cNvSpPr>
+          <p:nvPr>
+            <p:ph sz="quarter" idx="4"/>
+          </p:nvPr>
         </p:nvSpPr>
         <p:spPr>
           <a:xfrm>
-            <a:off x="4037012" y="3352800"/>
-            <a:ext cx="4875530" cy="1600200"/>
+            <a:off x="6750845" y="2433674"/>
+            <a:ext cx="4875530" cy="3759199"/>
+          </a:xfrm>
+        </p:spPr>
+        <p:txBody>
+          <a:bodyPr/>
+          <a:lstStyle/>
+          <a:p>
+            <a:r>
+              <a:rPr lang="en-US" dirty="0"/>
+              <a:t>Get from Nguyen</a:t>
+            </a:r>
+          </a:p>
+        </p:txBody>
+      </p:sp>
+      <p:pic>
+        <p:nvPicPr>
+          <p:cNvPr id="3" name="Picture 2"/>
+          <p:cNvPicPr>
+            <a:picLocks noChangeAspect="1"/>
+          </p:cNvPicPr>
+          <p:nvPr/>
+        </p:nvPicPr>
+        <p:blipFill rotWithShape="1">
+          <a:blip r:embed="rId4">
+            <a:extLst>
+              <a:ext uri="{28A0092B-C50C-407E-A947-70E740481C1C}">
+                <a14:useLocalDpi xmlns:a14="http://schemas.microsoft.com/office/drawing/2010/main" val="0"/>
+              </a:ext>
+            </a:extLst>
+          </a:blip>
+          <a:srcRect r="4064" b="10203"/>
+          <a:stretch/>
+        </p:blipFill>
+        <p:spPr>
+          <a:xfrm>
+            <a:off x="6246812" y="2386726"/>
+            <a:ext cx="5863052" cy="3252074"/>
           </a:xfrm>
           <a:prstGeom prst="rect">
             <a:avLst/>
           </a:prstGeom>
         </p:spPr>
-        <p:txBody>
-          <a:bodyPr vert="horz" lIns="121899" tIns="60949" rIns="121899" bIns="60949" rtlCol="0">
-            <a:normAutofit/>
-          </a:bodyPr>
+      </p:pic>
+    </p:spTree>
+    <p:extLst>
+      <p:ext uri="{BB962C8B-B14F-4D97-AF65-F5344CB8AC3E}">
+        <p14:creationId xmlns:p14="http://schemas.microsoft.com/office/powerpoint/2010/main" val="1446153101"/>
+      </p:ext>
+    </p:extLst>
+  </p:cSld>
+  <p:clrMapOvr>
+    <a:masterClrMapping/>
+  </p:clrMapOvr>
+  <mc:AlternateContent xmlns:mc="http://schemas.openxmlformats.org/markup-compatibility/2006" xmlns:p14="http://schemas.microsoft.com/office/powerpoint/2010/main">
+    <mc:Choice Requires="p14">
+      <p:transition spd="med" p14:dur="700">
+        <p:fade/>
+      </p:transition>
+    </mc:Choice>
+    <mc:Fallback xmlns="">
+      <p:transition spd="med">
+        <p:fade/>
+      </p:transition>
+    </mc:Fallback>
+  </mc:AlternateContent>
+  <p:timing>
+    <p:tnLst>
+      <p:par>
+        <p:cTn id="1" dur="indefinite" restart="never" nodeType="tmRoot"/>
+      </p:par>
+    </p:tnLst>
+  </p:timing>
+</p:sld>
+</file>
+
+<file path=ppt/slides/slide6.xml><?xml version="1.0" encoding="utf-8"?>
+<p:sld xmlns:a="http://schemas.openxmlformats.org/drawingml/2006/main" xmlns:r="http://schemas.openxmlformats.org/officeDocument/2006/relationships" xmlns:p="http://schemas.openxmlformats.org/presentationml/2006/main">
+  <p:cSld>
+    <p:spTree>
+      <p:nvGrpSpPr>
+        <p:cNvPr id="1" name=""/>
+        <p:cNvGrpSpPr/>
+        <p:nvPr/>
+      </p:nvGrpSpPr>
+      <p:grpSpPr>
+        <a:xfrm>
+          <a:off x="0" y="0"/>
+          <a:ext cx="0" cy="0"/>
+          <a:chOff x="0" y="0"/>
+          <a:chExt cx="0" cy="0"/>
+        </a:xfrm>
+      </p:grpSpPr>
+      <p:sp>
+        <p:nvSpPr>
+          <p:cNvPr id="2" name="Title 1"/>
+          <p:cNvSpPr>
+            <a:spLocks noGrp="1"/>
+          </p:cNvSpPr>
+          <p:nvPr>
+            <p:ph type="title"/>
+          </p:nvPr>
+        </p:nvSpPr>
+        <p:spPr/>
+        <p:txBody>
+          <a:bodyPr/>
+          <a:lstStyle/>
+          <a:p>
+            <a:r>
+              <a:rPr lang="en-US" dirty="0"/>
+              <a:t>Prototype Version 1 vs. Prototype Version 2</a:t>
+            </a:r>
+          </a:p>
+        </p:txBody>
+      </p:sp>
+      <p:sp>
+        <p:nvSpPr>
+          <p:cNvPr id="11" name="Text Placeholder 10"/>
+          <p:cNvSpPr>
+            <a:spLocks noGrp="1"/>
+          </p:cNvSpPr>
+          <p:nvPr>
+            <p:ph type="body" idx="1"/>
+          </p:nvPr>
+        </p:nvSpPr>
+        <p:spPr>
+          <a:xfrm>
+            <a:off x="1598612" y="1447798"/>
+            <a:ext cx="4875530" cy="816429"/>
+          </a:xfrm>
+        </p:spPr>
+        <p:txBody>
+          <a:bodyPr/>
+          <a:lstStyle/>
+          <a:p>
+            <a:r>
+              <a:rPr lang="en-US" dirty="0"/>
+              <a:t>Old Regular </a:t>
+            </a:r>
+            <a:r>
+              <a:rPr lang="en-US" dirty="0">
+                <a:solidFill>
+                  <a:srgbClr val="679015"/>
+                </a:solidFill>
+              </a:rPr>
+              <a:t>Orde</a:t>
+            </a:r>
+            <a:r>
+              <a:rPr lang="en-US" dirty="0"/>
+              <a:t>r Page</a:t>
+            </a:r>
+          </a:p>
+        </p:txBody>
+      </p:sp>
+      <p:sp>
+        <p:nvSpPr>
+          <p:cNvPr id="13" name="Text Placeholder 12"/>
+          <p:cNvSpPr>
+            <a:spLocks noGrp="1"/>
+          </p:cNvSpPr>
+          <p:nvPr>
+            <p:ph type="body" sz="quarter" idx="3"/>
+          </p:nvPr>
+        </p:nvSpPr>
+        <p:spPr>
+          <a:xfrm>
+            <a:off x="7085012" y="1498599"/>
+            <a:ext cx="4875530" cy="816429"/>
+          </a:xfrm>
+        </p:spPr>
+        <p:txBody>
+          <a:bodyPr/>
+          <a:lstStyle/>
+          <a:p>
+            <a:r>
+              <a:rPr lang="en-US" dirty="0"/>
+              <a:t>Old Special Order Page</a:t>
+            </a:r>
+          </a:p>
+        </p:txBody>
+      </p:sp>
+      <p:pic>
+        <p:nvPicPr>
+          <p:cNvPr id="5" name="Content Placeholder 4"/>
+          <p:cNvPicPr>
+            <a:picLocks noGrp="1" noChangeAspect="1"/>
+          </p:cNvPicPr>
+          <p:nvPr>
+            <p:ph sz="half" idx="2"/>
+          </p:nvPr>
+        </p:nvPicPr>
+        <p:blipFill rotWithShape="1">
+          <a:blip r:embed="rId3" cstate="print">
+            <a:extLst>
+              <a:ext uri="{28A0092B-C50C-407E-A947-70E740481C1C}">
+                <a14:useLocalDpi xmlns:a14="http://schemas.microsoft.com/office/drawing/2010/main" val="0"/>
+              </a:ext>
+            </a:extLst>
+          </a:blip>
+          <a:srcRect l="13448" t="15726" r="37089" b="9274"/>
+          <a:stretch/>
+        </p:blipFill>
+        <p:spPr>
+          <a:xfrm>
+            <a:off x="1141412" y="2133598"/>
+            <a:ext cx="4936358" cy="4435570"/>
+          </a:xfrm>
+        </p:spPr>
+      </p:pic>
+      <p:pic>
+        <p:nvPicPr>
+          <p:cNvPr id="6" name="Content Placeholder 5"/>
+          <p:cNvPicPr>
+            <a:picLocks noGrp="1" noChangeAspect="1"/>
+          </p:cNvPicPr>
+          <p:nvPr>
+            <p:ph sz="quarter" idx="4"/>
+          </p:nvPr>
+        </p:nvPicPr>
+        <p:blipFill rotWithShape="1">
+          <a:blip r:embed="rId4" cstate="print">
+            <a:extLst>
+              <a:ext uri="{28A0092B-C50C-407E-A947-70E740481C1C}">
+                <a14:useLocalDpi xmlns:a14="http://schemas.microsoft.com/office/drawing/2010/main" val="0"/>
+              </a:ext>
+            </a:extLst>
+          </a:blip>
+          <a:srcRect l="30267" t="16622" r="35398" b="9892"/>
+          <a:stretch/>
+        </p:blipFill>
+        <p:spPr>
+          <a:xfrm>
+            <a:off x="7236142" y="2133598"/>
+            <a:ext cx="3472096" cy="4403634"/>
+          </a:xfrm>
+        </p:spPr>
+      </p:pic>
+    </p:spTree>
+    <p:extLst>
+      <p:ext uri="{BB962C8B-B14F-4D97-AF65-F5344CB8AC3E}">
+        <p14:creationId xmlns:p14="http://schemas.microsoft.com/office/powerpoint/2010/main" val="3764921985"/>
+      </p:ext>
+    </p:extLst>
+  </p:cSld>
+  <p:clrMapOvr>
+    <a:masterClrMapping/>
+  </p:clrMapOvr>
+  <mc:AlternateContent xmlns:mc="http://schemas.openxmlformats.org/markup-compatibility/2006" xmlns:p14="http://schemas.microsoft.com/office/powerpoint/2010/main">
+    <mc:Choice Requires="p14">
+      <p:transition spd="med" p14:dur="700">
+        <p:fade/>
+      </p:transition>
+    </mc:Choice>
+    <mc:Fallback xmlns="">
+      <p:transition spd="med">
+        <p:fade/>
+      </p:transition>
+    </mc:Fallback>
+  </mc:AlternateContent>
+  <p:timing>
+    <p:tnLst>
+      <p:par>
+        <p:cTn id="1" dur="indefinite" restart="never" nodeType="tmRoot"/>
+      </p:par>
+    </p:tnLst>
+  </p:timing>
+</p:sld>
+</file>
+
+<file path=ppt/slides/slide7.xml><?xml version="1.0" encoding="utf-8"?>
+<p:sld xmlns:a="http://schemas.openxmlformats.org/drawingml/2006/main" xmlns:r="http://schemas.openxmlformats.org/officeDocument/2006/relationships" xmlns:p="http://schemas.openxmlformats.org/presentationml/2006/main">
+  <p:cSld>
+    <p:spTree>
+      <p:nvGrpSpPr>
+        <p:cNvPr id="1" name=""/>
+        <p:cNvGrpSpPr/>
+        <p:nvPr/>
+      </p:nvGrpSpPr>
+      <p:grpSpPr>
+        <a:xfrm>
+          <a:off x="0" y="0"/>
+          <a:ext cx="0" cy="0"/>
+          <a:chOff x="0" y="0"/>
+          <a:chExt cx="0" cy="0"/>
+        </a:xfrm>
+      </p:grpSpPr>
+      <p:sp>
+        <p:nvSpPr>
+          <p:cNvPr id="2" name="Title 1"/>
+          <p:cNvSpPr>
+            <a:spLocks noGrp="1"/>
+          </p:cNvSpPr>
+          <p:nvPr>
+            <p:ph type="title"/>
+          </p:nvPr>
+        </p:nvSpPr>
+        <p:spPr/>
+        <p:txBody>
+          <a:bodyPr/>
+          <a:lstStyle/>
+          <a:p>
+            <a:r>
+              <a:rPr lang="en-US" dirty="0"/>
+              <a:t>Prototype Version 1 vs. Prototype Version 2</a:t>
+            </a:r>
+          </a:p>
+        </p:txBody>
+      </p:sp>
+      <p:pic>
+        <p:nvPicPr>
+          <p:cNvPr id="3" name="Picture 2"/>
+          <p:cNvPicPr>
+            <a:picLocks noChangeAspect="1"/>
+          </p:cNvPicPr>
+          <p:nvPr/>
+        </p:nvPicPr>
+        <p:blipFill rotWithShape="1">
+          <a:blip r:embed="rId3">
+            <a:extLst>
+              <a:ext uri="{28A0092B-C50C-407E-A947-70E740481C1C}">
+                <a14:useLocalDpi xmlns:a14="http://schemas.microsoft.com/office/drawing/2010/main" val="0"/>
+              </a:ext>
+            </a:extLst>
+          </a:blip>
+          <a:srcRect l="3379" t="29403" r="4197" b="14346"/>
+          <a:stretch/>
+        </p:blipFill>
+        <p:spPr>
+          <a:xfrm>
+            <a:off x="682581" y="2133600"/>
+            <a:ext cx="10823663" cy="3903616"/>
+          </a:xfrm>
+          <a:prstGeom prst="rect">
+            <a:avLst/>
+          </a:prstGeom>
+        </p:spPr>
+      </p:pic>
+      <p:sp>
+        <p:nvSpPr>
+          <p:cNvPr id="4" name="Text Placeholder 12"/>
+          <p:cNvSpPr txBox="1">
+            <a:spLocks/>
+          </p:cNvSpPr>
+          <p:nvPr/>
+        </p:nvSpPr>
+        <p:spPr>
+          <a:xfrm>
+            <a:off x="3656647" y="1600200"/>
+            <a:ext cx="4875530" cy="816429"/>
+          </a:xfrm>
+          <a:prstGeom prst="rect">
+            <a:avLst/>
+          </a:prstGeom>
+        </p:spPr>
+        <p:txBody>
+          <a:bodyPr/>
           <a:lstStyle>
             <a:lvl1pPr marL="304747" indent="-304747" algn="l" defTabSz="1218987" rtl="0" eaLnBrk="1" latinLnBrk="0" hangingPunct="1">
               <a:lnSpc>
@@ -11519,398 +8156,32 @@
             </a:lvl9pPr>
           </a:lstStyle>
           <a:p>
-            <a:r>
-              <a:rPr lang="en-US" dirty="0" smtClean="0"/>
-              <a:t>“</a:t>
-            </a:r>
-            <a:r>
-              <a:rPr lang="en-US" dirty="0"/>
-              <a:t>Online and connectivity issues arise, no email confirmation </a:t>
-            </a:r>
-            <a:r>
-              <a:rPr lang="en-US" dirty="0" smtClean="0"/>
-              <a:t>…”</a:t>
-            </a:r>
-            <a:endParaRPr lang="en-US" dirty="0"/>
-          </a:p>
-          <a:p>
-            <a:endParaRPr lang="en-US" dirty="0"/>
+            <a:pPr marL="0" indent="0">
+              <a:buNone/>
+            </a:pPr>
+            <a:r>
+              <a:rPr lang="en-US" dirty="0" smtClean="0">
+                <a:solidFill>
+                  <a:srgbClr val="679015"/>
+                </a:solidFill>
+              </a:rPr>
+              <a:t>New </a:t>
+            </a:r>
+            <a:r>
+              <a:rPr lang="en-US" dirty="0">
+                <a:solidFill>
+                  <a:srgbClr val="679015"/>
+                </a:solidFill>
+              </a:rPr>
+              <a:t>“Create Order” page</a:t>
+            </a:r>
           </a:p>
         </p:txBody>
       </p:sp>
     </p:spTree>
     <p:extLst>
       <p:ext uri="{BB962C8B-B14F-4D97-AF65-F5344CB8AC3E}">
-        <p14:creationId xmlns:p14="http://schemas.microsoft.com/office/powerpoint/2010/main" val="3063016441"/>
-      </p:ext>
-    </p:extLst>
-  </p:cSld>
-  <p:clrMapOvr>
-    <a:masterClrMapping/>
-  </p:clrMapOvr>
-  <mc:AlternateContent xmlns:mc="http://schemas.openxmlformats.org/markup-compatibility/2006" xmlns:p14="http://schemas.microsoft.com/office/powerpoint/2010/main">
-    <mc:Choice Requires="p14">
-      <p:transition spd="med" p14:dur="700">
-        <p:fade/>
-      </p:transition>
-    </mc:Choice>
-    <mc:Fallback xmlns="">
-      <p:transition spd="med">
-        <p:fade/>
-      </p:transition>
-    </mc:Fallback>
-  </mc:AlternateContent>
-  <p:timing>
-    <p:tnLst>
-      <p:par>
-        <p:cTn id="1" dur="indefinite" restart="never" nodeType="tmRoot">
-          <p:childTnLst>
-            <p:seq concurrent="1" nextAc="seek">
-              <p:cTn id="2" dur="indefinite" nodeType="mainSeq">
-                <p:childTnLst>
-                  <p:par>
-                    <p:cTn id="3" fill="hold">
-                      <p:stCondLst>
-                        <p:cond delay="indefinite"/>
-                      </p:stCondLst>
-                      <p:childTnLst>
-                        <p:par>
-                          <p:cTn id="4" fill="hold">
-                            <p:stCondLst>
-                              <p:cond delay="0"/>
-                            </p:stCondLst>
-                            <p:childTnLst>
-                              <p:par>
-                                <p:cTn id="5" presetID="10" presetClass="entr" presetSubtype="0" fill="hold" grpId="0" nodeType="clickEffect">
-                                  <p:stCondLst>
-                                    <p:cond delay="0"/>
-                                  </p:stCondLst>
-                                  <p:childTnLst>
-                                    <p:set>
-                                      <p:cBhvr>
-                                        <p:cTn id="6" dur="1" fill="hold">
-                                          <p:stCondLst>
-                                            <p:cond delay="0"/>
-                                          </p:stCondLst>
-                                        </p:cTn>
-                                        <p:tgtEl>
-                                          <p:spTgt spid="6">
-                                            <p:txEl>
-                                              <p:pRg st="0" end="0"/>
-                                            </p:txEl>
-                                          </p:spTgt>
-                                        </p:tgtEl>
-                                        <p:attrNameLst>
-                                          <p:attrName>style.visibility</p:attrName>
-                                        </p:attrNameLst>
-                                      </p:cBhvr>
-                                      <p:to>
-                                        <p:strVal val="visible"/>
-                                      </p:to>
-                                    </p:set>
-                                    <p:animEffect transition="in" filter="fade">
-                                      <p:cBhvr>
-                                        <p:cTn id="7" dur="500"/>
-                                        <p:tgtEl>
-                                          <p:spTgt spid="6">
-                                            <p:txEl>
-                                              <p:pRg st="0" end="0"/>
-                                            </p:txEl>
-                                          </p:spTgt>
-                                        </p:tgtEl>
-                                      </p:cBhvr>
-                                    </p:animEffect>
-                                  </p:childTnLst>
-                                </p:cTn>
-                              </p:par>
-                            </p:childTnLst>
-                          </p:cTn>
-                        </p:par>
-                      </p:childTnLst>
-                    </p:cTn>
-                  </p:par>
-                  <p:par>
-                    <p:cTn id="8" fill="hold">
-                      <p:stCondLst>
-                        <p:cond delay="indefinite"/>
-                      </p:stCondLst>
-                      <p:childTnLst>
-                        <p:par>
-                          <p:cTn id="9" fill="hold">
-                            <p:stCondLst>
-                              <p:cond delay="0"/>
-                            </p:stCondLst>
-                            <p:childTnLst>
-                              <p:par>
-                                <p:cTn id="10" presetID="10" presetClass="entr" presetSubtype="0" fill="hold" grpId="0" nodeType="clickEffect">
-                                  <p:stCondLst>
-                                    <p:cond delay="0"/>
-                                  </p:stCondLst>
-                                  <p:childTnLst>
-                                    <p:set>
-                                      <p:cBhvr>
-                                        <p:cTn id="11" dur="1" fill="hold">
-                                          <p:stCondLst>
-                                            <p:cond delay="0"/>
-                                          </p:stCondLst>
-                                        </p:cTn>
-                                        <p:tgtEl>
-                                          <p:spTgt spid="3">
-                                            <p:txEl>
-                                              <p:pRg st="0" end="0"/>
-                                            </p:txEl>
-                                          </p:spTgt>
-                                        </p:tgtEl>
-                                        <p:attrNameLst>
-                                          <p:attrName>style.visibility</p:attrName>
-                                        </p:attrNameLst>
-                                      </p:cBhvr>
-                                      <p:to>
-                                        <p:strVal val="visible"/>
-                                      </p:to>
-                                    </p:set>
-                                    <p:animEffect transition="in" filter="fade">
-                                      <p:cBhvr>
-                                        <p:cTn id="12" dur="500"/>
-                                        <p:tgtEl>
-                                          <p:spTgt spid="3">
-                                            <p:txEl>
-                                              <p:pRg st="0" end="0"/>
-                                            </p:txEl>
-                                          </p:spTgt>
-                                        </p:tgtEl>
-                                      </p:cBhvr>
-                                    </p:animEffect>
-                                  </p:childTnLst>
-                                </p:cTn>
-                              </p:par>
-                            </p:childTnLst>
-                          </p:cTn>
-                        </p:par>
-                      </p:childTnLst>
-                    </p:cTn>
-                  </p:par>
-                  <p:par>
-                    <p:cTn id="13" fill="hold">
-                      <p:stCondLst>
-                        <p:cond delay="indefinite"/>
-                      </p:stCondLst>
-                      <p:childTnLst>
-                        <p:par>
-                          <p:cTn id="14" fill="hold">
-                            <p:stCondLst>
-                              <p:cond delay="0"/>
-                            </p:stCondLst>
-                            <p:childTnLst>
-                              <p:par>
-                                <p:cTn id="15" presetID="2" presetClass="entr" presetSubtype="4" fill="hold" grpId="0" nodeType="clickEffect">
-                                  <p:stCondLst>
-                                    <p:cond delay="0"/>
-                                  </p:stCondLst>
-                                  <p:childTnLst>
-                                    <p:set>
-                                      <p:cBhvr>
-                                        <p:cTn id="16" dur="1" fill="hold">
-                                          <p:stCondLst>
-                                            <p:cond delay="0"/>
-                                          </p:stCondLst>
-                                        </p:cTn>
-                                        <p:tgtEl>
-                                          <p:spTgt spid="8"/>
-                                        </p:tgtEl>
-                                        <p:attrNameLst>
-                                          <p:attrName>style.visibility</p:attrName>
-                                        </p:attrNameLst>
-                                      </p:cBhvr>
-                                      <p:to>
-                                        <p:strVal val="visible"/>
-                                      </p:to>
-                                    </p:set>
-                                    <p:anim calcmode="lin" valueType="num">
-                                      <p:cBhvr additive="base">
-                                        <p:cTn id="17" dur="500" fill="hold"/>
-                                        <p:tgtEl>
-                                          <p:spTgt spid="8"/>
-                                        </p:tgtEl>
-                                        <p:attrNameLst>
-                                          <p:attrName>ppt_x</p:attrName>
-                                        </p:attrNameLst>
-                                      </p:cBhvr>
-                                      <p:tavLst>
-                                        <p:tav tm="0">
-                                          <p:val>
-                                            <p:strVal val="#ppt_x"/>
-                                          </p:val>
-                                        </p:tav>
-                                        <p:tav tm="100000">
-                                          <p:val>
-                                            <p:strVal val="#ppt_x"/>
-                                          </p:val>
-                                        </p:tav>
-                                      </p:tavLst>
-                                    </p:anim>
-                                    <p:anim calcmode="lin" valueType="num">
-                                      <p:cBhvr additive="base">
-                                        <p:cTn id="18" dur="500" fill="hold"/>
-                                        <p:tgtEl>
-                                          <p:spTgt spid="8"/>
-                                        </p:tgtEl>
-                                        <p:attrNameLst>
-                                          <p:attrName>ppt_y</p:attrName>
-                                        </p:attrNameLst>
-                                      </p:cBhvr>
-                                      <p:tavLst>
-                                        <p:tav tm="0">
-                                          <p:val>
-                                            <p:strVal val="1+#ppt_h/2"/>
-                                          </p:val>
-                                        </p:tav>
-                                        <p:tav tm="100000">
-                                          <p:val>
-                                            <p:strVal val="#ppt_y"/>
-                                          </p:val>
-                                        </p:tav>
-                                      </p:tavLst>
-                                    </p:anim>
-                                  </p:childTnLst>
-                                </p:cTn>
-                              </p:par>
-                            </p:childTnLst>
-                          </p:cTn>
-                        </p:par>
-                      </p:childTnLst>
-                    </p:cTn>
-                  </p:par>
-                </p:childTnLst>
-              </p:cTn>
-              <p:prevCondLst>
-                <p:cond evt="onPrev" delay="0">
-                  <p:tgtEl>
-                    <p:sldTgt/>
-                  </p:tgtEl>
-                </p:cond>
-              </p:prevCondLst>
-              <p:nextCondLst>
-                <p:cond evt="onNext" delay="0">
-                  <p:tgtEl>
-                    <p:sldTgt/>
-                  </p:tgtEl>
-                </p:cond>
-              </p:nextCondLst>
-            </p:seq>
-          </p:childTnLst>
-        </p:cTn>
-      </p:par>
-    </p:tnLst>
-    <p:bldLst>
-      <p:bldP spid="6" grpId="0" build="p"/>
-      <p:bldP spid="3" grpId="0" build="p"/>
-      <p:bldP spid="8" grpId="0"/>
-    </p:bldLst>
-  </p:timing>
-</p:sld>
-</file>
-
-<file path=ppt/slides/slide6.xml><?xml version="1.0" encoding="utf-8"?>
-<p:sld xmlns:a="http://schemas.openxmlformats.org/drawingml/2006/main" xmlns:r="http://schemas.openxmlformats.org/officeDocument/2006/relationships" xmlns:p="http://schemas.openxmlformats.org/presentationml/2006/main">
-  <p:cSld>
-    <p:spTree>
-      <p:nvGrpSpPr>
-        <p:cNvPr id="1" name=""/>
-        <p:cNvGrpSpPr/>
-        <p:nvPr/>
-      </p:nvGrpSpPr>
-      <p:grpSpPr>
-        <a:xfrm>
-          <a:off x="0" y="0"/>
-          <a:ext cx="0" cy="0"/>
-          <a:chOff x="0" y="0"/>
-          <a:chExt cx="0" cy="0"/>
-        </a:xfrm>
-      </p:grpSpPr>
-      <p:sp>
-        <p:nvSpPr>
-          <p:cNvPr id="2" name="Title 1"/>
-          <p:cNvSpPr>
-            <a:spLocks noGrp="1"/>
-          </p:cNvSpPr>
-          <p:nvPr>
-            <p:ph type="title"/>
-          </p:nvPr>
-        </p:nvSpPr>
-        <p:spPr/>
-        <p:txBody>
-          <a:bodyPr/>
-          <a:lstStyle/>
-          <a:p>
-            <a:r>
-              <a:rPr lang="en-US" dirty="0" smtClean="0"/>
-              <a:t>Design Choices</a:t>
-            </a:r>
-            <a:endParaRPr lang="en-US" dirty="0"/>
-          </a:p>
-        </p:txBody>
-      </p:sp>
-      <p:sp>
-        <p:nvSpPr>
-          <p:cNvPr id="3" name="Content Placeholder 2"/>
-          <p:cNvSpPr>
-            <a:spLocks noGrp="1"/>
-          </p:cNvSpPr>
-          <p:nvPr>
-            <p:ph sz="half" idx="1"/>
-          </p:nvPr>
-        </p:nvSpPr>
-        <p:spPr/>
-        <p:txBody>
-          <a:bodyPr/>
-          <a:lstStyle/>
-          <a:p>
-            <a:r>
-              <a:rPr lang="en-US" dirty="0" smtClean="0"/>
-              <a:t>Images for items</a:t>
-            </a:r>
-            <a:endParaRPr lang="en-US" dirty="0"/>
-          </a:p>
-          <a:p>
-            <a:r>
-              <a:rPr lang="en-US" dirty="0" smtClean="0"/>
-              <a:t>Color Scheme</a:t>
-            </a:r>
-            <a:endParaRPr lang="en-US" dirty="0"/>
-          </a:p>
-          <a:p>
-            <a:r>
-              <a:rPr lang="en-US" dirty="0" smtClean="0"/>
-              <a:t>How to Search</a:t>
-            </a:r>
-            <a:endParaRPr lang="en-US" dirty="0"/>
-          </a:p>
-        </p:txBody>
-      </p:sp>
-      <p:sp>
-        <p:nvSpPr>
-          <p:cNvPr id="4" name="Content Placeholder 3"/>
-          <p:cNvSpPr>
-            <a:spLocks noGrp="1"/>
-          </p:cNvSpPr>
-          <p:nvPr>
-            <p:ph sz="half" idx="2"/>
-          </p:nvPr>
-        </p:nvSpPr>
-        <p:spPr/>
-        <p:txBody>
-          <a:bodyPr/>
-          <a:lstStyle/>
-          <a:p>
-            <a:endParaRPr lang="en-US"/>
-          </a:p>
-        </p:txBody>
-      </p:sp>
-    </p:spTree>
-    <p:extLst>
-      <p:ext uri="{BB962C8B-B14F-4D97-AF65-F5344CB8AC3E}">
-        <p14:creationId xmlns:p14="http://schemas.microsoft.com/office/powerpoint/2010/main" val="3241553431"/>
+        <p14:creationId xmlns:p14="http://schemas.microsoft.com/office/powerpoint/2010/main" val="2429885988"/>
       </p:ext>
     </p:extLst>
   </p:cSld>
@@ -11939,7 +8210,7 @@
 </p:sld>
 </file>
 
-<file path=ppt/slides/slide7.xml><?xml version="1.0" encoding="utf-8"?>
+<file path=ppt/slides/slide8.xml><?xml version="1.0" encoding="utf-8"?>
 <p:sld xmlns:a="http://schemas.openxmlformats.org/drawingml/2006/main" xmlns:r="http://schemas.openxmlformats.org/officeDocument/2006/relationships" xmlns:p="http://schemas.openxmlformats.org/presentationml/2006/main">
   <p:cSld>
     <p:spTree>
@@ -11973,7 +8244,7 @@
           <a:p>
             <a:r>
               <a:rPr lang="en-US" dirty="0"/>
-              <a:t>Add a Slide Title - 2</a:t>
+              <a:t>Prototype Version 1 vs. Prototype Version 2</a:t>
             </a:r>
           </a:p>
         </p:txBody>
@@ -11993,71 +8264,100 @@
           <a:bodyPr/>
           <a:lstStyle/>
           <a:p>
-            <a:endParaRPr lang="en-US"/>
-          </a:p>
-        </p:txBody>
-      </p:sp>
-      <p:sp>
-        <p:nvSpPr>
-          <p:cNvPr id="12" name="Content Placeholder 11"/>
-          <p:cNvSpPr>
-            <a:spLocks noGrp="1"/>
-          </p:cNvSpPr>
-          <p:nvPr>
-            <p:ph sz="half" idx="2"/>
-          </p:nvPr>
-        </p:nvSpPr>
-        <p:spPr/>
+            <a:r>
+              <a:rPr lang="en-US" dirty="0"/>
+              <a:t>Old Order History Page	</a:t>
+            </a:r>
+          </a:p>
+        </p:txBody>
+      </p:sp>
+      <p:sp>
+        <p:nvSpPr>
+          <p:cNvPr id="13" name="Text Placeholder 12"/>
+          <p:cNvSpPr>
+            <a:spLocks noGrp="1"/>
+          </p:cNvSpPr>
+          <p:nvPr>
+            <p:ph type="body" sz="quarter" idx="3"/>
+          </p:nvPr>
+        </p:nvSpPr>
+        <p:spPr>
+          <a:xfrm>
+            <a:off x="6728158" y="1590563"/>
+            <a:ext cx="4875530" cy="816429"/>
+          </a:xfrm>
+        </p:spPr>
         <p:txBody>
           <a:bodyPr/>
           <a:lstStyle/>
           <a:p>
-            <a:endParaRPr lang="en-US"/>
-          </a:p>
-        </p:txBody>
-      </p:sp>
-      <p:sp>
-        <p:nvSpPr>
-          <p:cNvPr id="13" name="Text Placeholder 12"/>
-          <p:cNvSpPr>
-            <a:spLocks noGrp="1"/>
-          </p:cNvSpPr>
-          <p:nvPr>
-            <p:ph type="body" sz="quarter" idx="3"/>
-          </p:nvPr>
-        </p:nvSpPr>
-        <p:spPr/>
-        <p:txBody>
-          <a:bodyPr/>
-          <a:lstStyle/>
-          <a:p>
-            <a:endParaRPr lang="en-US"/>
-          </a:p>
-        </p:txBody>
-      </p:sp>
-      <p:sp>
-        <p:nvSpPr>
-          <p:cNvPr id="14" name="Content Placeholder 13"/>
-          <p:cNvSpPr>
-            <a:spLocks noGrp="1"/>
-          </p:cNvSpPr>
+            <a:r>
+              <a:rPr lang="en-US" dirty="0"/>
+              <a:t>New Order History Page</a:t>
+            </a:r>
+          </a:p>
+        </p:txBody>
+      </p:sp>
+      <p:pic>
+        <p:nvPicPr>
+          <p:cNvPr id="3" name="Content Placeholder 2"/>
+          <p:cNvPicPr>
+            <a:picLocks noGrp="1" noChangeAspect="1"/>
+          </p:cNvPicPr>
+          <p:nvPr>
+            <p:ph sz="half" idx="2"/>
+          </p:nvPr>
+        </p:nvPicPr>
+        <p:blipFill rotWithShape="1">
+          <a:blip r:embed="rId3" cstate="print">
+            <a:extLst>
+              <a:ext uri="{28A0092B-C50C-407E-A947-70E740481C1C}">
+                <a14:useLocalDpi xmlns:a14="http://schemas.microsoft.com/office/drawing/2010/main" val="0"/>
+              </a:ext>
+            </a:extLst>
+          </a:blip>
+          <a:srcRect l="37622" t="23104" r="12851" b="24130"/>
+          <a:stretch/>
+        </p:blipFill>
+        <p:spPr>
+          <a:xfrm>
+            <a:off x="219028" y="2416629"/>
+            <a:ext cx="5646784" cy="3565214"/>
+          </a:xfrm>
+        </p:spPr>
+      </p:pic>
+      <p:pic>
+        <p:nvPicPr>
+          <p:cNvPr id="4" name="Content Placeholder 3"/>
+          <p:cNvPicPr>
+            <a:picLocks noGrp="1" noChangeAspect="1"/>
+          </p:cNvPicPr>
           <p:nvPr>
             <p:ph sz="quarter" idx="4"/>
           </p:nvPr>
-        </p:nvSpPr>
-        <p:spPr/>
-        <p:txBody>
-          <a:bodyPr/>
-          <a:lstStyle/>
-          <a:p>
-            <a:endParaRPr lang="en-US"/>
-          </a:p>
-        </p:txBody>
-      </p:sp>
+        </p:nvPicPr>
+        <p:blipFill rotWithShape="1">
+          <a:blip r:embed="rId4" cstate="print">
+            <a:extLst>
+              <a:ext uri="{28A0092B-C50C-407E-A947-70E740481C1C}">
+                <a14:useLocalDpi xmlns:a14="http://schemas.microsoft.com/office/drawing/2010/main" val="0"/>
+              </a:ext>
+            </a:extLst>
+          </a:blip>
+          <a:srcRect l="36454" t="25427" r="14897" b="20737"/>
+          <a:stretch/>
+        </p:blipFill>
+        <p:spPr>
+          <a:xfrm>
+            <a:off x="6094412" y="2406992"/>
+            <a:ext cx="5509276" cy="3612808"/>
+          </a:xfrm>
+        </p:spPr>
+      </p:pic>
     </p:spTree>
     <p:extLst>
       <p:ext uri="{BB962C8B-B14F-4D97-AF65-F5344CB8AC3E}">
-        <p14:creationId xmlns:p14="http://schemas.microsoft.com/office/powerpoint/2010/main" val="761769074"/>
+        <p14:creationId xmlns:p14="http://schemas.microsoft.com/office/powerpoint/2010/main" val="986125698"/>
       </p:ext>
     </p:extLst>
   </p:cSld>
@@ -12076,348 +8376,13 @@
       </p:transition>
     </mc:Fallback>
   </mc:AlternateContent>
-</p:sld>
-</file>
-
-<file path=ppt/slides/slide8.xml><?xml version="1.0" encoding="utf-8"?>
-<p:sld xmlns:a="http://schemas.openxmlformats.org/drawingml/2006/main" xmlns:r="http://schemas.openxmlformats.org/officeDocument/2006/relationships" xmlns:p="http://schemas.openxmlformats.org/presentationml/2006/main">
-  <p:cSld>
-    <p:spTree>
-      <p:nvGrpSpPr>
-        <p:cNvPr id="1" name=""/>
-        <p:cNvGrpSpPr/>
-        <p:nvPr/>
-      </p:nvGrpSpPr>
-      <p:grpSpPr>
-        <a:xfrm>
-          <a:off x="0" y="0"/>
-          <a:ext cx="0" cy="0"/>
-          <a:chOff x="0" y="0"/>
-          <a:chExt cx="0" cy="0"/>
-        </a:xfrm>
-      </p:grpSpPr>
-      <p:sp>
-        <p:nvSpPr>
-          <p:cNvPr id="2" name="Title 1"/>
-          <p:cNvSpPr>
-            <a:spLocks noGrp="1"/>
-          </p:cNvSpPr>
-          <p:nvPr>
-            <p:ph type="title"/>
-          </p:nvPr>
-        </p:nvSpPr>
-        <p:spPr/>
-        <p:txBody>
-          <a:bodyPr/>
-          <a:lstStyle/>
-          <a:p>
-            <a:r>
-              <a:rPr lang="en-US" dirty="0"/>
-              <a:t>Two Content Layout with Table</a:t>
-            </a:r>
-          </a:p>
-        </p:txBody>
-      </p:sp>
-      <p:sp>
-        <p:nvSpPr>
-          <p:cNvPr id="6" name="Content Placeholder 5"/>
-          <p:cNvSpPr>
-            <a:spLocks noGrp="1"/>
-          </p:cNvSpPr>
-          <p:nvPr>
-            <p:ph sz="half" idx="1"/>
-          </p:nvPr>
-        </p:nvSpPr>
-        <p:spPr/>
-        <p:txBody>
-          <a:bodyPr/>
-          <a:lstStyle/>
-          <a:p>
-            <a:r>
-              <a:rPr lang="en-US" dirty="0"/>
-              <a:t>First bullet point here</a:t>
-            </a:r>
-          </a:p>
-          <a:p>
-            <a:r>
-              <a:rPr lang="en-US" dirty="0"/>
-              <a:t>Second bullet point here</a:t>
-            </a:r>
-          </a:p>
-          <a:p>
-            <a:r>
-              <a:rPr lang="en-US" dirty="0"/>
-              <a:t>Third bullet point here</a:t>
-            </a:r>
-          </a:p>
-        </p:txBody>
-      </p:sp>
-      <p:graphicFrame>
-        <p:nvGraphicFramePr>
-          <p:cNvPr id="7" name="Content Placeholder 6"/>
-          <p:cNvGraphicFramePr>
-            <a:graphicFrameLocks noGrp="1"/>
-          </p:cNvGraphicFramePr>
-          <p:nvPr>
-            <p:ph sz="half" idx="2"/>
-            <p:extLst>
-              <p:ext uri="{D42A27DB-BD31-4B8C-83A1-F6EECF244321}">
-                <p14:modId xmlns:p14="http://schemas.microsoft.com/office/powerpoint/2010/main" val="297124831"/>
-              </p:ext>
-            </p:extLst>
-          </p:nvPr>
-        </p:nvGraphicFramePr>
-        <p:xfrm>
-          <a:off x="6094413" y="1600200"/>
-          <a:ext cx="4875213" cy="2667000"/>
-        </p:xfrm>
-        <a:graphic>
-          <a:graphicData uri="http://schemas.openxmlformats.org/drawingml/2006/table">
-            <a:tbl>
-              <a:tblPr firstRow="1" bandRow="1">
-                <a:tableStyleId>{3B4B98B0-60AC-42C2-AFA5-B58CD77FA1E5}</a:tableStyleId>
-              </a:tblPr>
-              <a:tblGrid>
-                <a:gridCol w="1625071">
-                  <a:extLst>
-                    <a:ext uri="{9D8B030D-6E8A-4147-A177-3AD203B41FA5}">
-                      <a16:colId xmlns:a16="http://schemas.microsoft.com/office/drawing/2014/main" val="20000"/>
-                    </a:ext>
-                  </a:extLst>
-                </a:gridCol>
-                <a:gridCol w="1625071">
-                  <a:extLst>
-                    <a:ext uri="{9D8B030D-6E8A-4147-A177-3AD203B41FA5}">
-                      <a16:colId xmlns:a16="http://schemas.microsoft.com/office/drawing/2014/main" val="20001"/>
-                    </a:ext>
-                  </a:extLst>
-                </a:gridCol>
-                <a:gridCol w="1625071">
-                  <a:extLst>
-                    <a:ext uri="{9D8B030D-6E8A-4147-A177-3AD203B41FA5}">
-                      <a16:colId xmlns:a16="http://schemas.microsoft.com/office/drawing/2014/main" val="20002"/>
-                    </a:ext>
-                  </a:extLst>
-                </a:gridCol>
-              </a:tblGrid>
-              <a:tr h="666750">
-                <a:tc>
-                  <a:txBody>
-                    <a:bodyPr/>
-                    <a:lstStyle/>
-                    <a:p>
-                      <a:r>
-                        <a:rPr lang="en-US" dirty="0"/>
-                        <a:t>Class</a:t>
-                      </a:r>
-                    </a:p>
-                  </a:txBody>
-                  <a:tcPr anchor="ctr"/>
-                </a:tc>
-                <a:tc>
-                  <a:txBody>
-                    <a:bodyPr/>
-                    <a:lstStyle/>
-                    <a:p>
-                      <a:pPr algn="ctr"/>
-                      <a:r>
-                        <a:rPr lang="en-US" dirty="0"/>
-                        <a:t>Group A</a:t>
-                      </a:r>
-                    </a:p>
-                  </a:txBody>
-                  <a:tcPr anchor="ctr"/>
-                </a:tc>
-                <a:tc>
-                  <a:txBody>
-                    <a:bodyPr/>
-                    <a:lstStyle/>
-                    <a:p>
-                      <a:pPr algn="ctr"/>
-                      <a:r>
-                        <a:rPr lang="en-US" dirty="0"/>
-                        <a:t>Group B</a:t>
-                      </a:r>
-                    </a:p>
-                  </a:txBody>
-                  <a:tcPr anchor="ctr"/>
-                </a:tc>
-                <a:extLst>
-                  <a:ext uri="{0D108BD9-81ED-4DB2-BD59-A6C34878D82A}">
-                    <a16:rowId xmlns:a16="http://schemas.microsoft.com/office/drawing/2014/main" val="10000"/>
-                  </a:ext>
-                </a:extLst>
-              </a:tr>
-              <a:tr h="666750">
-                <a:tc>
-                  <a:txBody>
-                    <a:bodyPr/>
-                    <a:lstStyle/>
-                    <a:p>
-                      <a:r>
-                        <a:rPr lang="en-US" dirty="0"/>
-                        <a:t>Class 1</a:t>
-                      </a:r>
-                    </a:p>
-                  </a:txBody>
-                  <a:tcPr anchor="ctr"/>
-                </a:tc>
-                <a:tc>
-                  <a:txBody>
-                    <a:bodyPr/>
-                    <a:lstStyle/>
-                    <a:p>
-                      <a:pPr algn="ctr"/>
-                      <a:r>
-                        <a:rPr lang="en-US" dirty="0"/>
-                        <a:t>82</a:t>
-                      </a:r>
-                    </a:p>
-                  </a:txBody>
-                  <a:tcPr anchor="ctr"/>
-                </a:tc>
-                <a:tc>
-                  <a:txBody>
-                    <a:bodyPr/>
-                    <a:lstStyle/>
-                    <a:p>
-                      <a:pPr algn="ctr"/>
-                      <a:r>
-                        <a:rPr lang="en-US" dirty="0"/>
-                        <a:t>95</a:t>
-                      </a:r>
-                    </a:p>
-                  </a:txBody>
-                  <a:tcPr anchor="ctr"/>
-                </a:tc>
-                <a:extLst>
-                  <a:ext uri="{0D108BD9-81ED-4DB2-BD59-A6C34878D82A}">
-                    <a16:rowId xmlns:a16="http://schemas.microsoft.com/office/drawing/2014/main" val="10001"/>
-                  </a:ext>
-                </a:extLst>
-              </a:tr>
-              <a:tr h="666750">
-                <a:tc>
-                  <a:txBody>
-                    <a:bodyPr/>
-                    <a:lstStyle/>
-                    <a:p>
-                      <a:r>
-                        <a:rPr lang="en-US" dirty="0"/>
-                        <a:t>Class 2</a:t>
-                      </a:r>
-                    </a:p>
-                  </a:txBody>
-                  <a:tcPr anchor="ctr"/>
-                </a:tc>
-                <a:tc>
-                  <a:txBody>
-                    <a:bodyPr/>
-                    <a:lstStyle/>
-                    <a:p>
-                      <a:pPr algn="ctr"/>
-                      <a:r>
-                        <a:rPr lang="en-US" dirty="0"/>
-                        <a:t>76</a:t>
-                      </a:r>
-                    </a:p>
-                  </a:txBody>
-                  <a:tcPr anchor="ctr"/>
-                </a:tc>
-                <a:tc>
-                  <a:txBody>
-                    <a:bodyPr/>
-                    <a:lstStyle/>
-                    <a:p>
-                      <a:pPr algn="ctr"/>
-                      <a:r>
-                        <a:rPr lang="en-US" dirty="0"/>
-                        <a:t>88</a:t>
-                      </a:r>
-                    </a:p>
-                  </a:txBody>
-                  <a:tcPr anchor="ctr"/>
-                </a:tc>
-                <a:extLst>
-                  <a:ext uri="{0D108BD9-81ED-4DB2-BD59-A6C34878D82A}">
-                    <a16:rowId xmlns:a16="http://schemas.microsoft.com/office/drawing/2014/main" val="10002"/>
-                  </a:ext>
-                </a:extLst>
-              </a:tr>
-              <a:tr h="666750">
-                <a:tc>
-                  <a:txBody>
-                    <a:bodyPr/>
-                    <a:lstStyle/>
-                    <a:p>
-                      <a:r>
-                        <a:rPr lang="en-US" dirty="0"/>
-                        <a:t>Class 3</a:t>
-                      </a:r>
-                    </a:p>
-                  </a:txBody>
-                  <a:tcPr anchor="ctr"/>
-                </a:tc>
-                <a:tc>
-                  <a:txBody>
-                    <a:bodyPr/>
-                    <a:lstStyle/>
-                    <a:p>
-                      <a:pPr algn="ctr"/>
-                      <a:r>
-                        <a:rPr lang="en-US" dirty="0"/>
-                        <a:t>84</a:t>
-                      </a:r>
-                    </a:p>
-                  </a:txBody>
-                  <a:tcPr anchor="ctr"/>
-                </a:tc>
-                <a:tc>
-                  <a:txBody>
-                    <a:bodyPr/>
-                    <a:lstStyle/>
-                    <a:p>
-                      <a:pPr algn="ctr"/>
-                      <a:r>
-                        <a:rPr lang="en-US" dirty="0"/>
-                        <a:t>90</a:t>
-                      </a:r>
-                    </a:p>
-                  </a:txBody>
-                  <a:tcPr anchor="ctr"/>
-                </a:tc>
-                <a:extLst>
-                  <a:ext uri="{0D108BD9-81ED-4DB2-BD59-A6C34878D82A}">
-                    <a16:rowId xmlns:a16="http://schemas.microsoft.com/office/drawing/2014/main" val="10003"/>
-                  </a:ext>
-                </a:extLst>
-              </a:tr>
-            </a:tbl>
-          </a:graphicData>
-        </a:graphic>
-      </p:graphicFrame>
-    </p:spTree>
-    <p:extLst>
-      <p:ext uri="{BB962C8B-B14F-4D97-AF65-F5344CB8AC3E}">
-        <p14:creationId xmlns:p14="http://schemas.microsoft.com/office/powerpoint/2010/main" val="3980665089"/>
-      </p:ext>
-    </p:extLst>
-  </p:cSld>
-  <p:clrMapOvr>
-    <a:masterClrMapping/>
-  </p:clrMapOvr>
-  <mc:AlternateContent xmlns:mc="http://schemas.openxmlformats.org/markup-compatibility/2006" xmlns:p14="http://schemas.microsoft.com/office/powerpoint/2010/main">
-    <mc:Choice Requires="p14">
-      <p:transition spd="med" p14:dur="700">
-        <p:fade/>
-      </p:transition>
-    </mc:Choice>
-    <mc:Fallback xmlns="">
-      <p:transition spd="med">
-        <p:fade/>
-      </p:transition>
-    </mc:Fallback>
-  </mc:AlternateContent>
+  <p:timing>
+    <p:tnLst>
+      <p:par>
+        <p:cTn id="1" dur="indefinite" restart="never" nodeType="tmRoot"/>
+      </p:par>
+    </p:tnLst>
+  </p:timing>
 </p:sld>
 </file>
 
@@ -12454,75 +8419,76 @@
           <a:lstStyle/>
           <a:p>
             <a:r>
+              <a:rPr lang="en-US" dirty="0" smtClean="0"/>
+              <a:t>Future Considerations</a:t>
+            </a:r>
+            <a:endParaRPr lang="en-US" dirty="0"/>
+          </a:p>
+        </p:txBody>
+      </p:sp>
+      <p:sp>
+        <p:nvSpPr>
+          <p:cNvPr id="3" name="Content Placeholder 2"/>
+          <p:cNvSpPr>
+            <a:spLocks noGrp="1"/>
+          </p:cNvSpPr>
+          <p:nvPr>
+            <p:ph idx="1"/>
+          </p:nvPr>
+        </p:nvSpPr>
+        <p:spPr>
+          <a:xfrm>
+            <a:off x="760414" y="1752600"/>
+            <a:ext cx="10209529" cy="4572000"/>
+          </a:xfrm>
+        </p:spPr>
+        <p:txBody>
+          <a:bodyPr>
+            <a:normAutofit/>
+          </a:bodyPr>
+          <a:lstStyle/>
+          <a:p>
+            <a:r>
               <a:rPr lang="en-US" dirty="0"/>
-              <a:t>Two Content Layout with SmartArt</a:t>
-            </a:r>
-          </a:p>
-        </p:txBody>
-      </p:sp>
-      <p:sp>
-        <p:nvSpPr>
-          <p:cNvPr id="3" name="Content Placeholder 2"/>
-          <p:cNvSpPr>
-            <a:spLocks noGrp="1"/>
-          </p:cNvSpPr>
-          <p:nvPr>
-            <p:ph sz="half" idx="1"/>
-          </p:nvPr>
-        </p:nvSpPr>
-        <p:spPr/>
-        <p:txBody>
-          <a:bodyPr/>
-          <a:lstStyle/>
+              <a:t>Add functionality to System Options.</a:t>
+            </a:r>
+          </a:p>
+          <a:p>
+            <a:endParaRPr lang="en-US" dirty="0"/>
+          </a:p>
           <a:p>
             <a:r>
               <a:rPr lang="en-US" dirty="0"/>
-              <a:t>First bullet point here</a:t>
-            </a:r>
+              <a:t>Add support options for the user (phone number to call, email)</a:t>
+            </a:r>
+          </a:p>
+          <a:p>
+            <a:endParaRPr lang="en-US" dirty="0"/>
           </a:p>
           <a:p>
             <a:r>
               <a:rPr lang="en-US" dirty="0"/>
-              <a:t>Second bullet point here</a:t>
-            </a:r>
+              <a:t>Make the system responsive.</a:t>
+            </a:r>
+          </a:p>
+          <a:p>
+            <a:endParaRPr lang="en-US" dirty="0"/>
           </a:p>
           <a:p>
             <a:r>
               <a:rPr lang="en-US" dirty="0"/>
-              <a:t>Third bullet point here</a:t>
-            </a:r>
-          </a:p>
-        </p:txBody>
-      </p:sp>
-      <p:graphicFrame>
-        <p:nvGraphicFramePr>
-          <p:cNvPr id="5" name="Content Placeholder 4" descr="Radial cycle shows the relationship between 3 tasks to a group"/>
-          <p:cNvGraphicFramePr>
-            <a:graphicFrameLocks noGrp="1"/>
-          </p:cNvGraphicFramePr>
-          <p:nvPr>
-            <p:ph sz="half" idx="2"/>
-            <p:extLst>
-              <p:ext uri="{D42A27DB-BD31-4B8C-83A1-F6EECF244321}">
-                <p14:modId xmlns:p14="http://schemas.microsoft.com/office/powerpoint/2010/main" val="4164069720"/>
-              </p:ext>
-            </p:extLst>
-          </p:nvPr>
-        </p:nvGraphicFramePr>
-        <p:xfrm>
-          <a:off x="6094413" y="1600200"/>
-          <a:ext cx="4875212" cy="4572000"/>
-        </p:xfrm>
-        <a:graphic>
-          <a:graphicData uri="http://schemas.openxmlformats.org/drawingml/2006/diagram">
-            <dgm:relIds xmlns:dgm="http://schemas.openxmlformats.org/drawingml/2006/diagram" xmlns:r="http://schemas.openxmlformats.org/officeDocument/2006/relationships" r:dm="rId2" r:lo="rId3" r:qs="rId4" r:cs="rId5"/>
-          </a:graphicData>
-        </a:graphic>
-      </p:graphicFrame>
+              <a:t>Add functionality so that an item can be automatically ordered without sending an order manually.</a:t>
+            </a:r>
+          </a:p>
+          <a:p>
+            <a:endParaRPr lang="en-US" dirty="0"/>
+          </a:p>
+        </p:txBody>
+      </p:sp>
     </p:spTree>
     <p:extLst>
       <p:ext uri="{BB962C8B-B14F-4D97-AF65-F5344CB8AC3E}">
-        <p14:creationId xmlns:p14="http://schemas.microsoft.com/office/powerpoint/2010/main" val="2490618232"/>
+        <p14:creationId xmlns:p14="http://schemas.microsoft.com/office/powerpoint/2010/main" val="3294335589"/>
       </p:ext>
     </p:extLst>
   </p:cSld>
@@ -12541,6 +8507,13 @@
       </p:transition>
     </mc:Fallback>
   </mc:AlternateContent>
+  <p:timing>
+    <p:tnLst>
+      <p:par>
+        <p:cTn id="1" dur="indefinite" restart="never" nodeType="tmRoot"/>
+      </p:par>
+    </p:tnLst>
+  </p:timing>
 </p:sld>
 </file>
 
@@ -13240,26 +9213,6 @@
 </file>
 
 <file path=customXml/item1.xml><?xml version="1.0" encoding="utf-8"?>
-<?mso-contentType ?>
-<FormTemplates xmlns="http://schemas.microsoft.com/sharepoint/v3/contenttype/forms">
-  <Display>DocumentLibraryForm</Display>
-  <Edit>DocumentLibraryForm</Edit>
-  <New>DocumentLibraryForm</New>
-</FormTemplates>
-</file>
-
-<file path=customXml/item2.xml><?xml version="1.0" encoding="utf-8"?>
-<p:properties xmlns:p="http://schemas.microsoft.com/office/2006/metadata/properties" xmlns:xsi="http://www.w3.org/2001/XMLSchema-instance" xmlns:pc="http://schemas.microsoft.com/office/infopath/2007/PartnerControls">
-  <documentManagement>
-    <VSO_x0020_item_x0020_id xmlns="40262f94-9f35-4ac3-9a90-690165a166b7" xsi:nil="true"/>
-    <Assetid_x0020_ xmlns="40262f94-9f35-4ac3-9a90-690165a166b7" xsi:nil="true"/>
-    <Item_x0020_Details xmlns="40262f94-9f35-4ac3-9a90-690165a166b7" xsi:nil="true"/>
-    <Template_x0020_details xmlns="40262f94-9f35-4ac3-9a90-690165a166b7" xsi:nil="true"/>
-  </documentManagement>
-</p:properties>
-</file>
-
-<file path=customXml/item3.xml><?xml version="1.0" encoding="utf-8"?>
 <ct:contentTypeSchema xmlns:ct="http://schemas.microsoft.com/office/2006/metadata/contentType" xmlns:ma="http://schemas.microsoft.com/office/2006/metadata/properties/metaAttributes" ct:_="" ma:_="" ma:contentTypeName="Document" ma:contentTypeID="0x010100AA3F7D94069FF64A86F7DFF56D60E3BE" ma:contentTypeVersion="6" ma:contentTypeDescription="Create a new document." ma:contentTypeScope="" ma:versionID="c32302c77d4085ecf495bdddb7f5e889">
   <xsd:schema xmlns:xsd="http://www.w3.org/2001/XMLSchema" xmlns:xs="http://www.w3.org/2001/XMLSchema" xmlns:p="http://schemas.microsoft.com/office/2006/metadata/properties" xmlns:ns2="a4f35948-e619-41b3-aa29-22878b09cfd2" xmlns:ns3="40262f94-9f35-4ac3-9a90-690165a166b7" targetNamespace="http://schemas.microsoft.com/office/2006/metadata/properties" ma:root="true" ma:fieldsID="4ab5ae46be95f9d0be6107e8200be7a2" ns2:_="" ns3:_="">
     <xsd:import namespace="a4f35948-e619-41b3-aa29-22878b09cfd2"/>
@@ -13440,10 +9393,41 @@
 </ct:contentTypeSchema>
 </file>
 
+<file path=customXml/item2.xml><?xml version="1.0" encoding="utf-8"?>
+<p:properties xmlns:p="http://schemas.microsoft.com/office/2006/metadata/properties" xmlns:xsi="http://www.w3.org/2001/XMLSchema-instance" xmlns:pc="http://schemas.microsoft.com/office/infopath/2007/PartnerControls">
+  <documentManagement>
+    <VSO_x0020_item_x0020_id xmlns="40262f94-9f35-4ac3-9a90-690165a166b7" xsi:nil="true"/>
+    <Assetid_x0020_ xmlns="40262f94-9f35-4ac3-9a90-690165a166b7" xsi:nil="true"/>
+    <Item_x0020_Details xmlns="40262f94-9f35-4ac3-9a90-690165a166b7" xsi:nil="true"/>
+    <Template_x0020_details xmlns="40262f94-9f35-4ac3-9a90-690165a166b7" xsi:nil="true"/>
+  </documentManagement>
+</p:properties>
+</file>
+
+<file path=customXml/item3.xml><?xml version="1.0" encoding="utf-8"?>
+<?mso-contentType ?>
+<FormTemplates xmlns="http://schemas.microsoft.com/sharepoint/v3/contenttype/forms">
+  <Display>DocumentLibraryForm</Display>
+  <Edit>DocumentLibraryForm</Edit>
+  <New>DocumentLibraryForm</New>
+</FormTemplates>
+</file>
+
 <file path=customXml/itemProps1.xml><?xml version="1.0" encoding="utf-8"?>
-<ds:datastoreItem xmlns:ds="http://schemas.openxmlformats.org/officeDocument/2006/customXml" ds:itemID="{308942AA-0721-4324-BC2C-A3CB43F24E71}">
+<ds:datastoreItem xmlns:ds="http://schemas.openxmlformats.org/officeDocument/2006/customXml" ds:itemID="{FB14945D-DABB-422F-9B28-D299995C9226}">
   <ds:schemaRefs>
-    <ds:schemaRef ds:uri="http://schemas.microsoft.com/sharepoint/v3/contenttype/forms"/>
+    <ds:schemaRef ds:uri="http://schemas.microsoft.com/office/2006/metadata/contentType"/>
+    <ds:schemaRef ds:uri="http://schemas.microsoft.com/office/2006/metadata/properties/metaAttributes"/>
+    <ds:schemaRef ds:uri="http://www.w3.org/2001/XMLSchema"/>
+    <ds:schemaRef ds:uri="http://schemas.microsoft.com/office/2006/metadata/properties"/>
+    <ds:schemaRef ds:uri="a4f35948-e619-41b3-aa29-22878b09cfd2"/>
+    <ds:schemaRef ds:uri="40262f94-9f35-4ac3-9a90-690165a166b7"/>
+    <ds:schemaRef ds:uri="http://schemas.microsoft.com/office/2006/documentManagement/types"/>
+    <ds:schemaRef ds:uri="http://schemas.microsoft.com/office/infopath/2007/PartnerControls"/>
+    <ds:schemaRef ds:uri="http://schemas.openxmlformats.org/package/2006/metadata/core-properties"/>
+    <ds:schemaRef ds:uri="http://purl.org/dc/elements/1.1/"/>
+    <ds:schemaRef ds:uri="http://purl.org/dc/terms/"/>
+    <ds:schemaRef ds:uri="http://schemas.microsoft.com/internal/obd"/>
   </ds:schemaRefs>
 </ds:datastoreItem>
 </file>
@@ -13466,20 +9450,9 @@
 </file>
 
 <file path=customXml/itemProps3.xml><?xml version="1.0" encoding="utf-8"?>
-<ds:datastoreItem xmlns:ds="http://schemas.openxmlformats.org/officeDocument/2006/customXml" ds:itemID="{FB14945D-DABB-422F-9B28-D299995C9226}">
+<ds:datastoreItem xmlns:ds="http://schemas.openxmlformats.org/officeDocument/2006/customXml" ds:itemID="{308942AA-0721-4324-BC2C-A3CB43F24E71}">
   <ds:schemaRefs>
-    <ds:schemaRef ds:uri="http://schemas.microsoft.com/office/2006/metadata/contentType"/>
-    <ds:schemaRef ds:uri="http://schemas.microsoft.com/office/2006/metadata/properties/metaAttributes"/>
-    <ds:schemaRef ds:uri="http://www.w3.org/2001/XMLSchema"/>
-    <ds:schemaRef ds:uri="http://schemas.microsoft.com/office/2006/metadata/properties"/>
-    <ds:schemaRef ds:uri="a4f35948-e619-41b3-aa29-22878b09cfd2"/>
-    <ds:schemaRef ds:uri="40262f94-9f35-4ac3-9a90-690165a166b7"/>
-    <ds:schemaRef ds:uri="http://schemas.microsoft.com/office/2006/documentManagement/types"/>
-    <ds:schemaRef ds:uri="http://schemas.microsoft.com/office/infopath/2007/PartnerControls"/>
-    <ds:schemaRef ds:uri="http://schemas.openxmlformats.org/package/2006/metadata/core-properties"/>
-    <ds:schemaRef ds:uri="http://purl.org/dc/elements/1.1/"/>
-    <ds:schemaRef ds:uri="http://purl.org/dc/terms/"/>
-    <ds:schemaRef ds:uri="http://schemas.microsoft.com/internal/obd"/>
+    <ds:schemaRef ds:uri="http://schemas.microsoft.com/sharepoint/v3/contenttype/forms"/>
   </ds:schemaRefs>
 </ds:datastoreItem>
 </file>